--- a/week02/day05/demo/ppt-w02.pptx
+++ b/week02/day05/demo/ppt-w02.pptx
@@ -2,16 +2,19 @@
 <file path=ppt/presentation.xml><?xml version="1.0" encoding="utf-8"?>
 <p:presentation xmlns:a="http://schemas.openxmlformats.org/drawingml/2006/main" xmlns:r="http://schemas.openxmlformats.org/officeDocument/2006/relationships" xmlns:p="http://schemas.openxmlformats.org/presentationml/2006/main" saveSubsetFonts="1">
   <p:sldMasterIdLst>
-    <p:sldMasterId id="2147483660" r:id="rId1"/>
+    <p:sldMasterId id="2147483672" r:id="rId1"/>
   </p:sldMasterIdLst>
   <p:sldIdLst>
     <p:sldId id="256" r:id="rId2"/>
     <p:sldId id="257" r:id="rId3"/>
-    <p:sldId id="258" r:id="rId4"/>
-    <p:sldId id="259" r:id="rId5"/>
-    <p:sldId id="260" r:id="rId6"/>
+    <p:sldId id="264" r:id="rId4"/>
+    <p:sldId id="263" r:id="rId5"/>
+    <p:sldId id="261" r:id="rId6"/>
+    <p:sldId id="265" r:id="rId7"/>
+    <p:sldId id="260" r:id="rId8"/>
+    <p:sldId id="262" r:id="rId9"/>
   </p:sldIdLst>
-  <p:sldSz cx="12192000" cy="6858000"/>
+  <p:sldSz cx="9144000" cy="6858000" type="screen4x3"/>
   <p:notesSz cx="6858000" cy="9144000"/>
   <p:defaultTextStyle>
     <a:defPPr>
@@ -108,7 +111,16 @@
       </a:defRPr>
     </a:lvl9pPr>
   </p:defaultTextStyle>
+  <p:extLst>
+    <p:ext uri="{EFAFB233-063F-42B5-8137-9DF3F51BA10A}">
+      <p15:sldGuideLst xmlns:p15="http://schemas.microsoft.com/office/powerpoint/2012/main"/>
+    </p:ext>
+  </p:extLst>
 </p:presentation>
+</file>
+
+<file path=ppt/revisionInfo.xml><?xml version="1.0" encoding="utf-8"?>
+<p1510:revInfo xmlns:a="http://schemas.openxmlformats.org/drawingml/2006/main" xmlns:r="http://schemas.openxmlformats.org/officeDocument/2006/relationships" xmlns:p1510="http://schemas.microsoft.com/office/powerpoint/2015/10/main"/>
 </file>
 
 <file path=ppt/slideLayouts/slideLayout1.xml><?xml version="1.0" encoding="utf-8"?>
@@ -136,8 +148,8 @@
         </p:nvSpPr>
         <p:spPr>
           <a:xfrm>
-            <a:off x="3175" y="6400800"/>
-            <a:ext cx="12188825" cy="457200"/>
+            <a:off x="2382" y="6400800"/>
+            <a:ext cx="9141619" cy="457200"/>
           </a:xfrm>
           <a:prstGeom prst="rect">
             <a:avLst/>
@@ -174,8 +186,8 @@
         </p:nvSpPr>
         <p:spPr>
           <a:xfrm>
-            <a:off x="15" y="6334316"/>
-            <a:ext cx="12188825" cy="64008"/>
+            <a:off x="12" y="6334316"/>
+            <a:ext cx="9141619" cy="64008"/>
           </a:xfrm>
           <a:prstGeom prst="rect">
             <a:avLst/>
@@ -216,8 +228,8 @@
         </p:nvSpPr>
         <p:spPr>
           <a:xfrm>
-            <a:off x="1097280" y="758952"/>
-            <a:ext cx="10058400" cy="3566160"/>
+            <a:off x="822960" y="758952"/>
+            <a:ext cx="7543800" cy="3566160"/>
           </a:xfrm>
         </p:spPr>
         <p:txBody>
@@ -260,8 +272,8 @@
         </p:nvSpPr>
         <p:spPr>
           <a:xfrm>
-            <a:off x="1100051" y="4455620"/>
-            <a:ext cx="10058400" cy="1143000"/>
+            <a:off x="825038" y="4455621"/>
+            <a:ext cx="7543800" cy="1143000"/>
           </a:xfrm>
         </p:spPr>
         <p:txBody>
@@ -337,7 +349,7 @@
           <a:p>
             <a:fld id="{85B2B093-E005-4BA9-BF60-7D4F4FD67000}" type="datetimeFigureOut">
               <a:rPr lang="en-GB" smtClean="0"/>
-              <a:t>14/09/2017</a:t>
+              <a:t>15/09/2017</a:t>
             </a:fld>
             <a:endParaRPr lang="en-GB"/>
           </a:p>
@@ -393,8 +405,8 @@
         </p:nvCxnSpPr>
         <p:spPr>
           <a:xfrm>
-            <a:off x="1207658" y="4343400"/>
-            <a:ext cx="9875520" cy="0"/>
+            <a:off x="905744" y="4343400"/>
+            <a:ext cx="7406640" cy="0"/>
           </a:xfrm>
           <a:prstGeom prst="line">
             <a:avLst/>
@@ -426,7 +438,7 @@
     </p:spTree>
     <p:extLst>
       <p:ext uri="{BB962C8B-B14F-4D97-AF65-F5344CB8AC3E}">
-        <p14:creationId xmlns:p14="http://schemas.microsoft.com/office/powerpoint/2010/main" val="196140051"/>
+        <p14:creationId xmlns:p14="http://schemas.microsoft.com/office/powerpoint/2010/main" val="3010325271"/>
       </p:ext>
     </p:extLst>
   </p:cSld>
@@ -545,7 +557,7 @@
           <a:p>
             <a:fld id="{85B2B093-E005-4BA9-BF60-7D4F4FD67000}" type="datetimeFigureOut">
               <a:rPr lang="en-GB" smtClean="0"/>
-              <a:t>14/09/2017</a:t>
+              <a:t>15/09/2017</a:t>
             </a:fld>
             <a:endParaRPr lang="en-GB"/>
           </a:p>
@@ -596,7 +608,7 @@
     </p:spTree>
     <p:extLst>
       <p:ext uri="{BB962C8B-B14F-4D97-AF65-F5344CB8AC3E}">
-        <p14:creationId xmlns:p14="http://schemas.microsoft.com/office/powerpoint/2010/main" val="938114507"/>
+        <p14:creationId xmlns:p14="http://schemas.microsoft.com/office/powerpoint/2010/main" val="1328024952"/>
       </p:ext>
     </p:extLst>
   </p:cSld>
@@ -631,8 +643,8 @@
         </p:nvSpPr>
         <p:spPr>
           <a:xfrm>
-            <a:off x="3175" y="6400800"/>
-            <a:ext cx="12188825" cy="457200"/>
+            <a:off x="2382" y="6400800"/>
+            <a:ext cx="9141619" cy="457200"/>
           </a:xfrm>
           <a:prstGeom prst="rect">
             <a:avLst/>
@@ -669,8 +681,8 @@
         </p:nvSpPr>
         <p:spPr>
           <a:xfrm>
-            <a:off x="15" y="6334316"/>
-            <a:ext cx="12188825" cy="64008"/>
+            <a:off x="12" y="6334316"/>
+            <a:ext cx="9141619" cy="64008"/>
           </a:xfrm>
           <a:prstGeom prst="rect">
             <a:avLst/>
@@ -711,8 +723,8 @@
         </p:nvSpPr>
         <p:spPr>
           <a:xfrm>
-            <a:off x="8724900" y="414778"/>
-            <a:ext cx="2628900" cy="5757421"/>
+            <a:off x="6543675" y="414779"/>
+            <a:ext cx="1971675" cy="5757421"/>
           </a:xfrm>
         </p:spPr>
         <p:txBody>
@@ -739,8 +751,8 @@
         </p:nvSpPr>
         <p:spPr>
           <a:xfrm>
-            <a:off x="838200" y="414778"/>
-            <a:ext cx="7734300" cy="5757422"/>
+            <a:off x="628650" y="414779"/>
+            <a:ext cx="5800725" cy="5757420"/>
           </a:xfrm>
         </p:spPr>
         <p:txBody>
@@ -801,7 +813,7 @@
           <a:p>
             <a:fld id="{85B2B093-E005-4BA9-BF60-7D4F4FD67000}" type="datetimeFigureOut">
               <a:rPr lang="en-GB" smtClean="0"/>
-              <a:t>14/09/2017</a:t>
+              <a:t>15/09/2017</a:t>
             </a:fld>
             <a:endParaRPr lang="en-GB"/>
           </a:p>
@@ -852,7 +864,7 @@
     </p:spTree>
     <p:extLst>
       <p:ext uri="{BB962C8B-B14F-4D97-AF65-F5344CB8AC3E}">
-        <p14:creationId xmlns:p14="http://schemas.microsoft.com/office/powerpoint/2010/main" val="914014328"/>
+        <p14:creationId xmlns:p14="http://schemas.microsoft.com/office/powerpoint/2010/main" val="2684049368"/>
       </p:ext>
     </p:extLst>
   </p:cSld>
@@ -892,11 +904,7 @@
         <p:spPr/>
         <p:txBody>
           <a:bodyPr/>
-          <a:lstStyle>
-            <a:lvl1pPr marL="0">
-              <a:defRPr/>
-            </a:lvl1pPr>
-          </a:lstStyle>
+          <a:lstStyle/>
           <a:p>
             <a:r>
               <a:rPr lang="hu-HU"/>
@@ -975,7 +983,7 @@
           <a:p>
             <a:fld id="{85B2B093-E005-4BA9-BF60-7D4F4FD67000}" type="datetimeFigureOut">
               <a:rPr lang="en-GB" smtClean="0"/>
-              <a:t>14/09/2017</a:t>
+              <a:t>15/09/2017</a:t>
             </a:fld>
             <a:endParaRPr lang="en-GB"/>
           </a:p>
@@ -1026,7 +1034,7 @@
     </p:spTree>
     <p:extLst>
       <p:ext uri="{BB962C8B-B14F-4D97-AF65-F5344CB8AC3E}">
-        <p14:creationId xmlns:p14="http://schemas.microsoft.com/office/powerpoint/2010/main" val="2643338890"/>
+        <p14:creationId xmlns:p14="http://schemas.microsoft.com/office/powerpoint/2010/main" val="3816729509"/>
       </p:ext>
     </p:extLst>
   </p:cSld>
@@ -1069,8 +1077,8 @@
         </p:nvSpPr>
         <p:spPr>
           <a:xfrm>
-            <a:off x="3175" y="6400800"/>
-            <a:ext cx="12188825" cy="457200"/>
+            <a:off x="2382" y="6400800"/>
+            <a:ext cx="9141619" cy="457200"/>
           </a:xfrm>
           <a:prstGeom prst="rect">
             <a:avLst/>
@@ -1107,8 +1115,8 @@
         </p:nvSpPr>
         <p:spPr>
           <a:xfrm>
-            <a:off x="15" y="6334316"/>
-            <a:ext cx="12188825" cy="64008"/>
+            <a:off x="12" y="6334316"/>
+            <a:ext cx="9141619" cy="64008"/>
           </a:xfrm>
           <a:prstGeom prst="rect">
             <a:avLst/>
@@ -1149,8 +1157,8 @@
         </p:nvSpPr>
         <p:spPr>
           <a:xfrm>
-            <a:off x="1097280" y="758952"/>
-            <a:ext cx="10058400" cy="3566160"/>
+            <a:off x="822960" y="758952"/>
+            <a:ext cx="7543800" cy="3566160"/>
           </a:xfrm>
         </p:spPr>
         <p:txBody>
@@ -1193,8 +1201,8 @@
         </p:nvSpPr>
         <p:spPr>
           <a:xfrm>
-            <a:off x="1097280" y="4453128"/>
-            <a:ext cx="10058400" cy="1143000"/>
+            <a:off x="822960" y="4453128"/>
+            <a:ext cx="7543800" cy="1143000"/>
           </a:xfrm>
         </p:spPr>
         <p:txBody>
@@ -1318,7 +1326,7 @@
           <a:p>
             <a:fld id="{85B2B093-E005-4BA9-BF60-7D4F4FD67000}" type="datetimeFigureOut">
               <a:rPr lang="en-GB" smtClean="0"/>
-              <a:t>14/09/2017</a:t>
+              <a:t>15/09/2017</a:t>
             </a:fld>
             <a:endParaRPr lang="en-GB"/>
           </a:p>
@@ -1374,8 +1382,8 @@
         </p:nvCxnSpPr>
         <p:spPr>
           <a:xfrm>
-            <a:off x="1207658" y="4343400"/>
-            <a:ext cx="9875520" cy="0"/>
+            <a:off x="905744" y="4343400"/>
+            <a:ext cx="7406640" cy="0"/>
           </a:xfrm>
           <a:prstGeom prst="line">
             <a:avLst/>
@@ -1407,7 +1415,7 @@
     </p:spTree>
     <p:extLst>
       <p:ext uri="{BB962C8B-B14F-4D97-AF65-F5344CB8AC3E}">
-        <p14:creationId xmlns:p14="http://schemas.microsoft.com/office/powerpoint/2010/main" val="3493622880"/>
+        <p14:creationId xmlns:p14="http://schemas.microsoft.com/office/powerpoint/2010/main" val="3300482631"/>
       </p:ext>
     </p:extLst>
   </p:cSld>
@@ -1446,8 +1454,8 @@
         </p:nvSpPr>
         <p:spPr>
           <a:xfrm>
-            <a:off x="1097280" y="286603"/>
-            <a:ext cx="10058400" cy="1450757"/>
+            <a:off x="822960" y="286604"/>
+            <a:ext cx="7543800" cy="1450757"/>
           </a:xfrm>
         </p:spPr>
         <p:txBody>
@@ -1474,8 +1482,8 @@
         </p:nvSpPr>
         <p:spPr>
           <a:xfrm>
-            <a:off x="1097279" y="1845734"/>
-            <a:ext cx="4937760" cy="4023360"/>
+            <a:off x="822960" y="1845734"/>
+            <a:ext cx="3703320" cy="4023360"/>
           </a:xfrm>
         </p:spPr>
         <p:txBody>
@@ -1531,8 +1539,8 @@
         </p:nvSpPr>
         <p:spPr>
           <a:xfrm>
-            <a:off x="6217920" y="1845735"/>
-            <a:ext cx="4937760" cy="4023360"/>
+            <a:off x="4663440" y="1845736"/>
+            <a:ext cx="3703320" cy="4023359"/>
           </a:xfrm>
         </p:spPr>
         <p:txBody>
@@ -1593,7 +1601,7 @@
           <a:p>
             <a:fld id="{85B2B093-E005-4BA9-BF60-7D4F4FD67000}" type="datetimeFigureOut">
               <a:rPr lang="en-GB" smtClean="0"/>
-              <a:t>14/09/2017</a:t>
+              <a:t>15/09/2017</a:t>
             </a:fld>
             <a:endParaRPr lang="en-GB"/>
           </a:p>
@@ -1644,7 +1652,7 @@
     </p:spTree>
     <p:extLst>
       <p:ext uri="{BB962C8B-B14F-4D97-AF65-F5344CB8AC3E}">
-        <p14:creationId xmlns:p14="http://schemas.microsoft.com/office/powerpoint/2010/main" val="303662191"/>
+        <p14:creationId xmlns:p14="http://schemas.microsoft.com/office/powerpoint/2010/main" val="3164330874"/>
       </p:ext>
     </p:extLst>
   </p:cSld>
@@ -1683,8 +1691,8 @@
         </p:nvSpPr>
         <p:spPr>
           <a:xfrm>
-            <a:off x="1097280" y="286603"/>
-            <a:ext cx="10058400" cy="1450757"/>
+            <a:off x="822960" y="286604"/>
+            <a:ext cx="7543800" cy="1450757"/>
           </a:xfrm>
         </p:spPr>
         <p:txBody>
@@ -1711,8 +1719,8 @@
         </p:nvSpPr>
         <p:spPr>
           <a:xfrm>
-            <a:off x="1097280" y="1846052"/>
-            <a:ext cx="4937760" cy="736282"/>
+            <a:off x="822960" y="1846052"/>
+            <a:ext cx="3703320" cy="736282"/>
           </a:xfrm>
         </p:spPr>
         <p:txBody>
@@ -1782,8 +1790,8 @@
         </p:nvSpPr>
         <p:spPr>
           <a:xfrm>
-            <a:off x="1097280" y="2582334"/>
-            <a:ext cx="4937760" cy="3378200"/>
+            <a:off x="822960" y="2582334"/>
+            <a:ext cx="3703320" cy="3286760"/>
           </a:xfrm>
         </p:spPr>
         <p:txBody>
@@ -1839,8 +1847,8 @@
         </p:nvSpPr>
         <p:spPr>
           <a:xfrm>
-            <a:off x="6217920" y="1846052"/>
-            <a:ext cx="4937760" cy="736282"/>
+            <a:off x="4663440" y="1846052"/>
+            <a:ext cx="3703320" cy="736282"/>
           </a:xfrm>
         </p:spPr>
         <p:txBody>
@@ -1910,8 +1918,8 @@
         </p:nvSpPr>
         <p:spPr>
           <a:xfrm>
-            <a:off x="6217920" y="2582334"/>
-            <a:ext cx="4937760" cy="3378200"/>
+            <a:off x="4663440" y="2582334"/>
+            <a:ext cx="3703320" cy="3286760"/>
           </a:xfrm>
         </p:spPr>
         <p:txBody>
@@ -1972,7 +1980,7 @@
           <a:p>
             <a:fld id="{85B2B093-E005-4BA9-BF60-7D4F4FD67000}" type="datetimeFigureOut">
               <a:rPr lang="en-GB" smtClean="0"/>
-              <a:t>14/09/2017</a:t>
+              <a:t>15/09/2017</a:t>
             </a:fld>
             <a:endParaRPr lang="en-GB"/>
           </a:p>
@@ -2023,7 +2031,7 @@
     </p:spTree>
     <p:extLst>
       <p:ext uri="{BB962C8B-B14F-4D97-AF65-F5344CB8AC3E}">
-        <p14:creationId xmlns:p14="http://schemas.microsoft.com/office/powerpoint/2010/main" val="1888833837"/>
+        <p14:creationId xmlns:p14="http://schemas.microsoft.com/office/powerpoint/2010/main" val="463189908"/>
       </p:ext>
     </p:extLst>
   </p:cSld>
@@ -2090,7 +2098,7 @@
           <a:p>
             <a:fld id="{85B2B093-E005-4BA9-BF60-7D4F4FD67000}" type="datetimeFigureOut">
               <a:rPr lang="en-GB" smtClean="0"/>
-              <a:t>14/09/2017</a:t>
+              <a:t>15/09/2017</a:t>
             </a:fld>
             <a:endParaRPr lang="en-GB"/>
           </a:p>
@@ -2141,7 +2149,7 @@
     </p:spTree>
     <p:extLst>
       <p:ext uri="{BB962C8B-B14F-4D97-AF65-F5344CB8AC3E}">
-        <p14:creationId xmlns:p14="http://schemas.microsoft.com/office/powerpoint/2010/main" val="3385144401"/>
+        <p14:creationId xmlns:p14="http://schemas.microsoft.com/office/powerpoint/2010/main" val="695046658"/>
       </p:ext>
     </p:extLst>
   </p:cSld>
@@ -2176,8 +2184,8 @@
         </p:nvSpPr>
         <p:spPr>
           <a:xfrm>
-            <a:off x="3175" y="6400800"/>
-            <a:ext cx="12188825" cy="457200"/>
+            <a:off x="2382" y="6400800"/>
+            <a:ext cx="9141619" cy="457200"/>
           </a:xfrm>
           <a:prstGeom prst="rect">
             <a:avLst/>
@@ -2214,8 +2222,8 @@
         </p:nvSpPr>
         <p:spPr>
           <a:xfrm>
-            <a:off x="15" y="6334316"/>
-            <a:ext cx="12188825" cy="64008"/>
+            <a:off x="12" y="6334316"/>
+            <a:ext cx="9141619" cy="64008"/>
           </a:xfrm>
           <a:prstGeom prst="rect">
             <a:avLst/>
@@ -2261,7 +2269,7 @@
           <a:p>
             <a:fld id="{85B2B093-E005-4BA9-BF60-7D4F4FD67000}" type="datetimeFigureOut">
               <a:rPr lang="en-GB" smtClean="0"/>
-              <a:t>14/09/2017</a:t>
+              <a:t>15/09/2017</a:t>
             </a:fld>
             <a:endParaRPr lang="en-GB"/>
           </a:p>
@@ -2320,7 +2328,7 @@
     </p:spTree>
     <p:extLst>
       <p:ext uri="{BB962C8B-B14F-4D97-AF65-F5344CB8AC3E}">
-        <p14:creationId xmlns:p14="http://schemas.microsoft.com/office/powerpoint/2010/main" val="2300115169"/>
+        <p14:creationId xmlns:p14="http://schemas.microsoft.com/office/powerpoint/2010/main" val="856089387"/>
       </p:ext>
     </p:extLst>
   </p:cSld>
@@ -2355,8 +2363,8 @@
         </p:nvSpPr>
         <p:spPr>
           <a:xfrm>
-            <a:off x="16" y="0"/>
-            <a:ext cx="4050791" cy="6858000"/>
+            <a:off x="13" y="0"/>
+            <a:ext cx="3038093" cy="6858000"/>
           </a:xfrm>
           <a:prstGeom prst="rect">
             <a:avLst/>
@@ -2393,8 +2401,8 @@
         </p:nvSpPr>
         <p:spPr>
           <a:xfrm>
-            <a:off x="4040071" y="0"/>
-            <a:ext cx="64008" cy="6858000"/>
+            <a:off x="3030053" y="0"/>
+            <a:ext cx="48006" cy="6858000"/>
           </a:xfrm>
           <a:prstGeom prst="rect">
             <a:avLst/>
@@ -2435,8 +2443,8 @@
         </p:nvSpPr>
         <p:spPr>
           <a:xfrm>
-            <a:off x="457200" y="594359"/>
-            <a:ext cx="3200400" cy="2286000"/>
+            <a:off x="342900" y="594359"/>
+            <a:ext cx="2400300" cy="2286000"/>
           </a:xfrm>
         </p:spPr>
         <p:txBody>
@@ -2473,8 +2481,8 @@
         </p:nvSpPr>
         <p:spPr>
           <a:xfrm>
-            <a:off x="4800600" y="731520"/>
-            <a:ext cx="6492240" cy="5257800"/>
+            <a:off x="3460237" y="731520"/>
+            <a:ext cx="5009393" cy="5257800"/>
           </a:xfrm>
         </p:spPr>
         <p:txBody>
@@ -2530,8 +2538,8 @@
         </p:nvSpPr>
         <p:spPr>
           <a:xfrm>
-            <a:off x="457200" y="2926080"/>
-            <a:ext cx="3200400" cy="3379124"/>
+            <a:off x="342900" y="2926080"/>
+            <a:ext cx="2400300" cy="3379124"/>
           </a:xfrm>
         </p:spPr>
         <p:txBody>
@@ -2601,8 +2609,8 @@
         </p:nvSpPr>
         <p:spPr>
           <a:xfrm>
-            <a:off x="465512" y="6459785"/>
-            <a:ext cx="2618510" cy="365125"/>
+            <a:off x="349134" y="6459786"/>
+            <a:ext cx="1963883" cy="365125"/>
           </a:xfrm>
         </p:spPr>
         <p:txBody>
@@ -2615,7 +2623,7 @@
           <a:p>
             <a:fld id="{85B2B093-E005-4BA9-BF60-7D4F4FD67000}" type="datetimeFigureOut">
               <a:rPr lang="en-GB" smtClean="0"/>
-              <a:t>14/09/2017</a:t>
+              <a:t>15/09/2017</a:t>
             </a:fld>
             <a:endParaRPr lang="en-GB"/>
           </a:p>
@@ -2633,8 +2641,8 @@
         </p:nvSpPr>
         <p:spPr>
           <a:xfrm>
-            <a:off x="4800600" y="6459785"/>
-            <a:ext cx="4648200" cy="365125"/>
+            <a:off x="3600450" y="6459786"/>
+            <a:ext cx="3486150" cy="365125"/>
           </a:xfrm>
         </p:spPr>
         <p:txBody>
@@ -2687,7 +2695,7 @@
     </p:spTree>
     <p:extLst>
       <p:ext uri="{BB962C8B-B14F-4D97-AF65-F5344CB8AC3E}">
-        <p14:creationId xmlns:p14="http://schemas.microsoft.com/office/powerpoint/2010/main" val="3512169856"/>
+        <p14:creationId xmlns:p14="http://schemas.microsoft.com/office/powerpoint/2010/main" val="5751246"/>
       </p:ext>
     </p:extLst>
   </p:cSld>
@@ -2723,7 +2731,7 @@
         <p:spPr>
           <a:xfrm>
             <a:off x="0" y="4953000"/>
-            <a:ext cx="12188825" cy="1905000"/>
+            <a:ext cx="9141619" cy="1905000"/>
           </a:xfrm>
           <a:prstGeom prst="rect">
             <a:avLst/>
@@ -2760,8 +2768,8 @@
         </p:nvSpPr>
         <p:spPr>
           <a:xfrm>
-            <a:off x="15" y="4915076"/>
-            <a:ext cx="12188825" cy="64008"/>
+            <a:off x="12" y="4915076"/>
+            <a:ext cx="9141619" cy="64008"/>
           </a:xfrm>
           <a:prstGeom prst="rect">
             <a:avLst/>
@@ -2802,12 +2810,12 @@
         </p:nvSpPr>
         <p:spPr>
           <a:xfrm>
-            <a:off x="1097280" y="5074920"/>
-            <a:ext cx="10113264" cy="822960"/>
+            <a:off x="822960" y="5074920"/>
+            <a:ext cx="7589520" cy="822960"/>
           </a:xfrm>
         </p:spPr>
         <p:txBody>
-          <a:bodyPr lIns="91440" tIns="0" rIns="91440" bIns="0" anchor="b">
+          <a:bodyPr tIns="0" bIns="0" anchor="b">
             <a:noAutofit/>
           </a:bodyPr>
           <a:lstStyle>
@@ -2840,8 +2848,8 @@
         </p:nvSpPr>
         <p:spPr>
           <a:xfrm>
-            <a:off x="15" y="0"/>
-            <a:ext cx="12191985" cy="4915076"/>
+            <a:off x="12" y="0"/>
+            <a:ext cx="9143989" cy="4915076"/>
           </a:xfrm>
           <a:blipFill>
             <a:blip r:embed="rId2"/>
@@ -2915,8 +2923,8 @@
         </p:nvSpPr>
         <p:spPr>
           <a:xfrm>
-            <a:off x="1097280" y="5907023"/>
-            <a:ext cx="10113264" cy="594360"/>
+            <a:off x="822959" y="5907024"/>
+            <a:ext cx="7589520" cy="594360"/>
           </a:xfrm>
         </p:spPr>
         <p:txBody>
@@ -2997,7 +3005,7 @@
           <a:p>
             <a:fld id="{85B2B093-E005-4BA9-BF60-7D4F4FD67000}" type="datetimeFigureOut">
               <a:rPr lang="en-GB" smtClean="0"/>
-              <a:t>14/09/2017</a:t>
+              <a:t>15/09/2017</a:t>
             </a:fld>
             <a:endParaRPr lang="en-GB"/>
           </a:p>
@@ -3048,7 +3056,7 @@
     </p:spTree>
     <p:extLst>
       <p:ext uri="{BB962C8B-B14F-4D97-AF65-F5344CB8AC3E}">
-        <p14:creationId xmlns:p14="http://schemas.microsoft.com/office/powerpoint/2010/main" val="2712678092"/>
+        <p14:creationId xmlns:p14="http://schemas.microsoft.com/office/powerpoint/2010/main" val="2276827999"/>
       </p:ext>
     </p:extLst>
   </p:cSld>
@@ -3088,8 +3096,8 @@
         </p:nvSpPr>
         <p:spPr>
           <a:xfrm>
-            <a:off x="1" y="6400800"/>
-            <a:ext cx="12192000" cy="457200"/>
+            <a:off x="0" y="6400800"/>
+            <a:ext cx="9144001" cy="457200"/>
           </a:xfrm>
           <a:prstGeom prst="rect">
             <a:avLst/>
@@ -3126,8 +3134,8 @@
         </p:nvSpPr>
         <p:spPr>
           <a:xfrm>
-            <a:off x="0" y="6334316"/>
-            <a:ext cx="12192001" cy="65998"/>
+            <a:off x="0" y="6334315"/>
+            <a:ext cx="9144001" cy="65999"/>
           </a:xfrm>
           <a:prstGeom prst="rect">
             <a:avLst/>
@@ -3168,8 +3176,8 @@
         </p:nvSpPr>
         <p:spPr>
           <a:xfrm>
-            <a:off x="1097280" y="286603"/>
-            <a:ext cx="10058400" cy="1450757"/>
+            <a:off x="822960" y="286604"/>
+            <a:ext cx="7543800" cy="1450757"/>
           </a:xfrm>
           <a:prstGeom prst="rect">
             <a:avLst/>
@@ -3201,8 +3209,8 @@
         </p:nvSpPr>
         <p:spPr>
           <a:xfrm>
-            <a:off x="1097280" y="1845734"/>
-            <a:ext cx="10058400" cy="4023360"/>
+            <a:off x="822959" y="1845734"/>
+            <a:ext cx="7543801" cy="4023360"/>
           </a:xfrm>
           <a:prstGeom prst="rect">
             <a:avLst/>
@@ -3263,8 +3271,8 @@
         </p:nvSpPr>
         <p:spPr>
           <a:xfrm>
-            <a:off x="1097280" y="6459785"/>
-            <a:ext cx="2472271" cy="365125"/>
+            <a:off x="822961" y="6459786"/>
+            <a:ext cx="1854203" cy="365125"/>
           </a:xfrm>
           <a:prstGeom prst="rect">
             <a:avLst/>
@@ -3284,7 +3292,7 @@
           <a:p>
             <a:fld id="{85B2B093-E005-4BA9-BF60-7D4F4FD67000}" type="datetimeFigureOut">
               <a:rPr lang="en-GB" smtClean="0"/>
-              <a:t>14/09/2017</a:t>
+              <a:t>15/09/2017</a:t>
             </a:fld>
             <a:endParaRPr lang="en-GB"/>
           </a:p>
@@ -3302,8 +3310,8 @@
         </p:nvSpPr>
         <p:spPr>
           <a:xfrm>
-            <a:off x="3686185" y="6459785"/>
-            <a:ext cx="4822804" cy="365125"/>
+            <a:off x="2764639" y="6459786"/>
+            <a:ext cx="3617103" cy="365125"/>
           </a:xfrm>
           <a:prstGeom prst="rect">
             <a:avLst/>
@@ -3337,8 +3345,8 @@
         </p:nvSpPr>
         <p:spPr>
           <a:xfrm>
-            <a:off x="9900458" y="6459785"/>
-            <a:ext cx="1312025" cy="365125"/>
+            <a:off x="7425344" y="6459786"/>
+            <a:ext cx="984019" cy="365125"/>
           </a:xfrm>
           <a:prstGeom prst="rect">
             <a:avLst/>
@@ -3372,8 +3380,8 @@
         </p:nvCxnSpPr>
         <p:spPr>
           <a:xfrm>
-            <a:off x="1193532" y="1737845"/>
-            <a:ext cx="9966960" cy="0"/>
+            <a:off x="895149" y="1737845"/>
+            <a:ext cx="7475220" cy="0"/>
           </a:xfrm>
           <a:prstGeom prst="line">
             <a:avLst/>
@@ -3405,23 +3413,23 @@
     </p:spTree>
     <p:extLst>
       <p:ext uri="{BB962C8B-B14F-4D97-AF65-F5344CB8AC3E}">
-        <p14:creationId xmlns:p14="http://schemas.microsoft.com/office/powerpoint/2010/main" val="3233103437"/>
+        <p14:creationId xmlns:p14="http://schemas.microsoft.com/office/powerpoint/2010/main" val="1530933252"/>
       </p:ext>
     </p:extLst>
   </p:cSld>
   <p:clrMap bg1="lt1" tx1="dk1" bg2="lt2" tx2="dk2" accent1="accent1" accent2="accent2" accent3="accent3" accent4="accent4" accent5="accent5" accent6="accent6" hlink="hlink" folHlink="folHlink"/>
   <p:sldLayoutIdLst>
-    <p:sldLayoutId id="2147483661" r:id="rId1"/>
-    <p:sldLayoutId id="2147483662" r:id="rId2"/>
-    <p:sldLayoutId id="2147483663" r:id="rId3"/>
-    <p:sldLayoutId id="2147483664" r:id="rId4"/>
-    <p:sldLayoutId id="2147483665" r:id="rId5"/>
-    <p:sldLayoutId id="2147483666" r:id="rId6"/>
-    <p:sldLayoutId id="2147483667" r:id="rId7"/>
-    <p:sldLayoutId id="2147483668" r:id="rId8"/>
-    <p:sldLayoutId id="2147483669" r:id="rId9"/>
-    <p:sldLayoutId id="2147483670" r:id="rId10"/>
-    <p:sldLayoutId id="2147483671" r:id="rId11"/>
+    <p:sldLayoutId id="2147483673" r:id="rId1"/>
+    <p:sldLayoutId id="2147483674" r:id="rId2"/>
+    <p:sldLayoutId id="2147483675" r:id="rId3"/>
+    <p:sldLayoutId id="2147483676" r:id="rId4"/>
+    <p:sldLayoutId id="2147483677" r:id="rId5"/>
+    <p:sldLayoutId id="2147483678" r:id="rId6"/>
+    <p:sldLayoutId id="2147483679" r:id="rId7"/>
+    <p:sldLayoutId id="2147483680" r:id="rId8"/>
+    <p:sldLayoutId id="2147483681" r:id="rId9"/>
+    <p:sldLayoutId id="2147483682" r:id="rId10"/>
+    <p:sldLayoutId id="2147483683" r:id="rId11"/>
   </p:sldLayoutIdLst>
   <p:txStyles>
     <p:titleStyle>
@@ -3829,39 +3837,67 @@
           <a:bodyPr/>
           <a:lstStyle/>
           <a:p>
-            <a:r>
-              <a:rPr lang="hu-HU" dirty="0"/>
+            <a:pPr algn="ctr"/>
+            <a:r>
+              <a:rPr lang="hu-HU" dirty="0">
+                <a:latin typeface="Helvetica" panose="020B0604020202020204" pitchFamily="34" charset="0"/>
+                <a:cs typeface="Helvetica" panose="020B0604020202020204" pitchFamily="34" charset="0"/>
+              </a:rPr>
               <a:t>Random </a:t>
             </a:r>
             <a:r>
-              <a:rPr lang="hu-HU" dirty="0" err="1"/>
+              <a:rPr lang="hu-HU" dirty="0" err="1">
+                <a:latin typeface="Helvetica" panose="020B0604020202020204" pitchFamily="34" charset="0"/>
+                <a:cs typeface="Helvetica" panose="020B0604020202020204" pitchFamily="34" charset="0"/>
+              </a:rPr>
               <a:t>title</a:t>
             </a:r>
             <a:r>
-              <a:rPr lang="hu-HU" dirty="0"/>
-              <a:t> </a:t>
-            </a:r>
-            <a:r>
-              <a:rPr lang="hu-HU" dirty="0" err="1"/>
+              <a:rPr lang="hu-HU" dirty="0">
+                <a:latin typeface="Helvetica" panose="020B0604020202020204" pitchFamily="34" charset="0"/>
+                <a:cs typeface="Helvetica" panose="020B0604020202020204" pitchFamily="34" charset="0"/>
+              </a:rPr>
+              <a:t> </a:t>
+            </a:r>
+            <a:r>
+              <a:rPr lang="hu-HU" dirty="0" err="1">
+                <a:latin typeface="Helvetica" panose="020B0604020202020204" pitchFamily="34" charset="0"/>
+                <a:cs typeface="Helvetica" panose="020B0604020202020204" pitchFamily="34" charset="0"/>
+              </a:rPr>
               <a:t>just</a:t>
             </a:r>
             <a:r>
-              <a:rPr lang="hu-HU" dirty="0"/>
-              <a:t> </a:t>
-            </a:r>
-            <a:r>
-              <a:rPr lang="hu-HU" dirty="0" err="1"/>
+              <a:rPr lang="hu-HU" dirty="0">
+                <a:latin typeface="Helvetica" panose="020B0604020202020204" pitchFamily="34" charset="0"/>
+                <a:cs typeface="Helvetica" panose="020B0604020202020204" pitchFamily="34" charset="0"/>
+              </a:rPr>
+              <a:t> </a:t>
+            </a:r>
+            <a:r>
+              <a:rPr lang="hu-HU" dirty="0" err="1">
+                <a:latin typeface="Helvetica" panose="020B0604020202020204" pitchFamily="34" charset="0"/>
+                <a:cs typeface="Helvetica" panose="020B0604020202020204" pitchFamily="34" charset="0"/>
+              </a:rPr>
               <a:t>for</a:t>
             </a:r>
             <a:r>
-              <a:rPr lang="hu-HU" dirty="0"/>
-              <a:t> </a:t>
-            </a:r>
-            <a:r>
-              <a:rPr lang="hu-HU" dirty="0" err="1"/>
+              <a:rPr lang="hu-HU" dirty="0">
+                <a:latin typeface="Helvetica" panose="020B0604020202020204" pitchFamily="34" charset="0"/>
+                <a:cs typeface="Helvetica" panose="020B0604020202020204" pitchFamily="34" charset="0"/>
+              </a:rPr>
+              <a:t> </a:t>
+            </a:r>
+            <a:r>
+              <a:rPr lang="hu-HU" dirty="0" err="1">
+                <a:latin typeface="Helvetica" panose="020B0604020202020204" pitchFamily="34" charset="0"/>
+                <a:cs typeface="Helvetica" panose="020B0604020202020204" pitchFamily="34" charset="0"/>
+              </a:rPr>
               <a:t>fun</a:t>
             </a:r>
-            <a:endParaRPr lang="en-GB" dirty="0"/>
+            <a:endParaRPr lang="en-GB" dirty="0">
+              <a:latin typeface="Helvetica" panose="020B0604020202020204" pitchFamily="34" charset="0"/>
+              <a:cs typeface="Helvetica" panose="020B0604020202020204" pitchFamily="34" charset="0"/>
+            </a:endParaRPr>
           </a:p>
         </p:txBody>
       </p:sp>
@@ -3886,7 +3922,60 @@
           <a:bodyPr/>
           <a:lstStyle/>
           <a:p>
-            <a:endParaRPr lang="en-GB"/>
+            <a:pPr algn="ctr"/>
+            <a:r>
+              <a:rPr lang="hu-HU" dirty="0" err="1">
+                <a:latin typeface="Helvetica" panose="020B0604020202020204" pitchFamily="34" charset="0"/>
+                <a:cs typeface="Helvetica" panose="020B0604020202020204" pitchFamily="34" charset="0"/>
+              </a:rPr>
+              <a:t>Review</a:t>
+            </a:r>
+            <a:r>
+              <a:rPr lang="hu-HU" dirty="0">
+                <a:latin typeface="Helvetica" panose="020B0604020202020204" pitchFamily="34" charset="0"/>
+                <a:cs typeface="Helvetica" panose="020B0604020202020204" pitchFamily="34" charset="0"/>
+              </a:rPr>
+              <a:t> of </a:t>
+            </a:r>
+            <a:r>
+              <a:rPr lang="hu-HU" dirty="0" err="1">
+                <a:latin typeface="Helvetica" panose="020B0604020202020204" pitchFamily="34" charset="0"/>
+                <a:cs typeface="Helvetica" panose="020B0604020202020204" pitchFamily="34" charset="0"/>
+              </a:rPr>
+              <a:t>the</a:t>
+            </a:r>
+            <a:r>
+              <a:rPr lang="hu-HU" dirty="0">
+                <a:latin typeface="Helvetica" panose="020B0604020202020204" pitchFamily="34" charset="0"/>
+                <a:cs typeface="Helvetica" panose="020B0604020202020204" pitchFamily="34" charset="0"/>
+              </a:rPr>
+              <a:t> </a:t>
+            </a:r>
+            <a:r>
+              <a:rPr lang="hu-HU" dirty="0" err="1">
+                <a:latin typeface="Helvetica" panose="020B0604020202020204" pitchFamily="34" charset="0"/>
+                <a:cs typeface="Helvetica" panose="020B0604020202020204" pitchFamily="34" charset="0"/>
+              </a:rPr>
+              <a:t>second</a:t>
+            </a:r>
+            <a:r>
+              <a:rPr lang="hu-HU" dirty="0">
+                <a:latin typeface="Helvetica" panose="020B0604020202020204" pitchFamily="34" charset="0"/>
+                <a:cs typeface="Helvetica" panose="020B0604020202020204" pitchFamily="34" charset="0"/>
+              </a:rPr>
+              <a:t> </a:t>
+            </a:r>
+            <a:r>
+              <a:rPr lang="hu-HU" dirty="0" err="1">
+                <a:latin typeface="Helvetica" panose="020B0604020202020204" pitchFamily="34" charset="0"/>
+                <a:cs typeface="Helvetica" panose="020B0604020202020204" pitchFamily="34" charset="0"/>
+              </a:rPr>
+              <a:t>week</a:t>
+            </a:r>
+            <a:endParaRPr lang="en-GB" dirty="0">
+              <a:latin typeface="Helvetica" panose="020B0604020202020204" pitchFamily="34" charset="0"/>
+              <a:cs typeface="Helvetica" panose="020B0604020202020204" pitchFamily="34" charset="0"/>
+            </a:endParaRPr>
           </a:p>
         </p:txBody>
       </p:sp>
@@ -3900,6 +3989,18 @@
   <p:clrMapOvr>
     <a:masterClrMapping/>
   </p:clrMapOvr>
+  <mc:AlternateContent xmlns:mc="http://schemas.openxmlformats.org/markup-compatibility/2006">
+    <mc:Choice xmlns:p159="http://schemas.microsoft.com/office/powerpoint/2015/09/main" Requires="p159">
+      <p:transition xmlns:p14="http://schemas.microsoft.com/office/powerpoint/2010/main" spd="slow" p14:dur="2000">
+        <p159:morph option="byObject"/>
+      </p:transition>
+    </mc:Choice>
+    <mc:Fallback>
+      <p:transition spd="slow">
+        <p:fade/>
+      </p:transition>
+    </mc:Fallback>
+  </mc:AlternateContent>
 </p:sld>
 </file>
 
@@ -3942,14 +4043,23 @@
           <a:lstStyle/>
           <a:p>
             <a:r>
-              <a:rPr lang="hu-HU" dirty="0"/>
+              <a:rPr lang="hu-HU" dirty="0">
+                <a:latin typeface="Helvetica" panose="020B0604020202020204" pitchFamily="34" charset="0"/>
+                <a:cs typeface="Helvetica" panose="020B0604020202020204" pitchFamily="34" charset="0"/>
+              </a:rPr>
               <a:t>C# </a:t>
             </a:r>
             <a:r>
-              <a:rPr lang="hu-HU" dirty="0" err="1"/>
+              <a:rPr lang="hu-HU" dirty="0" err="1">
+                <a:latin typeface="Helvetica" panose="020B0604020202020204" pitchFamily="34" charset="0"/>
+                <a:cs typeface="Helvetica" panose="020B0604020202020204" pitchFamily="34" charset="0"/>
+              </a:rPr>
               <a:t>basics</a:t>
             </a:r>
-            <a:endParaRPr lang="en-GB" dirty="0"/>
+            <a:endParaRPr lang="en-GB" dirty="0">
+              <a:latin typeface="Helvetica" panose="020B0604020202020204" pitchFamily="34" charset="0"/>
+              <a:cs typeface="Helvetica" panose="020B0604020202020204" pitchFamily="34" charset="0"/>
+            </a:endParaRPr>
           </a:p>
         </p:txBody>
       </p:sp>
@@ -3971,8 +4081,8 @@
         </p:nvSpPr>
         <p:spPr>
           <a:xfrm>
-            <a:off x="1097280" y="1845734"/>
-            <a:ext cx="10058400" cy="4023360"/>
+            <a:off x="822960" y="2241551"/>
+            <a:ext cx="7543800" cy="3017520"/>
           </a:xfrm>
         </p:spPr>
         <p:txBody>
@@ -3982,71 +4092,125 @@
           <a:lstStyle/>
           <a:p>
             <a:r>
-              <a:rPr lang="hu-HU" sz="3200" dirty="0" err="1"/>
+              <a:rPr lang="hu-HU" sz="3200" dirty="0" err="1">
+                <a:latin typeface="Helvetica" panose="020B0604020202020204" pitchFamily="34" charset="0"/>
+                <a:cs typeface="Helvetica" panose="020B0604020202020204" pitchFamily="34" charset="0"/>
+              </a:rPr>
               <a:t>Different</a:t>
             </a:r>
             <a:r>
-              <a:rPr lang="hu-HU" sz="3200" dirty="0"/>
-              <a:t> </a:t>
-            </a:r>
-            <a:r>
-              <a:rPr lang="hu-HU" sz="3200" dirty="0" err="1"/>
+              <a:rPr lang="hu-HU" sz="3200" dirty="0">
+                <a:latin typeface="Helvetica" panose="020B0604020202020204" pitchFamily="34" charset="0"/>
+                <a:cs typeface="Helvetica" panose="020B0604020202020204" pitchFamily="34" charset="0"/>
+              </a:rPr>
+              <a:t> </a:t>
+            </a:r>
+            <a:r>
+              <a:rPr lang="hu-HU" sz="3200" dirty="0" err="1">
+                <a:latin typeface="Helvetica" panose="020B0604020202020204" pitchFamily="34" charset="0"/>
+                <a:cs typeface="Helvetica" panose="020B0604020202020204" pitchFamily="34" charset="0"/>
+              </a:rPr>
               <a:t>types</a:t>
             </a:r>
             <a:r>
-              <a:rPr lang="hu-HU" sz="3200" dirty="0"/>
+              <a:rPr lang="hu-HU" sz="3200" dirty="0">
+                <a:latin typeface="Helvetica" panose="020B0604020202020204" pitchFamily="34" charset="0"/>
+                <a:cs typeface="Helvetica" panose="020B0604020202020204" pitchFamily="34" charset="0"/>
+              </a:rPr>
               <a:t>, </a:t>
             </a:r>
             <a:r>
-              <a:rPr lang="hu-HU" sz="3200" dirty="0" err="1"/>
+              <a:rPr lang="hu-HU" sz="3200" dirty="0" err="1">
+                <a:latin typeface="Helvetica" panose="020B0604020202020204" pitchFamily="34" charset="0"/>
+                <a:cs typeface="Helvetica" panose="020B0604020202020204" pitchFamily="34" charset="0"/>
+              </a:rPr>
               <a:t>classes</a:t>
             </a:r>
-            <a:endParaRPr lang="hu-HU" sz="3200" dirty="0"/>
-          </a:p>
-          <a:p>
-            <a:r>
-              <a:rPr lang="hu-HU" sz="3200" dirty="0" err="1"/>
+            <a:endParaRPr lang="hu-HU" sz="3200" dirty="0">
+              <a:latin typeface="Helvetica" panose="020B0604020202020204" pitchFamily="34" charset="0"/>
+              <a:cs typeface="Helvetica" panose="020B0604020202020204" pitchFamily="34" charset="0"/>
+            </a:endParaRPr>
+          </a:p>
+          <a:p>
+            <a:r>
+              <a:rPr lang="hu-HU" sz="3200" dirty="0" err="1">
+                <a:latin typeface="Helvetica" panose="020B0604020202020204" pitchFamily="34" charset="0"/>
+                <a:cs typeface="Helvetica" panose="020B0604020202020204" pitchFamily="34" charset="0"/>
+              </a:rPr>
               <a:t>Arrays</a:t>
             </a:r>
             <a:r>
-              <a:rPr lang="hu-HU" sz="3200" dirty="0"/>
+              <a:rPr lang="hu-HU" sz="3200" dirty="0">
+                <a:latin typeface="Helvetica" panose="020B0604020202020204" pitchFamily="34" charset="0"/>
+                <a:cs typeface="Helvetica" panose="020B0604020202020204" pitchFamily="34" charset="0"/>
+              </a:rPr>
               <a:t>, </a:t>
             </a:r>
             <a:r>
-              <a:rPr lang="hu-HU" sz="3200" dirty="0" err="1"/>
+              <a:rPr lang="hu-HU" sz="3200" dirty="0" err="1">
+                <a:latin typeface="Helvetica" panose="020B0604020202020204" pitchFamily="34" charset="0"/>
+                <a:cs typeface="Helvetica" panose="020B0604020202020204" pitchFamily="34" charset="0"/>
+              </a:rPr>
               <a:t>lists</a:t>
             </a:r>
             <a:r>
-              <a:rPr lang="hu-HU" sz="3200" dirty="0"/>
+              <a:rPr lang="hu-HU" sz="3200" dirty="0">
+                <a:latin typeface="Helvetica" panose="020B0604020202020204" pitchFamily="34" charset="0"/>
+                <a:cs typeface="Helvetica" panose="020B0604020202020204" pitchFamily="34" charset="0"/>
+              </a:rPr>
               <a:t>, </a:t>
             </a:r>
             <a:r>
-              <a:rPr lang="hu-HU" sz="3200" dirty="0" err="1"/>
+              <a:rPr lang="hu-HU" sz="3200" dirty="0" err="1">
+                <a:latin typeface="Helvetica" panose="020B0604020202020204" pitchFamily="34" charset="0"/>
+                <a:cs typeface="Helvetica" panose="020B0604020202020204" pitchFamily="34" charset="0"/>
+              </a:rPr>
               <a:t>dictionaries</a:t>
             </a:r>
-            <a:endParaRPr lang="hu-HU" sz="3200" dirty="0"/>
-          </a:p>
-          <a:p>
-            <a:r>
-              <a:rPr lang="hu-HU" sz="3200" dirty="0" err="1"/>
+            <a:endParaRPr lang="hu-HU" sz="3200" dirty="0">
+              <a:latin typeface="Helvetica" panose="020B0604020202020204" pitchFamily="34" charset="0"/>
+              <a:cs typeface="Helvetica" panose="020B0604020202020204" pitchFamily="34" charset="0"/>
+            </a:endParaRPr>
+          </a:p>
+          <a:p>
+            <a:r>
+              <a:rPr lang="hu-HU" sz="3200" dirty="0" err="1">
+                <a:latin typeface="Helvetica" panose="020B0604020202020204" pitchFamily="34" charset="0"/>
+                <a:cs typeface="Helvetica" panose="020B0604020202020204" pitchFamily="34" charset="0"/>
+              </a:rPr>
               <a:t>Functions</a:t>
             </a:r>
             <a:r>
-              <a:rPr lang="hu-HU" sz="3200" dirty="0"/>
+              <a:rPr lang="hu-HU" sz="3200" dirty="0">
+                <a:latin typeface="Helvetica" panose="020B0604020202020204" pitchFamily="34" charset="0"/>
+                <a:cs typeface="Helvetica" panose="020B0604020202020204" pitchFamily="34" charset="0"/>
+              </a:rPr>
               <a:t>, </a:t>
             </a:r>
             <a:r>
-              <a:rPr lang="hu-HU" sz="3200" dirty="0" err="1"/>
+              <a:rPr lang="hu-HU" sz="3200" dirty="0" err="1">
+                <a:latin typeface="Helvetica" panose="020B0604020202020204" pitchFamily="34" charset="0"/>
+                <a:cs typeface="Helvetica" panose="020B0604020202020204" pitchFamily="34" charset="0"/>
+              </a:rPr>
               <a:t>methods</a:t>
             </a:r>
-            <a:endParaRPr lang="hu-HU" sz="3200" dirty="0"/>
-          </a:p>
-          <a:p>
-            <a:r>
-              <a:rPr lang="hu-HU" sz="3200" dirty="0"/>
-              <a:t>Etc. </a:t>
-            </a:r>
-            <a:endParaRPr lang="en-GB" sz="3200" dirty="0"/>
+            <a:endParaRPr lang="hu-HU" sz="3200" dirty="0">
+              <a:latin typeface="Helvetica" panose="020B0604020202020204" pitchFamily="34" charset="0"/>
+              <a:cs typeface="Helvetica" panose="020B0604020202020204" pitchFamily="34" charset="0"/>
+            </a:endParaRPr>
+          </a:p>
+          <a:p>
+            <a:r>
+              <a:rPr lang="hu-HU" sz="3200" dirty="0">
+                <a:latin typeface="Helvetica" panose="020B0604020202020204" pitchFamily="34" charset="0"/>
+                <a:cs typeface="Helvetica" panose="020B0604020202020204" pitchFamily="34" charset="0"/>
+              </a:rPr>
+              <a:t>Etc.</a:t>
+            </a:r>
+            <a:endParaRPr lang="en-GB" sz="3200" dirty="0">
+              <a:latin typeface="Helvetica" panose="020B0604020202020204" pitchFamily="34" charset="0"/>
+              <a:cs typeface="Helvetica" panose="020B0604020202020204" pitchFamily="34" charset="0"/>
+            </a:endParaRPr>
           </a:p>
         </p:txBody>
       </p:sp>
@@ -4085,7 +4249,7 @@
           <p:cNvPr id="2" name="Cím 1">
             <a:extLst>
               <a:ext uri="{FF2B5EF4-FFF2-40B4-BE49-F238E27FC236}">
-                <a16:creationId xmlns:a16="http://schemas.microsoft.com/office/drawing/2014/main" id="{147B9B3F-9916-4F57-8983-92B08B97FAA7}"/>
+                <a16:creationId xmlns:a16="http://schemas.microsoft.com/office/drawing/2014/main" id="{434700B3-EAF9-41A8-9C63-33DB4C331B7D}"/>
               </a:ext>
             </a:extLst>
           </p:cNvPr>
@@ -4102,10 +4266,30 @@
           <a:lstStyle/>
           <a:p>
             <a:r>
-              <a:rPr lang="hu-HU" dirty="0" err="1"/>
-              <a:t>Recursion</a:t>
-            </a:r>
-            <a:endParaRPr lang="en-GB" dirty="0"/>
+              <a:rPr lang="hu-HU" dirty="0" err="1">
+                <a:latin typeface="Helvetica" panose="020B0604020202020204" pitchFamily="34" charset="0"/>
+                <a:cs typeface="Helvetica" panose="020B0604020202020204" pitchFamily="34" charset="0"/>
+              </a:rPr>
+              <a:t>Recursive</a:t>
+            </a:r>
+            <a:r>
+              <a:rPr lang="hu-HU" dirty="0">
+                <a:latin typeface="Helvetica" panose="020B0604020202020204" pitchFamily="34" charset="0"/>
+                <a:cs typeface="Helvetica" panose="020B0604020202020204" pitchFamily="34" charset="0"/>
+              </a:rPr>
+              <a:t> </a:t>
+            </a:r>
+            <a:r>
+              <a:rPr lang="hu-HU" dirty="0" err="1">
+                <a:latin typeface="Helvetica" panose="020B0604020202020204" pitchFamily="34" charset="0"/>
+                <a:cs typeface="Helvetica" panose="020B0604020202020204" pitchFamily="34" charset="0"/>
+              </a:rPr>
+              <a:t>functions</a:t>
+            </a:r>
+            <a:endParaRPr lang="en-GB" dirty="0">
+              <a:latin typeface="Helvetica" panose="020B0604020202020204" pitchFamily="34" charset="0"/>
+              <a:cs typeface="Helvetica" panose="020B0604020202020204" pitchFamily="34" charset="0"/>
+            </a:endParaRPr>
           </a:p>
         </p:txBody>
       </p:sp>
@@ -4114,7 +4298,7 @@
           <p:cNvPr id="3" name="Tartalom helye 2">
             <a:extLst>
               <a:ext uri="{FF2B5EF4-FFF2-40B4-BE49-F238E27FC236}">
-                <a16:creationId xmlns:a16="http://schemas.microsoft.com/office/drawing/2014/main" id="{51252D0F-C24E-4727-9323-5DEC22D936E9}"/>
+                <a16:creationId xmlns:a16="http://schemas.microsoft.com/office/drawing/2014/main" id="{067A3BE3-0F7F-4F63-A28B-F5C5E58ABD2E}"/>
               </a:ext>
             </a:extLst>
           </p:cNvPr>
@@ -4125,7 +4309,12 @@
             <p:ph idx="1"/>
           </p:nvPr>
         </p:nvSpPr>
-        <p:spPr/>
+        <p:spPr>
+          <a:xfrm>
+            <a:off x="822959" y="1845734"/>
+            <a:ext cx="7543801" cy="1613083"/>
+          </a:xfrm>
+        </p:spPr>
         <p:txBody>
           <a:bodyPr>
             <a:normAutofit/>
@@ -4133,56 +4322,398 @@
           <a:lstStyle/>
           <a:p>
             <a:r>
-              <a:rPr lang="hu-HU" sz="3200" dirty="0" err="1"/>
-              <a:t>Do</a:t>
-            </a:r>
-            <a:r>
-              <a:rPr lang="hu-HU" sz="3200" dirty="0"/>
-              <a:t> </a:t>
-            </a:r>
-            <a:r>
-              <a:rPr lang="hu-HU" sz="3200" dirty="0" err="1"/>
-              <a:t>something</a:t>
-            </a:r>
-            <a:endParaRPr lang="hu-HU" sz="3200" dirty="0"/>
-          </a:p>
-          <a:p>
-            <a:r>
-              <a:rPr lang="hu-HU" sz="3200" dirty="0"/>
-              <a:t>{</a:t>
-            </a:r>
-          </a:p>
-          <a:p>
-            <a:pPr lvl="1"/>
-            <a:r>
-              <a:rPr lang="hu-HU" sz="3000" dirty="0" err="1"/>
-              <a:t>Do</a:t>
-            </a:r>
-            <a:r>
-              <a:rPr lang="hu-HU" sz="3000" dirty="0"/>
-              <a:t> </a:t>
-            </a:r>
-            <a:r>
-              <a:rPr lang="hu-HU" sz="3000" dirty="0" err="1"/>
-              <a:t>something</a:t>
-            </a:r>
-            <a:endParaRPr lang="hu-HU" sz="3000" dirty="0"/>
-          </a:p>
-          <a:p>
-            <a:pPr marL="201168" lvl="1" indent="0">
+              <a:rPr lang="hu-HU" sz="2800" dirty="0" err="1">
+                <a:latin typeface="Helvetica" panose="020B0604020202020204" pitchFamily="34" charset="0"/>
+                <a:cs typeface="Helvetica" panose="020B0604020202020204" pitchFamily="34" charset="0"/>
+              </a:rPr>
+              <a:t>It</a:t>
+            </a:r>
+            <a:r>
+              <a:rPr lang="hu-HU" sz="2800" dirty="0">
+                <a:latin typeface="Helvetica" panose="020B0604020202020204" pitchFamily="34" charset="0"/>
+                <a:cs typeface="Helvetica" panose="020B0604020202020204" pitchFamily="34" charset="0"/>
+              </a:rPr>
+              <a:t> is like </a:t>
+            </a:r>
+            <a:r>
+              <a:rPr lang="hu-HU" sz="2800" dirty="0" err="1">
+                <a:latin typeface="Helvetica" panose="020B0604020202020204" pitchFamily="34" charset="0"/>
+                <a:cs typeface="Helvetica" panose="020B0604020202020204" pitchFamily="34" charset="0"/>
+              </a:rPr>
+              <a:t>all</a:t>
+            </a:r>
+            <a:r>
+              <a:rPr lang="hu-HU" sz="2800" dirty="0">
+                <a:latin typeface="Helvetica" panose="020B0604020202020204" pitchFamily="34" charset="0"/>
+                <a:cs typeface="Helvetica" panose="020B0604020202020204" pitchFamily="34" charset="0"/>
+              </a:rPr>
+              <a:t> </a:t>
+            </a:r>
+            <a:r>
+              <a:rPr lang="hu-HU" sz="2800" dirty="0" err="1">
+                <a:latin typeface="Helvetica" panose="020B0604020202020204" pitchFamily="34" charset="0"/>
+                <a:cs typeface="Helvetica" panose="020B0604020202020204" pitchFamily="34" charset="0"/>
+              </a:rPr>
+              <a:t>other</a:t>
+            </a:r>
+            <a:r>
+              <a:rPr lang="hu-HU" sz="2800" dirty="0">
+                <a:latin typeface="Helvetica" panose="020B0604020202020204" pitchFamily="34" charset="0"/>
+                <a:cs typeface="Helvetica" panose="020B0604020202020204" pitchFamily="34" charset="0"/>
+              </a:rPr>
+              <a:t> </a:t>
+            </a:r>
+            <a:r>
+              <a:rPr lang="hu-HU" sz="2800" dirty="0" err="1">
+                <a:latin typeface="Helvetica" panose="020B0604020202020204" pitchFamily="34" charset="0"/>
+                <a:cs typeface="Helvetica" panose="020B0604020202020204" pitchFamily="34" charset="0"/>
+              </a:rPr>
+              <a:t>functions</a:t>
+            </a:r>
+            <a:r>
+              <a:rPr lang="hu-HU" sz="2800" dirty="0">
+                <a:latin typeface="Helvetica" panose="020B0604020202020204" pitchFamily="34" charset="0"/>
+                <a:cs typeface="Helvetica" panose="020B0604020202020204" pitchFamily="34" charset="0"/>
+              </a:rPr>
+              <a:t>, </a:t>
+            </a:r>
+            <a:r>
+              <a:rPr lang="hu-HU" sz="2800" dirty="0" err="1">
+                <a:latin typeface="Helvetica" panose="020B0604020202020204" pitchFamily="34" charset="0"/>
+                <a:cs typeface="Helvetica" panose="020B0604020202020204" pitchFamily="34" charset="0"/>
+              </a:rPr>
+              <a:t>just</a:t>
+            </a:r>
+            <a:r>
+              <a:rPr lang="hu-HU" sz="2800" dirty="0">
+                <a:latin typeface="Helvetica" panose="020B0604020202020204" pitchFamily="34" charset="0"/>
+                <a:cs typeface="Helvetica" panose="020B0604020202020204" pitchFamily="34" charset="0"/>
+              </a:rPr>
+              <a:t> </a:t>
+            </a:r>
+            <a:r>
+              <a:rPr lang="hu-HU" sz="2800" dirty="0" err="1">
+                <a:latin typeface="Helvetica" panose="020B0604020202020204" pitchFamily="34" charset="0"/>
+                <a:cs typeface="Helvetica" panose="020B0604020202020204" pitchFamily="34" charset="0"/>
+              </a:rPr>
+              <a:t>being</a:t>
+            </a:r>
+            <a:r>
+              <a:rPr lang="hu-HU" sz="2800" dirty="0">
+                <a:latin typeface="Helvetica" panose="020B0604020202020204" pitchFamily="34" charset="0"/>
+                <a:cs typeface="Helvetica" panose="020B0604020202020204" pitchFamily="34" charset="0"/>
+              </a:rPr>
+              <a:t> </a:t>
+            </a:r>
+            <a:r>
+              <a:rPr lang="hu-HU" sz="2800" dirty="0" err="1">
+                <a:latin typeface="Helvetica" panose="020B0604020202020204" pitchFamily="34" charset="0"/>
+                <a:cs typeface="Helvetica" panose="020B0604020202020204" pitchFamily="34" charset="0"/>
+              </a:rPr>
+              <a:t>used</a:t>
+            </a:r>
+            <a:r>
+              <a:rPr lang="hu-HU" sz="2800" dirty="0">
+                <a:latin typeface="Helvetica" panose="020B0604020202020204" pitchFamily="34" charset="0"/>
+                <a:cs typeface="Helvetica" panose="020B0604020202020204" pitchFamily="34" charset="0"/>
+              </a:rPr>
+              <a:t> in </a:t>
+            </a:r>
+            <a:r>
+              <a:rPr lang="hu-HU" sz="2800" dirty="0" err="1">
+                <a:latin typeface="Helvetica" panose="020B0604020202020204" pitchFamily="34" charset="0"/>
+                <a:cs typeface="Helvetica" panose="020B0604020202020204" pitchFamily="34" charset="0"/>
+              </a:rPr>
+              <a:t>itself</a:t>
+            </a:r>
+            <a:endParaRPr lang="hu-HU" sz="2800" dirty="0">
+              <a:latin typeface="Helvetica" panose="020B0604020202020204" pitchFamily="34" charset="0"/>
+              <a:cs typeface="Helvetica" panose="020B0604020202020204" pitchFamily="34" charset="0"/>
+            </a:endParaRPr>
+          </a:p>
+          <a:p>
+            <a:r>
+              <a:rPr lang="hu-HU" sz="2800" dirty="0" err="1">
+                <a:latin typeface="Helvetica" panose="020B0604020202020204" pitchFamily="34" charset="0"/>
+                <a:cs typeface="Helvetica" panose="020B0604020202020204" pitchFamily="34" charset="0"/>
+              </a:rPr>
+              <a:t>Conditions</a:t>
+            </a:r>
+            <a:r>
+              <a:rPr lang="hu-HU" sz="2800" dirty="0">
+                <a:latin typeface="Helvetica" panose="020B0604020202020204" pitchFamily="34" charset="0"/>
+                <a:cs typeface="Helvetica" panose="020B0604020202020204" pitchFamily="34" charset="0"/>
+              </a:rPr>
+              <a:t> here </a:t>
+            </a:r>
+            <a:r>
+              <a:rPr lang="hu-HU" sz="2800" dirty="0" err="1">
+                <a:latin typeface="Helvetica" panose="020B0604020202020204" pitchFamily="34" charset="0"/>
+                <a:cs typeface="Helvetica" panose="020B0604020202020204" pitchFamily="34" charset="0"/>
+              </a:rPr>
+              <a:t>can</a:t>
+            </a:r>
+            <a:r>
+              <a:rPr lang="hu-HU" sz="2800" dirty="0">
+                <a:latin typeface="Helvetica" panose="020B0604020202020204" pitchFamily="34" charset="0"/>
+                <a:cs typeface="Helvetica" panose="020B0604020202020204" pitchFamily="34" charset="0"/>
+              </a:rPr>
+              <a:t> be </a:t>
+            </a:r>
+            <a:r>
+              <a:rPr lang="hu-HU" sz="2800" dirty="0" err="1">
+                <a:latin typeface="Helvetica" panose="020B0604020202020204" pitchFamily="34" charset="0"/>
+                <a:cs typeface="Helvetica" panose="020B0604020202020204" pitchFamily="34" charset="0"/>
+              </a:rPr>
+              <a:t>very</a:t>
+            </a:r>
+            <a:r>
+              <a:rPr lang="hu-HU" sz="2800" dirty="0">
+                <a:latin typeface="Helvetica" panose="020B0604020202020204" pitchFamily="34" charset="0"/>
+                <a:cs typeface="Helvetica" panose="020B0604020202020204" pitchFamily="34" charset="0"/>
+              </a:rPr>
+              <a:t> </a:t>
+            </a:r>
+            <a:r>
+              <a:rPr lang="hu-HU" sz="2800" dirty="0" err="1">
+                <a:latin typeface="Helvetica" panose="020B0604020202020204" pitchFamily="34" charset="0"/>
+                <a:cs typeface="Helvetica" panose="020B0604020202020204" pitchFamily="34" charset="0"/>
+              </a:rPr>
+              <a:t>useful</a:t>
+            </a:r>
+            <a:endParaRPr lang="hu-HU" sz="2800" dirty="0">
+              <a:latin typeface="Helvetica" panose="020B0604020202020204" pitchFamily="34" charset="0"/>
+              <a:cs typeface="Helvetica" panose="020B0604020202020204" pitchFamily="34" charset="0"/>
+            </a:endParaRPr>
+          </a:p>
+          <a:p>
+            <a:pPr marL="0" indent="0">
               <a:buNone/>
             </a:pPr>
-            <a:r>
-              <a:rPr lang="hu-HU" sz="3000" dirty="0"/>
-              <a:t>}</a:t>
-            </a:r>
-          </a:p>
-        </p:txBody>
-      </p:sp>
+            <a:endParaRPr lang="en-GB" sz="2800" dirty="0">
+              <a:latin typeface="Helvetica" panose="020B0604020202020204" pitchFamily="34" charset="0"/>
+              <a:cs typeface="Helvetica" panose="020B0604020202020204" pitchFamily="34" charset="0"/>
+            </a:endParaRPr>
+          </a:p>
+        </p:txBody>
+      </p:sp>
+      <p:sp>
+        <p:nvSpPr>
+          <p:cNvPr id="4" name="Téglalap 3">
+            <a:extLst>
+              <a:ext uri="{FF2B5EF4-FFF2-40B4-BE49-F238E27FC236}">
+                <a16:creationId xmlns:a16="http://schemas.microsoft.com/office/drawing/2014/main" id="{89D8D1A7-A5DD-46D9-ABBC-8703C545EAA5}"/>
+              </a:ext>
+            </a:extLst>
+          </p:cNvPr>
+          <p:cNvSpPr/>
+          <p:nvPr/>
+        </p:nvSpPr>
+        <p:spPr>
+          <a:xfrm>
+            <a:off x="822959" y="3458818"/>
+            <a:ext cx="2953529" cy="1384995"/>
+          </a:xfrm>
+          <a:prstGeom prst="rect">
+            <a:avLst/>
+          </a:prstGeom>
+        </p:spPr>
+        <p:txBody>
+          <a:bodyPr wrap="square">
+            <a:spAutoFit/>
+          </a:bodyPr>
+          <a:lstStyle/>
+          <a:p>
+            <a:r>
+              <a:rPr lang="hu-HU" sz="2800" dirty="0" err="1">
+                <a:solidFill>
+                  <a:schemeClr val="tx1">
+                    <a:lumMod val="75000"/>
+                    <a:lumOff val="25000"/>
+                  </a:schemeClr>
+                </a:solidFill>
+                <a:latin typeface="Helvetica" panose="020B0604020202020204" pitchFamily="34" charset="0"/>
+                <a:cs typeface="Helvetica" panose="020B0604020202020204" pitchFamily="34" charset="0"/>
+              </a:rPr>
+              <a:t>Fills</a:t>
+            </a:r>
+            <a:r>
+              <a:rPr lang="hu-HU" sz="2800" dirty="0">
+                <a:solidFill>
+                  <a:schemeClr val="tx1">
+                    <a:lumMod val="75000"/>
+                    <a:lumOff val="25000"/>
+                  </a:schemeClr>
+                </a:solidFill>
+                <a:latin typeface="Helvetica" panose="020B0604020202020204" pitchFamily="34" charset="0"/>
+                <a:cs typeface="Helvetica" panose="020B0604020202020204" pitchFamily="34" charset="0"/>
+              </a:rPr>
+              <a:t> </a:t>
+            </a:r>
+            <a:r>
+              <a:rPr lang="hu-HU" sz="2800" dirty="0" err="1">
+                <a:solidFill>
+                  <a:schemeClr val="tx1">
+                    <a:lumMod val="75000"/>
+                    <a:lumOff val="25000"/>
+                  </a:schemeClr>
+                </a:solidFill>
+                <a:latin typeface="Helvetica" panose="020B0604020202020204" pitchFamily="34" charset="0"/>
+                <a:cs typeface="Helvetica" panose="020B0604020202020204" pitchFamily="34" charset="0"/>
+              </a:rPr>
+              <a:t>the</a:t>
+            </a:r>
+            <a:r>
+              <a:rPr lang="hu-HU" sz="2800" dirty="0">
+                <a:solidFill>
+                  <a:schemeClr val="tx1">
+                    <a:lumMod val="75000"/>
+                    <a:lumOff val="25000"/>
+                  </a:schemeClr>
+                </a:solidFill>
+                <a:latin typeface="Helvetica" panose="020B0604020202020204" pitchFamily="34" charset="0"/>
+                <a:cs typeface="Helvetica" panose="020B0604020202020204" pitchFamily="34" charset="0"/>
+              </a:rPr>
+              <a:t> </a:t>
+            </a:r>
+            <a:r>
+              <a:rPr lang="hu-HU" sz="2800" dirty="0" err="1">
+                <a:solidFill>
+                  <a:schemeClr val="tx1">
+                    <a:lumMod val="75000"/>
+                    <a:lumOff val="25000"/>
+                  </a:schemeClr>
+                </a:solidFill>
+                <a:latin typeface="Helvetica" panose="020B0604020202020204" pitchFamily="34" charset="0"/>
+                <a:cs typeface="Helvetica" panose="020B0604020202020204" pitchFamily="34" charset="0"/>
+              </a:rPr>
+              <a:t>stack</a:t>
+            </a:r>
+            <a:r>
+              <a:rPr lang="hu-HU" sz="2800" dirty="0">
+                <a:solidFill>
+                  <a:schemeClr val="tx1">
+                    <a:lumMod val="75000"/>
+                    <a:lumOff val="25000"/>
+                  </a:schemeClr>
+                </a:solidFill>
+                <a:latin typeface="Helvetica" panose="020B0604020202020204" pitchFamily="34" charset="0"/>
+                <a:cs typeface="Helvetica" panose="020B0604020202020204" pitchFamily="34" charset="0"/>
+              </a:rPr>
+              <a:t> </a:t>
+            </a:r>
+            <a:r>
+              <a:rPr lang="hu-HU" sz="2800" dirty="0" err="1">
+                <a:solidFill>
+                  <a:schemeClr val="tx1">
+                    <a:lumMod val="75000"/>
+                    <a:lumOff val="25000"/>
+                  </a:schemeClr>
+                </a:solidFill>
+                <a:latin typeface="Helvetica" panose="020B0604020202020204" pitchFamily="34" charset="0"/>
+                <a:cs typeface="Helvetica" panose="020B0604020202020204" pitchFamily="34" charset="0"/>
+              </a:rPr>
+              <a:t>easier</a:t>
+            </a:r>
+            <a:r>
+              <a:rPr lang="hu-HU" sz="2800" dirty="0">
+                <a:solidFill>
+                  <a:schemeClr val="tx1">
+                    <a:lumMod val="75000"/>
+                    <a:lumOff val="25000"/>
+                  </a:schemeClr>
+                </a:solidFill>
+                <a:latin typeface="Helvetica" panose="020B0604020202020204" pitchFamily="34" charset="0"/>
+                <a:cs typeface="Helvetica" panose="020B0604020202020204" pitchFamily="34" charset="0"/>
+              </a:rPr>
+              <a:t> than </a:t>
+            </a:r>
+            <a:r>
+              <a:rPr lang="hu-HU" sz="2800" dirty="0" err="1">
+                <a:solidFill>
+                  <a:schemeClr val="tx1">
+                    <a:lumMod val="75000"/>
+                    <a:lumOff val="25000"/>
+                  </a:schemeClr>
+                </a:solidFill>
+                <a:latin typeface="Helvetica" panose="020B0604020202020204" pitchFamily="34" charset="0"/>
+                <a:cs typeface="Helvetica" panose="020B0604020202020204" pitchFamily="34" charset="0"/>
+              </a:rPr>
+              <a:t>you</a:t>
+            </a:r>
+            <a:r>
+              <a:rPr lang="hu-HU" sz="2800" dirty="0">
+                <a:solidFill>
+                  <a:schemeClr val="tx1">
+                    <a:lumMod val="75000"/>
+                    <a:lumOff val="25000"/>
+                  </a:schemeClr>
+                </a:solidFill>
+                <a:latin typeface="Helvetica" panose="020B0604020202020204" pitchFamily="34" charset="0"/>
+                <a:cs typeface="Helvetica" panose="020B0604020202020204" pitchFamily="34" charset="0"/>
+              </a:rPr>
+              <a:t> </a:t>
+            </a:r>
+            <a:r>
+              <a:rPr lang="hu-HU" sz="2800" dirty="0" err="1">
+                <a:solidFill>
+                  <a:schemeClr val="tx1">
+                    <a:lumMod val="75000"/>
+                    <a:lumOff val="25000"/>
+                  </a:schemeClr>
+                </a:solidFill>
+                <a:latin typeface="Helvetica" panose="020B0604020202020204" pitchFamily="34" charset="0"/>
+                <a:cs typeface="Helvetica" panose="020B0604020202020204" pitchFamily="34" charset="0"/>
+              </a:rPr>
+              <a:t>think</a:t>
+            </a:r>
+            <a:endParaRPr lang="hu-HU" sz="2800" dirty="0">
+              <a:solidFill>
+                <a:schemeClr val="tx1">
+                  <a:lumMod val="75000"/>
+                  <a:lumOff val="25000"/>
+                </a:schemeClr>
+              </a:solidFill>
+              <a:latin typeface="Helvetica" panose="020B0604020202020204" pitchFamily="34" charset="0"/>
+              <a:cs typeface="Helvetica" panose="020B0604020202020204" pitchFamily="34" charset="0"/>
+            </a:endParaRPr>
+          </a:p>
+        </p:txBody>
+      </p:sp>
+      <p:pic>
+        <p:nvPicPr>
+          <p:cNvPr id="5" name="Kép 4">
+            <a:extLst>
+              <a:ext uri="{FF2B5EF4-FFF2-40B4-BE49-F238E27FC236}">
+                <a16:creationId xmlns:a16="http://schemas.microsoft.com/office/drawing/2014/main" id="{E6F4C15B-69AC-416A-AEA9-1491C6779ACF}"/>
+              </a:ext>
+            </a:extLst>
+          </p:cNvPr>
+          <p:cNvPicPr>
+            <a:picLocks noChangeAspect="1"/>
+          </p:cNvPicPr>
+          <p:nvPr/>
+        </p:nvPicPr>
+        <p:blipFill>
+          <a:blip r:embed="rId2"/>
+          <a:stretch>
+            <a:fillRect/>
+          </a:stretch>
+        </p:blipFill>
+        <p:spPr>
+          <a:xfrm>
+            <a:off x="3776488" y="3790123"/>
+            <a:ext cx="4590272" cy="1393188"/>
+          </a:xfrm>
+          <a:prstGeom prst="rect">
+            <a:avLst/>
+          </a:prstGeom>
+        </p:spPr>
+      </p:pic>
     </p:spTree>
     <p:extLst>
       <p:ext uri="{BB962C8B-B14F-4D97-AF65-F5344CB8AC3E}">
-        <p14:creationId xmlns:p14="http://schemas.microsoft.com/office/powerpoint/2010/main" val="1978916059"/>
+        <p14:creationId xmlns:p14="http://schemas.microsoft.com/office/powerpoint/2010/main" val="2513189982"/>
       </p:ext>
     </p:extLst>
   </p:cSld>
@@ -4211,10 +4742,10 @@
       </p:grpSpPr>
       <p:sp>
         <p:nvSpPr>
-          <p:cNvPr id="2" name="Cím 1">
+          <p:cNvPr id="5" name="Tartalom helye 4">
             <a:extLst>
               <a:ext uri="{FF2B5EF4-FFF2-40B4-BE49-F238E27FC236}">
-                <a16:creationId xmlns:a16="http://schemas.microsoft.com/office/drawing/2014/main" id="{9F276B16-60A4-40B4-ADA0-D692C59EBDD7}"/>
+                <a16:creationId xmlns:a16="http://schemas.microsoft.com/office/drawing/2014/main" id="{01B0DD13-9914-4201-AC3C-73C1946D9D07}"/>
               </a:ext>
             </a:extLst>
           </p:cNvPr>
@@ -4222,136 +4753,418 @@
             <a:spLocks noGrp="1"/>
           </p:cNvSpPr>
           <p:nvPr>
-            <p:ph type="title"/>
-          </p:nvPr>
-        </p:nvSpPr>
-        <p:spPr/>
-        <p:txBody>
-          <a:bodyPr/>
+            <p:ph sz="half" idx="1"/>
+          </p:nvPr>
+        </p:nvSpPr>
+        <p:spPr>
+          <a:xfrm>
+            <a:off x="822960" y="1845734"/>
+            <a:ext cx="5114014" cy="4023360"/>
+          </a:xfrm>
+        </p:spPr>
+        <p:txBody>
+          <a:bodyPr>
+            <a:noAutofit/>
+          </a:bodyPr>
           <a:lstStyle/>
           <a:p>
             <a:r>
-              <a:rPr lang="hu-HU" dirty="0" err="1"/>
-              <a:t>Minesweeper</a:t>
-            </a:r>
-            <a:r>
-              <a:rPr lang="hu-HU" dirty="0"/>
-              <a:t> project</a:t>
-            </a:r>
-            <a:endParaRPr lang="en-GB" dirty="0"/>
-          </a:p>
-        </p:txBody>
-      </p:sp>
-      <p:sp>
-        <p:nvSpPr>
-          <p:cNvPr id="3" name="Tartalom helye 2">
+              <a:rPr lang="hu-HU" sz="2800" dirty="0" err="1">
+                <a:latin typeface="Helvetica" panose="020B0604020202020204" pitchFamily="34" charset="0"/>
+                <a:cs typeface="Helvetica" panose="020B0604020202020204" pitchFamily="34" charset="0"/>
+              </a:rPr>
+              <a:t>Original</a:t>
+            </a:r>
+            <a:r>
+              <a:rPr lang="hu-HU" sz="2800" dirty="0">
+                <a:latin typeface="Helvetica" panose="020B0604020202020204" pitchFamily="34" charset="0"/>
+                <a:cs typeface="Helvetica" panose="020B0604020202020204" pitchFamily="34" charset="0"/>
+              </a:rPr>
+              <a:t> </a:t>
+            </a:r>
+            <a:r>
+              <a:rPr lang="hu-HU" sz="2800" dirty="0" err="1">
+                <a:latin typeface="Helvetica" panose="020B0604020202020204" pitchFamily="34" charset="0"/>
+                <a:cs typeface="Helvetica" panose="020B0604020202020204" pitchFamily="34" charset="0"/>
+              </a:rPr>
+              <a:t>minesweeper</a:t>
+            </a:r>
+            <a:r>
+              <a:rPr lang="hu-HU" sz="2800" dirty="0">
+                <a:latin typeface="Helvetica" panose="020B0604020202020204" pitchFamily="34" charset="0"/>
+                <a:cs typeface="Helvetica" panose="020B0604020202020204" pitchFamily="34" charset="0"/>
+              </a:rPr>
+              <a:t> </a:t>
+            </a:r>
+            <a:r>
+              <a:rPr lang="hu-HU" sz="2800" dirty="0" err="1">
+                <a:latin typeface="Helvetica" panose="020B0604020202020204" pitchFamily="34" charset="0"/>
+                <a:cs typeface="Helvetica" panose="020B0604020202020204" pitchFamily="34" charset="0"/>
+              </a:rPr>
+              <a:t>from</a:t>
+            </a:r>
+            <a:r>
+              <a:rPr lang="hu-HU" sz="2800" dirty="0">
+                <a:latin typeface="Helvetica" panose="020B0604020202020204" pitchFamily="34" charset="0"/>
+                <a:cs typeface="Helvetica" panose="020B0604020202020204" pitchFamily="34" charset="0"/>
+              </a:rPr>
+              <a:t> </a:t>
+            </a:r>
+            <a:r>
+              <a:rPr lang="hu-HU" sz="2800" dirty="0" err="1">
+                <a:latin typeface="Helvetica" panose="020B0604020202020204" pitchFamily="34" charset="0"/>
+                <a:cs typeface="Helvetica" panose="020B0604020202020204" pitchFamily="34" charset="0"/>
+              </a:rPr>
+              <a:t>mentors</a:t>
+            </a:r>
+            <a:endParaRPr lang="hu-HU" sz="2800" dirty="0">
+              <a:latin typeface="Helvetica" panose="020B0604020202020204" pitchFamily="34" charset="0"/>
+              <a:cs typeface="Helvetica" panose="020B0604020202020204" pitchFamily="34" charset="0"/>
+            </a:endParaRPr>
+          </a:p>
+          <a:p>
+            <a:r>
+              <a:rPr lang="hu-HU" sz="2800" dirty="0" err="1">
+                <a:latin typeface="Helvetica" panose="020B0604020202020204" pitchFamily="34" charset="0"/>
+                <a:cs typeface="Helvetica" panose="020B0604020202020204" pitchFamily="34" charset="0"/>
+              </a:rPr>
+              <a:t>Why</a:t>
+            </a:r>
+            <a:r>
+              <a:rPr lang="hu-HU" sz="2800" dirty="0">
+                <a:latin typeface="Helvetica" panose="020B0604020202020204" pitchFamily="34" charset="0"/>
+                <a:cs typeface="Helvetica" panose="020B0604020202020204" pitchFamily="34" charset="0"/>
+              </a:rPr>
+              <a:t> </a:t>
+            </a:r>
+            <a:r>
+              <a:rPr lang="hu-HU" sz="2800" dirty="0" err="1">
+                <a:latin typeface="Helvetica" panose="020B0604020202020204" pitchFamily="34" charset="0"/>
+                <a:cs typeface="Helvetica" panose="020B0604020202020204" pitchFamily="34" charset="0"/>
+              </a:rPr>
+              <a:t>don’t</a:t>
+            </a:r>
+            <a:r>
+              <a:rPr lang="hu-HU" sz="2800" dirty="0">
+                <a:latin typeface="Helvetica" panose="020B0604020202020204" pitchFamily="34" charset="0"/>
+                <a:cs typeface="Helvetica" panose="020B0604020202020204" pitchFamily="34" charset="0"/>
+              </a:rPr>
+              <a:t> </a:t>
+            </a:r>
+            <a:r>
+              <a:rPr lang="hu-HU" sz="2800" dirty="0" err="1">
+                <a:latin typeface="Helvetica" panose="020B0604020202020204" pitchFamily="34" charset="0"/>
+                <a:cs typeface="Helvetica" panose="020B0604020202020204" pitchFamily="34" charset="0"/>
+              </a:rPr>
+              <a:t>we</a:t>
+            </a:r>
+            <a:r>
+              <a:rPr lang="hu-HU" sz="2800" dirty="0">
+                <a:latin typeface="Helvetica" panose="020B0604020202020204" pitchFamily="34" charset="0"/>
+                <a:cs typeface="Helvetica" panose="020B0604020202020204" pitchFamily="34" charset="0"/>
+              </a:rPr>
+              <a:t> </a:t>
+            </a:r>
+            <a:r>
+              <a:rPr lang="hu-HU" sz="2800" dirty="0" err="1">
+                <a:latin typeface="Helvetica" panose="020B0604020202020204" pitchFamily="34" charset="0"/>
+                <a:cs typeface="Helvetica" panose="020B0604020202020204" pitchFamily="34" charset="0"/>
+              </a:rPr>
+              <a:t>make</a:t>
+            </a:r>
+            <a:r>
+              <a:rPr lang="hu-HU" sz="2800" dirty="0">
+                <a:latin typeface="Helvetica" panose="020B0604020202020204" pitchFamily="34" charset="0"/>
+                <a:cs typeface="Helvetica" panose="020B0604020202020204" pitchFamily="34" charset="0"/>
+              </a:rPr>
+              <a:t> </a:t>
+            </a:r>
+            <a:r>
+              <a:rPr lang="hu-HU" sz="2800" dirty="0" err="1">
+                <a:latin typeface="Helvetica" panose="020B0604020202020204" pitchFamily="34" charset="0"/>
+                <a:cs typeface="Helvetica" panose="020B0604020202020204" pitchFamily="34" charset="0"/>
+              </a:rPr>
+              <a:t>our</a:t>
+            </a:r>
+            <a:r>
+              <a:rPr lang="hu-HU" sz="2800" dirty="0">
+                <a:latin typeface="Helvetica" panose="020B0604020202020204" pitchFamily="34" charset="0"/>
+                <a:cs typeface="Helvetica" panose="020B0604020202020204" pitchFamily="34" charset="0"/>
+              </a:rPr>
+              <a:t> </a:t>
+            </a:r>
+            <a:r>
+              <a:rPr lang="hu-HU" sz="2800" dirty="0" err="1">
+                <a:latin typeface="Helvetica" panose="020B0604020202020204" pitchFamily="34" charset="0"/>
+                <a:cs typeface="Helvetica" panose="020B0604020202020204" pitchFamily="34" charset="0"/>
+              </a:rPr>
+              <a:t>own</a:t>
+            </a:r>
+            <a:r>
+              <a:rPr lang="hu-HU" sz="2800" dirty="0">
+                <a:latin typeface="Helvetica" panose="020B0604020202020204" pitchFamily="34" charset="0"/>
+                <a:cs typeface="Helvetica" panose="020B0604020202020204" pitchFamily="34" charset="0"/>
+              </a:rPr>
+              <a:t> version?</a:t>
+            </a:r>
+          </a:p>
+          <a:p>
+            <a:r>
+              <a:rPr lang="hu-HU" sz="2800" dirty="0">
+                <a:latin typeface="Helvetica" panose="020B0604020202020204" pitchFamily="34" charset="0"/>
+                <a:cs typeface="Helvetica" panose="020B0604020202020204" pitchFamily="34" charset="0"/>
+              </a:rPr>
+              <a:t>- </a:t>
+            </a:r>
+            <a:r>
+              <a:rPr lang="hu-HU" sz="2800" dirty="0" err="1">
+                <a:latin typeface="Helvetica" panose="020B0604020202020204" pitchFamily="34" charset="0"/>
+                <a:cs typeface="Helvetica" panose="020B0604020202020204" pitchFamily="34" charset="0"/>
+              </a:rPr>
+              <a:t>made</a:t>
+            </a:r>
+            <a:r>
+              <a:rPr lang="hu-HU" sz="2800" dirty="0">
+                <a:latin typeface="Helvetica" panose="020B0604020202020204" pitchFamily="34" charset="0"/>
+                <a:cs typeface="Helvetica" panose="020B0604020202020204" pitchFamily="34" charset="0"/>
+              </a:rPr>
+              <a:t> </a:t>
+            </a:r>
+            <a:r>
+              <a:rPr lang="hu-HU" sz="2800" dirty="0" err="1">
+                <a:latin typeface="Helvetica" panose="020B0604020202020204" pitchFamily="34" charset="0"/>
+                <a:cs typeface="Helvetica" panose="020B0604020202020204" pitchFamily="34" charset="0"/>
+              </a:rPr>
+              <a:t>without</a:t>
+            </a:r>
+            <a:r>
+              <a:rPr lang="hu-HU" sz="2800" dirty="0">
+                <a:latin typeface="Helvetica" panose="020B0604020202020204" pitchFamily="34" charset="0"/>
+                <a:cs typeface="Helvetica" panose="020B0604020202020204" pitchFamily="34" charset="0"/>
+              </a:rPr>
+              <a:t> </a:t>
+            </a:r>
+            <a:r>
+              <a:rPr lang="hu-HU" sz="2800" dirty="0" err="1">
+                <a:latin typeface="Helvetica" panose="020B0604020202020204" pitchFamily="34" charset="0"/>
+                <a:cs typeface="Helvetica" panose="020B0604020202020204" pitchFamily="34" charset="0"/>
+              </a:rPr>
+              <a:t>looking</a:t>
+            </a:r>
+            <a:r>
+              <a:rPr lang="hu-HU" sz="2800" dirty="0">
+                <a:latin typeface="Helvetica" panose="020B0604020202020204" pitchFamily="34" charset="0"/>
+                <a:cs typeface="Helvetica" panose="020B0604020202020204" pitchFamily="34" charset="0"/>
+              </a:rPr>
+              <a:t> </a:t>
+            </a:r>
+            <a:r>
+              <a:rPr lang="hu-HU" sz="2800" dirty="0" err="1">
+                <a:latin typeface="Helvetica" panose="020B0604020202020204" pitchFamily="34" charset="0"/>
+                <a:cs typeface="Helvetica" panose="020B0604020202020204" pitchFamily="34" charset="0"/>
+              </a:rPr>
+              <a:t>at</a:t>
+            </a:r>
+            <a:r>
+              <a:rPr lang="hu-HU" sz="2800" dirty="0">
+                <a:latin typeface="Helvetica" panose="020B0604020202020204" pitchFamily="34" charset="0"/>
+                <a:cs typeface="Helvetica" panose="020B0604020202020204" pitchFamily="34" charset="0"/>
+              </a:rPr>
+              <a:t> </a:t>
+            </a:r>
+            <a:r>
+              <a:rPr lang="hu-HU" sz="2800" dirty="0" err="1">
+                <a:latin typeface="Helvetica" panose="020B0604020202020204" pitchFamily="34" charset="0"/>
+                <a:cs typeface="Helvetica" panose="020B0604020202020204" pitchFamily="34" charset="0"/>
+              </a:rPr>
+              <a:t>the</a:t>
+            </a:r>
+            <a:r>
+              <a:rPr lang="hu-HU" sz="2800" dirty="0">
+                <a:latin typeface="Helvetica" panose="020B0604020202020204" pitchFamily="34" charset="0"/>
+                <a:cs typeface="Helvetica" panose="020B0604020202020204" pitchFamily="34" charset="0"/>
+              </a:rPr>
+              <a:t> </a:t>
+            </a:r>
+            <a:r>
+              <a:rPr lang="hu-HU" sz="2800" dirty="0" err="1">
+                <a:latin typeface="Helvetica" panose="020B0604020202020204" pitchFamily="34" charset="0"/>
+                <a:cs typeface="Helvetica" panose="020B0604020202020204" pitchFamily="34" charset="0"/>
+              </a:rPr>
+              <a:t>original</a:t>
+            </a:r>
+            <a:r>
+              <a:rPr lang="hu-HU" sz="2800" dirty="0">
+                <a:latin typeface="Helvetica" panose="020B0604020202020204" pitchFamily="34" charset="0"/>
+                <a:cs typeface="Helvetica" panose="020B0604020202020204" pitchFamily="34" charset="0"/>
+              </a:rPr>
+              <a:t> </a:t>
+            </a:r>
+            <a:r>
+              <a:rPr lang="hu-HU" sz="2800" dirty="0" err="1">
+                <a:latin typeface="Helvetica" panose="020B0604020202020204" pitchFamily="34" charset="0"/>
+                <a:cs typeface="Helvetica" panose="020B0604020202020204" pitchFamily="34" charset="0"/>
+              </a:rPr>
+              <a:t>code</a:t>
+            </a:r>
+            <a:endParaRPr lang="hu-HU" sz="2800" dirty="0">
+              <a:latin typeface="Helvetica" panose="020B0604020202020204" pitchFamily="34" charset="0"/>
+              <a:cs typeface="Helvetica" panose="020B0604020202020204" pitchFamily="34" charset="0"/>
+            </a:endParaRPr>
+          </a:p>
+          <a:p>
+            <a:r>
+              <a:rPr lang="hu-HU" sz="2800" dirty="0">
+                <a:latin typeface="Helvetica" panose="020B0604020202020204" pitchFamily="34" charset="0"/>
+                <a:cs typeface="Helvetica" panose="020B0604020202020204" pitchFamily="34" charset="0"/>
+              </a:rPr>
+              <a:t>- </a:t>
+            </a:r>
+            <a:r>
+              <a:rPr lang="hu-HU" sz="2800" dirty="0" err="1">
+                <a:latin typeface="Helvetica" panose="020B0604020202020204" pitchFamily="34" charset="0"/>
+                <a:cs typeface="Helvetica" panose="020B0604020202020204" pitchFamily="34" charset="0"/>
+              </a:rPr>
+              <a:t>lasted</a:t>
+            </a:r>
+            <a:r>
+              <a:rPr lang="hu-HU" sz="2800" dirty="0">
+                <a:latin typeface="Helvetica" panose="020B0604020202020204" pitchFamily="34" charset="0"/>
+                <a:cs typeface="Helvetica" panose="020B0604020202020204" pitchFamily="34" charset="0"/>
+              </a:rPr>
+              <a:t> more than </a:t>
+            </a:r>
+            <a:r>
+              <a:rPr lang="hu-HU" sz="2800" dirty="0" err="1">
+                <a:latin typeface="Helvetica" panose="020B0604020202020204" pitchFamily="34" charset="0"/>
+                <a:cs typeface="Helvetica" panose="020B0604020202020204" pitchFamily="34" charset="0"/>
+              </a:rPr>
+              <a:t>twice</a:t>
+            </a:r>
+            <a:r>
+              <a:rPr lang="hu-HU" sz="2800" dirty="0">
+                <a:latin typeface="Helvetica" panose="020B0604020202020204" pitchFamily="34" charset="0"/>
+                <a:cs typeface="Helvetica" panose="020B0604020202020204" pitchFamily="34" charset="0"/>
+              </a:rPr>
+              <a:t> </a:t>
+            </a:r>
+            <a:r>
+              <a:rPr lang="hu-HU" sz="2800" dirty="0" err="1">
+                <a:latin typeface="Helvetica" panose="020B0604020202020204" pitchFamily="34" charset="0"/>
+                <a:cs typeface="Helvetica" panose="020B0604020202020204" pitchFamily="34" charset="0"/>
+              </a:rPr>
+              <a:t>longer</a:t>
+            </a:r>
+            <a:r>
+              <a:rPr lang="hu-HU" sz="2800" dirty="0">
+                <a:latin typeface="Helvetica" panose="020B0604020202020204" pitchFamily="34" charset="0"/>
+                <a:cs typeface="Helvetica" panose="020B0604020202020204" pitchFamily="34" charset="0"/>
+              </a:rPr>
+              <a:t> than </a:t>
+            </a:r>
+            <a:r>
+              <a:rPr lang="hu-HU" sz="2800" dirty="0" err="1">
+                <a:latin typeface="Helvetica" panose="020B0604020202020204" pitchFamily="34" charset="0"/>
+                <a:cs typeface="Helvetica" panose="020B0604020202020204" pitchFamily="34" charset="0"/>
+              </a:rPr>
+              <a:t>the</a:t>
+            </a:r>
+            <a:r>
+              <a:rPr lang="hu-HU" sz="2800" dirty="0">
+                <a:latin typeface="Helvetica" panose="020B0604020202020204" pitchFamily="34" charset="0"/>
+                <a:cs typeface="Helvetica" panose="020B0604020202020204" pitchFamily="34" charset="0"/>
+              </a:rPr>
+              <a:t> </a:t>
+            </a:r>
+            <a:r>
+              <a:rPr lang="hu-HU" sz="2800" dirty="0" err="1">
+                <a:latin typeface="Helvetica" panose="020B0604020202020204" pitchFamily="34" charset="0"/>
+                <a:cs typeface="Helvetica" panose="020B0604020202020204" pitchFamily="34" charset="0"/>
+              </a:rPr>
+              <a:t>other</a:t>
+            </a:r>
+            <a:endParaRPr lang="en-GB" sz="2800" dirty="0"/>
+          </a:p>
+        </p:txBody>
+      </p:sp>
+      <p:pic>
+        <p:nvPicPr>
+          <p:cNvPr id="7" name="Tartalom helye 6">
             <a:extLst>
               <a:ext uri="{FF2B5EF4-FFF2-40B4-BE49-F238E27FC236}">
-                <a16:creationId xmlns:a16="http://schemas.microsoft.com/office/drawing/2014/main" id="{26E0C4C6-7192-47FC-95AA-DF2BFCB17870}"/>
+                <a16:creationId xmlns:a16="http://schemas.microsoft.com/office/drawing/2014/main" id="{9BDEDD1F-B164-4273-9A12-95AAECE1E075}"/>
               </a:ext>
             </a:extLst>
           </p:cNvPr>
-          <p:cNvSpPr>
-            <a:spLocks noGrp="1"/>
-          </p:cNvSpPr>
-          <p:nvPr>
-            <p:ph idx="1"/>
+          <p:cNvPicPr>
+            <a:picLocks noGrp="1" noChangeAspect="1"/>
+          </p:cNvPicPr>
+          <p:nvPr>
+            <p:ph sz="half" idx="2"/>
+          </p:nvPr>
+        </p:nvPicPr>
+        <p:blipFill>
+          <a:blip r:embed="rId2"/>
+          <a:stretch>
+            <a:fillRect/>
+          </a:stretch>
+        </p:blipFill>
+        <p:spPr>
+          <a:xfrm>
+            <a:off x="6242124" y="2897422"/>
+            <a:ext cx="1950889" cy="1920406"/>
+          </a:xfrm>
+          <a:prstGeom prst="rect">
+            <a:avLst/>
+          </a:prstGeom>
+        </p:spPr>
+      </p:pic>
+      <p:sp>
+        <p:nvSpPr>
+          <p:cNvPr id="10" name="Cím 1">
+            <a:extLst>
+              <a:ext uri="{FF2B5EF4-FFF2-40B4-BE49-F238E27FC236}">
+                <a16:creationId xmlns:a16="http://schemas.microsoft.com/office/drawing/2014/main" id="{F7EA2139-93CF-43C6-8D9A-98C4885FE207}"/>
+              </a:ext>
+            </a:extLst>
+          </p:cNvPr>
+          <p:cNvSpPr>
+            <a:spLocks noGrp="1"/>
+          </p:cNvSpPr>
+          <p:nvPr>
+            <p:ph type="title"/>
           </p:nvPr>
         </p:nvSpPr>
         <p:spPr/>
         <p:txBody>
-          <a:bodyPr>
-            <a:normAutofit/>
-          </a:bodyPr>
+          <a:bodyPr/>
           <a:lstStyle/>
           <a:p>
             <a:r>
-              <a:rPr lang="hu-HU" sz="3200" dirty="0" err="1"/>
-              <a:t>Original</a:t>
-            </a:r>
-            <a:r>
-              <a:rPr lang="hu-HU" sz="3200" dirty="0"/>
-              <a:t> </a:t>
-            </a:r>
-            <a:r>
-              <a:rPr lang="hu-HU" sz="3200" dirty="0" err="1"/>
-              <a:t>minesweeper</a:t>
-            </a:r>
-            <a:r>
-              <a:rPr lang="hu-HU" sz="3200" dirty="0"/>
-              <a:t> </a:t>
-            </a:r>
-            <a:r>
-              <a:rPr lang="hu-HU" sz="3200" dirty="0" err="1"/>
-              <a:t>from</a:t>
-            </a:r>
-            <a:r>
-              <a:rPr lang="hu-HU" sz="3200" dirty="0"/>
-              <a:t> </a:t>
-            </a:r>
-            <a:r>
-              <a:rPr lang="hu-HU" sz="3200" dirty="0" err="1"/>
-              <a:t>mentors</a:t>
-            </a:r>
-            <a:endParaRPr lang="hu-HU" sz="3200" dirty="0"/>
-          </a:p>
-          <a:p>
-            <a:r>
-              <a:rPr lang="hu-HU" sz="3200" dirty="0" err="1"/>
-              <a:t>Why</a:t>
-            </a:r>
-            <a:r>
-              <a:rPr lang="hu-HU" sz="3200" dirty="0"/>
-              <a:t> </a:t>
-            </a:r>
-            <a:r>
-              <a:rPr lang="hu-HU" sz="3200" dirty="0" err="1"/>
-              <a:t>don’t</a:t>
-            </a:r>
-            <a:r>
-              <a:rPr lang="hu-HU" sz="3200" dirty="0"/>
-              <a:t> </a:t>
-            </a:r>
-            <a:r>
-              <a:rPr lang="hu-HU" sz="3200" dirty="0" err="1"/>
-              <a:t>we</a:t>
-            </a:r>
-            <a:r>
-              <a:rPr lang="hu-HU" sz="3200" dirty="0"/>
-              <a:t> </a:t>
-            </a:r>
-            <a:r>
-              <a:rPr lang="hu-HU" sz="3200" dirty="0" err="1"/>
-              <a:t>make</a:t>
-            </a:r>
-            <a:r>
-              <a:rPr lang="hu-HU" sz="3200" dirty="0"/>
-              <a:t> </a:t>
-            </a:r>
-            <a:r>
-              <a:rPr lang="hu-HU" sz="3200" dirty="0" err="1"/>
-              <a:t>our</a:t>
-            </a:r>
-            <a:r>
-              <a:rPr lang="hu-HU" sz="3200" dirty="0"/>
-              <a:t> </a:t>
-            </a:r>
-            <a:r>
-              <a:rPr lang="hu-HU" sz="3200" dirty="0" err="1"/>
-              <a:t>own</a:t>
-            </a:r>
-            <a:r>
-              <a:rPr lang="hu-HU" sz="3200" dirty="0"/>
-              <a:t> version?</a:t>
-            </a:r>
-            <a:endParaRPr lang="en-GB" sz="3200" dirty="0"/>
+              <a:rPr lang="hu-HU" dirty="0" err="1">
+                <a:latin typeface="Helvetica" panose="020B0604020202020204" pitchFamily="34" charset="0"/>
+                <a:cs typeface="Helvetica" panose="020B0604020202020204" pitchFamily="34" charset="0"/>
+              </a:rPr>
+              <a:t>Minesweeper</a:t>
+            </a:r>
+            <a:r>
+              <a:rPr lang="hu-HU" dirty="0">
+                <a:latin typeface="Helvetica" panose="020B0604020202020204" pitchFamily="34" charset="0"/>
+                <a:cs typeface="Helvetica" panose="020B0604020202020204" pitchFamily="34" charset="0"/>
+              </a:rPr>
+              <a:t> project</a:t>
+            </a:r>
+            <a:endParaRPr lang="en-GB" dirty="0">
+              <a:latin typeface="Helvetica" panose="020B0604020202020204" pitchFamily="34" charset="0"/>
+              <a:cs typeface="Helvetica" panose="020B0604020202020204" pitchFamily="34" charset="0"/>
+            </a:endParaRPr>
           </a:p>
         </p:txBody>
       </p:sp>
     </p:spTree>
     <p:extLst>
       <p:ext uri="{BB962C8B-B14F-4D97-AF65-F5344CB8AC3E}">
-        <p14:creationId xmlns:p14="http://schemas.microsoft.com/office/powerpoint/2010/main" val="2732476143"/>
+        <p14:creationId xmlns:p14="http://schemas.microsoft.com/office/powerpoint/2010/main" val="559398035"/>
       </p:ext>
     </p:extLst>
   </p:cSld>
@@ -4383,6 +5196,911 @@
           <p:cNvPr id="2" name="Cím 1">
             <a:extLst>
               <a:ext uri="{FF2B5EF4-FFF2-40B4-BE49-F238E27FC236}">
+                <a16:creationId xmlns:a16="http://schemas.microsoft.com/office/drawing/2014/main" id="{FDF82825-900B-4114-81AD-0B805B937833}"/>
+              </a:ext>
+            </a:extLst>
+          </p:cNvPr>
+          <p:cNvSpPr>
+            <a:spLocks noGrp="1"/>
+          </p:cNvSpPr>
+          <p:nvPr>
+            <p:ph type="title"/>
+          </p:nvPr>
+        </p:nvSpPr>
+        <p:spPr/>
+        <p:txBody>
+          <a:bodyPr/>
+          <a:lstStyle/>
+          <a:p>
+            <a:r>
+              <a:rPr lang="hu-HU" dirty="0" err="1">
+                <a:latin typeface="Helvetica" panose="020B0604020202020204" pitchFamily="34" charset="0"/>
+                <a:cs typeface="Helvetica" panose="020B0604020202020204" pitchFamily="34" charset="0"/>
+              </a:rPr>
+              <a:t>Minesweeper</a:t>
+            </a:r>
+            <a:r>
+              <a:rPr lang="hu-HU" dirty="0">
+                <a:latin typeface="Helvetica" panose="020B0604020202020204" pitchFamily="34" charset="0"/>
+                <a:cs typeface="Helvetica" panose="020B0604020202020204" pitchFamily="34" charset="0"/>
+              </a:rPr>
+              <a:t> project</a:t>
+            </a:r>
+            <a:endParaRPr lang="en-GB" dirty="0">
+              <a:latin typeface="Helvetica" panose="020B0604020202020204" pitchFamily="34" charset="0"/>
+              <a:cs typeface="Helvetica" panose="020B0604020202020204" pitchFamily="34" charset="0"/>
+            </a:endParaRPr>
+          </a:p>
+        </p:txBody>
+      </p:sp>
+      <p:sp>
+        <p:nvSpPr>
+          <p:cNvPr id="3" name="Tartalom helye 2">
+            <a:extLst>
+              <a:ext uri="{FF2B5EF4-FFF2-40B4-BE49-F238E27FC236}">
+                <a16:creationId xmlns:a16="http://schemas.microsoft.com/office/drawing/2014/main" id="{074F473A-E34E-438F-AC16-90C673E96EDB}"/>
+              </a:ext>
+            </a:extLst>
+          </p:cNvPr>
+          <p:cNvSpPr>
+            <a:spLocks noGrp="1"/>
+          </p:cNvSpPr>
+          <p:nvPr>
+            <p:ph idx="1"/>
+          </p:nvPr>
+        </p:nvSpPr>
+        <p:spPr/>
+        <p:txBody>
+          <a:bodyPr>
+            <a:noAutofit/>
+          </a:bodyPr>
+          <a:lstStyle/>
+          <a:p>
+            <a:r>
+              <a:rPr lang="hu-HU" sz="2800" dirty="0" err="1">
+                <a:latin typeface="Helvetica" panose="020B0604020202020204" pitchFamily="34" charset="0"/>
+                <a:cs typeface="Helvetica" panose="020B0604020202020204" pitchFamily="34" charset="0"/>
+              </a:rPr>
+              <a:t>Some</a:t>
+            </a:r>
+            <a:r>
+              <a:rPr lang="hu-HU" sz="2800" dirty="0">
+                <a:latin typeface="Helvetica" panose="020B0604020202020204" pitchFamily="34" charset="0"/>
+                <a:cs typeface="Helvetica" panose="020B0604020202020204" pitchFamily="34" charset="0"/>
+              </a:rPr>
+              <a:t> </a:t>
+            </a:r>
+            <a:r>
+              <a:rPr lang="hu-HU" sz="2800" dirty="0" err="1">
+                <a:latin typeface="Helvetica" panose="020B0604020202020204" pitchFamily="34" charset="0"/>
+                <a:cs typeface="Helvetica" panose="020B0604020202020204" pitchFamily="34" charset="0"/>
+              </a:rPr>
+              <a:t>features</a:t>
+            </a:r>
+            <a:r>
+              <a:rPr lang="hu-HU" sz="2800" dirty="0">
+                <a:latin typeface="Helvetica" panose="020B0604020202020204" pitchFamily="34" charset="0"/>
+                <a:cs typeface="Helvetica" panose="020B0604020202020204" pitchFamily="34" charset="0"/>
+              </a:rPr>
+              <a:t>:</a:t>
+            </a:r>
+          </a:p>
+          <a:p>
+            <a:r>
+              <a:rPr lang="hu-HU" sz="2800" dirty="0">
+                <a:latin typeface="Helvetica" panose="020B0604020202020204" pitchFamily="34" charset="0"/>
+                <a:cs typeface="Helvetica" panose="020B0604020202020204" pitchFamily="34" charset="0"/>
+              </a:rPr>
+              <a:t>- </a:t>
+            </a:r>
+            <a:r>
+              <a:rPr lang="hu-HU" sz="2800" dirty="0" err="1">
+                <a:latin typeface="Helvetica" panose="020B0604020202020204" pitchFamily="34" charset="0"/>
+                <a:cs typeface="Helvetica" panose="020B0604020202020204" pitchFamily="34" charset="0"/>
+              </a:rPr>
+              <a:t>the</a:t>
+            </a:r>
+            <a:r>
+              <a:rPr lang="hu-HU" sz="2800" dirty="0">
+                <a:latin typeface="Helvetica" panose="020B0604020202020204" pitchFamily="34" charset="0"/>
+                <a:cs typeface="Helvetica" panose="020B0604020202020204" pitchFamily="34" charset="0"/>
+              </a:rPr>
+              <a:t> </a:t>
+            </a:r>
+            <a:r>
+              <a:rPr lang="hu-HU" sz="2800" dirty="0" err="1">
+                <a:latin typeface="Helvetica" panose="020B0604020202020204" pitchFamily="34" charset="0"/>
+                <a:cs typeface="Helvetica" panose="020B0604020202020204" pitchFamily="34" charset="0"/>
+              </a:rPr>
+              <a:t>player</a:t>
+            </a:r>
+            <a:r>
+              <a:rPr lang="hu-HU" sz="2800" dirty="0">
+                <a:latin typeface="Helvetica" panose="020B0604020202020204" pitchFamily="34" charset="0"/>
+                <a:cs typeface="Helvetica" panose="020B0604020202020204" pitchFamily="34" charset="0"/>
+              </a:rPr>
+              <a:t> </a:t>
+            </a:r>
+            <a:r>
+              <a:rPr lang="hu-HU" sz="2800" dirty="0" err="1">
+                <a:latin typeface="Helvetica" panose="020B0604020202020204" pitchFamily="34" charset="0"/>
+                <a:cs typeface="Helvetica" panose="020B0604020202020204" pitchFamily="34" charset="0"/>
+              </a:rPr>
+              <a:t>cannot</a:t>
+            </a:r>
+            <a:r>
+              <a:rPr lang="hu-HU" sz="2800" dirty="0">
+                <a:latin typeface="Helvetica" panose="020B0604020202020204" pitchFamily="34" charset="0"/>
+                <a:cs typeface="Helvetica" panose="020B0604020202020204" pitchFamily="34" charset="0"/>
+              </a:rPr>
+              <a:t> start </a:t>
+            </a:r>
+            <a:r>
+              <a:rPr lang="hu-HU" sz="2800" dirty="0" err="1">
+                <a:latin typeface="Helvetica" panose="020B0604020202020204" pitchFamily="34" charset="0"/>
+                <a:cs typeface="Helvetica" panose="020B0604020202020204" pitchFamily="34" charset="0"/>
+              </a:rPr>
+              <a:t>the</a:t>
+            </a:r>
+            <a:r>
+              <a:rPr lang="hu-HU" sz="2800" dirty="0">
+                <a:latin typeface="Helvetica" panose="020B0604020202020204" pitchFamily="34" charset="0"/>
+                <a:cs typeface="Helvetica" panose="020B0604020202020204" pitchFamily="34" charset="0"/>
+              </a:rPr>
+              <a:t> game </a:t>
+            </a:r>
+            <a:r>
+              <a:rPr lang="hu-HU" sz="2800" dirty="0" err="1">
+                <a:latin typeface="Helvetica" panose="020B0604020202020204" pitchFamily="34" charset="0"/>
+                <a:cs typeface="Helvetica" panose="020B0604020202020204" pitchFamily="34" charset="0"/>
+              </a:rPr>
+              <a:t>by</a:t>
+            </a:r>
+            <a:r>
+              <a:rPr lang="hu-HU" sz="2800" dirty="0">
+                <a:latin typeface="Helvetica" panose="020B0604020202020204" pitchFamily="34" charset="0"/>
+                <a:cs typeface="Helvetica" panose="020B0604020202020204" pitchFamily="34" charset="0"/>
+              </a:rPr>
+              <a:t> </a:t>
+            </a:r>
+            <a:r>
+              <a:rPr lang="hu-HU" sz="2800" dirty="0" err="1">
+                <a:latin typeface="Helvetica" panose="020B0604020202020204" pitchFamily="34" charset="0"/>
+                <a:cs typeface="Helvetica" panose="020B0604020202020204" pitchFamily="34" charset="0"/>
+              </a:rPr>
+              <a:t>revealing</a:t>
+            </a:r>
+            <a:r>
+              <a:rPr lang="hu-HU" sz="2800" dirty="0">
+                <a:latin typeface="Helvetica" panose="020B0604020202020204" pitchFamily="34" charset="0"/>
+                <a:cs typeface="Helvetica" panose="020B0604020202020204" pitchFamily="34" charset="0"/>
+              </a:rPr>
+              <a:t> a </a:t>
+            </a:r>
+            <a:r>
+              <a:rPr lang="hu-HU" sz="2800" dirty="0" err="1">
+                <a:latin typeface="Helvetica" panose="020B0604020202020204" pitchFamily="34" charset="0"/>
+                <a:cs typeface="Helvetica" panose="020B0604020202020204" pitchFamily="34" charset="0"/>
+              </a:rPr>
+              <a:t>mine</a:t>
+            </a:r>
+            <a:endParaRPr lang="hu-HU" sz="2800" dirty="0">
+              <a:latin typeface="Helvetica" panose="020B0604020202020204" pitchFamily="34" charset="0"/>
+              <a:cs typeface="Helvetica" panose="020B0604020202020204" pitchFamily="34" charset="0"/>
+            </a:endParaRPr>
+          </a:p>
+          <a:p>
+            <a:r>
+              <a:rPr lang="hu-HU" sz="2800" dirty="0">
+                <a:latin typeface="Helvetica" panose="020B0604020202020204" pitchFamily="34" charset="0"/>
+                <a:cs typeface="Helvetica" panose="020B0604020202020204" pitchFamily="34" charset="0"/>
+              </a:rPr>
+              <a:t>- </a:t>
+            </a:r>
+            <a:r>
+              <a:rPr lang="hu-HU" sz="2800" dirty="0" err="1">
+                <a:latin typeface="Helvetica" panose="020B0604020202020204" pitchFamily="34" charset="0"/>
+                <a:cs typeface="Helvetica" panose="020B0604020202020204" pitchFamily="34" charset="0"/>
+              </a:rPr>
+              <a:t>all</a:t>
+            </a:r>
+            <a:r>
+              <a:rPr lang="hu-HU" sz="2800" dirty="0">
+                <a:latin typeface="Helvetica" panose="020B0604020202020204" pitchFamily="34" charset="0"/>
+                <a:cs typeface="Helvetica" panose="020B0604020202020204" pitchFamily="34" charset="0"/>
+              </a:rPr>
+              <a:t> </a:t>
+            </a:r>
+            <a:r>
+              <a:rPr lang="hu-HU" sz="2800" dirty="0" err="1">
+                <a:latin typeface="Helvetica" panose="020B0604020202020204" pitchFamily="34" charset="0"/>
+                <a:cs typeface="Helvetica" panose="020B0604020202020204" pitchFamily="34" charset="0"/>
+              </a:rPr>
+              <a:t>areas</a:t>
+            </a:r>
+            <a:r>
+              <a:rPr lang="hu-HU" sz="2800" dirty="0">
+                <a:latin typeface="Helvetica" panose="020B0604020202020204" pitchFamily="34" charset="0"/>
+                <a:cs typeface="Helvetica" panose="020B0604020202020204" pitchFamily="34" charset="0"/>
+              </a:rPr>
+              <a:t> </a:t>
+            </a:r>
+            <a:r>
+              <a:rPr lang="hu-HU" sz="2800" dirty="0" err="1">
+                <a:latin typeface="Helvetica" panose="020B0604020202020204" pitchFamily="34" charset="0"/>
+                <a:cs typeface="Helvetica" panose="020B0604020202020204" pitchFamily="34" charset="0"/>
+              </a:rPr>
+              <a:t>have</a:t>
+            </a:r>
+            <a:r>
+              <a:rPr lang="hu-HU" sz="2800" dirty="0">
+                <a:latin typeface="Helvetica" panose="020B0604020202020204" pitchFamily="34" charset="0"/>
+                <a:cs typeface="Helvetica" panose="020B0604020202020204" pitchFamily="34" charset="0"/>
+              </a:rPr>
+              <a:t> </a:t>
+            </a:r>
+            <a:r>
+              <a:rPr lang="hu-HU" sz="2800" dirty="0" err="1">
+                <a:latin typeface="Helvetica" panose="020B0604020202020204" pitchFamily="34" charset="0"/>
+                <a:cs typeface="Helvetica" panose="020B0604020202020204" pitchFamily="34" charset="0"/>
+              </a:rPr>
+              <a:t>at</a:t>
+            </a:r>
+            <a:r>
+              <a:rPr lang="hu-HU" sz="2800" dirty="0">
+                <a:latin typeface="Helvetica" panose="020B0604020202020204" pitchFamily="34" charset="0"/>
+                <a:cs typeface="Helvetica" panose="020B0604020202020204" pitchFamily="34" charset="0"/>
+              </a:rPr>
+              <a:t> </a:t>
+            </a:r>
+            <a:r>
+              <a:rPr lang="hu-HU" sz="2800" dirty="0" err="1">
+                <a:latin typeface="Helvetica" panose="020B0604020202020204" pitchFamily="34" charset="0"/>
+                <a:cs typeface="Helvetica" panose="020B0604020202020204" pitchFamily="34" charset="0"/>
+              </a:rPr>
+              <a:t>least</a:t>
+            </a:r>
+            <a:r>
+              <a:rPr lang="hu-HU" sz="2800" dirty="0">
+                <a:latin typeface="Helvetica" panose="020B0604020202020204" pitchFamily="34" charset="0"/>
+                <a:cs typeface="Helvetica" panose="020B0604020202020204" pitchFamily="34" charset="0"/>
+              </a:rPr>
+              <a:t> </a:t>
+            </a:r>
+            <a:r>
+              <a:rPr lang="hu-HU" sz="2800" dirty="0" err="1">
+                <a:latin typeface="Helvetica" panose="020B0604020202020204" pitchFamily="34" charset="0"/>
+                <a:cs typeface="Helvetica" panose="020B0604020202020204" pitchFamily="34" charset="0"/>
+              </a:rPr>
+              <a:t>two</a:t>
+            </a:r>
+            <a:r>
+              <a:rPr lang="hu-HU" sz="2800" dirty="0">
+                <a:latin typeface="Helvetica" panose="020B0604020202020204" pitchFamily="34" charset="0"/>
+                <a:cs typeface="Helvetica" panose="020B0604020202020204" pitchFamily="34" charset="0"/>
+              </a:rPr>
+              <a:t> </a:t>
+            </a:r>
+            <a:r>
+              <a:rPr lang="hu-HU" sz="2800" dirty="0" err="1">
+                <a:latin typeface="Helvetica" panose="020B0604020202020204" pitchFamily="34" charset="0"/>
+                <a:cs typeface="Helvetica" panose="020B0604020202020204" pitchFamily="34" charset="0"/>
+              </a:rPr>
+              <a:t>mineless</a:t>
+            </a:r>
+            <a:r>
+              <a:rPr lang="hu-HU" sz="2800" dirty="0">
+                <a:latin typeface="Helvetica" panose="020B0604020202020204" pitchFamily="34" charset="0"/>
+                <a:cs typeface="Helvetica" panose="020B0604020202020204" pitchFamily="34" charset="0"/>
+              </a:rPr>
+              <a:t> </a:t>
+            </a:r>
+            <a:r>
+              <a:rPr lang="hu-HU" sz="2800" dirty="0" err="1">
+                <a:latin typeface="Helvetica" panose="020B0604020202020204" pitchFamily="34" charset="0"/>
+                <a:cs typeface="Helvetica" panose="020B0604020202020204" pitchFamily="34" charset="0"/>
+              </a:rPr>
+              <a:t>places</a:t>
+            </a:r>
+            <a:endParaRPr lang="hu-HU" sz="2800" dirty="0">
+              <a:latin typeface="Helvetica" panose="020B0604020202020204" pitchFamily="34" charset="0"/>
+              <a:cs typeface="Helvetica" panose="020B0604020202020204" pitchFamily="34" charset="0"/>
+            </a:endParaRPr>
+          </a:p>
+          <a:p>
+            <a:r>
+              <a:rPr lang="hu-HU" sz="2800" dirty="0">
+                <a:latin typeface="Helvetica" panose="020B0604020202020204" pitchFamily="34" charset="0"/>
+                <a:cs typeface="Helvetica" panose="020B0604020202020204" pitchFamily="34" charset="0"/>
+              </a:rPr>
+              <a:t>- in </a:t>
+            </a:r>
+            <a:r>
+              <a:rPr lang="hu-HU" sz="2800" dirty="0" err="1">
+                <a:latin typeface="Helvetica" panose="020B0604020202020204" pitchFamily="34" charset="0"/>
+                <a:cs typeface="Helvetica" panose="020B0604020202020204" pitchFamily="34" charset="0"/>
+              </a:rPr>
+              <a:t>case</a:t>
+            </a:r>
+            <a:r>
+              <a:rPr lang="hu-HU" sz="2800" dirty="0">
+                <a:latin typeface="Helvetica" panose="020B0604020202020204" pitchFamily="34" charset="0"/>
+                <a:cs typeface="Helvetica" panose="020B0604020202020204" pitchFamily="34" charset="0"/>
+              </a:rPr>
+              <a:t> of </a:t>
+            </a:r>
+            <a:r>
+              <a:rPr lang="hu-HU" sz="2800" dirty="0" err="1">
+                <a:latin typeface="Helvetica" panose="020B0604020202020204" pitchFamily="34" charset="0"/>
+                <a:cs typeface="Helvetica" panose="020B0604020202020204" pitchFamily="34" charset="0"/>
+              </a:rPr>
+              <a:t>death</a:t>
+            </a:r>
+            <a:r>
+              <a:rPr lang="hu-HU" sz="2800" dirty="0">
+                <a:latin typeface="Helvetica" panose="020B0604020202020204" pitchFamily="34" charset="0"/>
+                <a:cs typeface="Helvetica" panose="020B0604020202020204" pitchFamily="34" charset="0"/>
+              </a:rPr>
+              <a:t> </a:t>
+            </a:r>
+            <a:r>
+              <a:rPr lang="hu-HU" sz="2800" dirty="0" err="1">
+                <a:latin typeface="Helvetica" panose="020B0604020202020204" pitchFamily="34" charset="0"/>
+                <a:cs typeface="Helvetica" panose="020B0604020202020204" pitchFamily="34" charset="0"/>
+              </a:rPr>
+              <a:t>all</a:t>
+            </a:r>
+            <a:r>
+              <a:rPr lang="hu-HU" sz="2800" dirty="0">
+                <a:latin typeface="Helvetica" panose="020B0604020202020204" pitchFamily="34" charset="0"/>
+                <a:cs typeface="Helvetica" panose="020B0604020202020204" pitchFamily="34" charset="0"/>
+              </a:rPr>
+              <a:t> </a:t>
+            </a:r>
+            <a:r>
+              <a:rPr lang="hu-HU" sz="2800" dirty="0" err="1">
+                <a:latin typeface="Helvetica" panose="020B0604020202020204" pitchFamily="34" charset="0"/>
+                <a:cs typeface="Helvetica" panose="020B0604020202020204" pitchFamily="34" charset="0"/>
+              </a:rPr>
+              <a:t>mines</a:t>
+            </a:r>
+            <a:r>
+              <a:rPr lang="hu-HU" sz="2800" dirty="0">
+                <a:latin typeface="Helvetica" panose="020B0604020202020204" pitchFamily="34" charset="0"/>
+                <a:cs typeface="Helvetica" panose="020B0604020202020204" pitchFamily="34" charset="0"/>
+              </a:rPr>
+              <a:t> </a:t>
+            </a:r>
+            <a:r>
+              <a:rPr lang="hu-HU" sz="2800" dirty="0" err="1">
+                <a:latin typeface="Helvetica" panose="020B0604020202020204" pitchFamily="34" charset="0"/>
+                <a:cs typeface="Helvetica" panose="020B0604020202020204" pitchFamily="34" charset="0"/>
+              </a:rPr>
+              <a:t>become</a:t>
+            </a:r>
+            <a:r>
+              <a:rPr lang="hu-HU" sz="2800" dirty="0">
+                <a:latin typeface="Helvetica" panose="020B0604020202020204" pitchFamily="34" charset="0"/>
+                <a:cs typeface="Helvetica" panose="020B0604020202020204" pitchFamily="34" charset="0"/>
+              </a:rPr>
+              <a:t> </a:t>
+            </a:r>
+            <a:r>
+              <a:rPr lang="hu-HU" sz="2800" dirty="0" err="1">
+                <a:latin typeface="Helvetica" panose="020B0604020202020204" pitchFamily="34" charset="0"/>
+                <a:cs typeface="Helvetica" panose="020B0604020202020204" pitchFamily="34" charset="0"/>
+              </a:rPr>
+              <a:t>revealed</a:t>
+            </a:r>
+            <a:endParaRPr lang="hu-HU" sz="2800" dirty="0">
+              <a:latin typeface="Helvetica" panose="020B0604020202020204" pitchFamily="34" charset="0"/>
+              <a:cs typeface="Helvetica" panose="020B0604020202020204" pitchFamily="34" charset="0"/>
+            </a:endParaRPr>
+          </a:p>
+          <a:p>
+            <a:r>
+              <a:rPr lang="hu-HU" sz="2800" dirty="0">
+                <a:latin typeface="Helvetica" panose="020B0604020202020204" pitchFamily="34" charset="0"/>
+                <a:cs typeface="Helvetica" panose="020B0604020202020204" pitchFamily="34" charset="0"/>
+              </a:rPr>
+              <a:t>- </a:t>
+            </a:r>
+            <a:r>
+              <a:rPr lang="hu-HU" sz="2800" dirty="0" err="1">
+                <a:latin typeface="Helvetica" panose="020B0604020202020204" pitchFamily="34" charset="0"/>
+                <a:cs typeface="Helvetica" panose="020B0604020202020204" pitchFamily="34" charset="0"/>
+              </a:rPr>
+              <a:t>some</a:t>
+            </a:r>
+            <a:r>
+              <a:rPr lang="hu-HU" sz="2800" dirty="0">
+                <a:latin typeface="Helvetica" panose="020B0604020202020204" pitchFamily="34" charset="0"/>
+                <a:cs typeface="Helvetica" panose="020B0604020202020204" pitchFamily="34" charset="0"/>
+              </a:rPr>
+              <a:t> </a:t>
+            </a:r>
+            <a:r>
+              <a:rPr lang="hu-HU" sz="2800" dirty="0" err="1">
+                <a:latin typeface="Helvetica" panose="020B0604020202020204" pitchFamily="34" charset="0"/>
+                <a:cs typeface="Helvetica" panose="020B0604020202020204" pitchFamily="34" charset="0"/>
+              </a:rPr>
+              <a:t>customized</a:t>
+            </a:r>
+            <a:r>
+              <a:rPr lang="hu-HU" sz="2800" dirty="0">
+                <a:latin typeface="Helvetica" panose="020B0604020202020204" pitchFamily="34" charset="0"/>
+                <a:cs typeface="Helvetica" panose="020B0604020202020204" pitchFamily="34" charset="0"/>
+              </a:rPr>
+              <a:t> </a:t>
+            </a:r>
+            <a:r>
+              <a:rPr lang="hu-HU" sz="2800" dirty="0" err="1">
+                <a:latin typeface="Helvetica" panose="020B0604020202020204" pitchFamily="34" charset="0"/>
+                <a:cs typeface="Helvetica" panose="020B0604020202020204" pitchFamily="34" charset="0"/>
+              </a:rPr>
+              <a:t>values</a:t>
+            </a:r>
+            <a:r>
+              <a:rPr lang="hu-HU" sz="2800" dirty="0">
+                <a:latin typeface="Helvetica" panose="020B0604020202020204" pitchFamily="34" charset="0"/>
+                <a:cs typeface="Helvetica" panose="020B0604020202020204" pitchFamily="34" charset="0"/>
+              </a:rPr>
+              <a:t> </a:t>
+            </a:r>
+            <a:r>
+              <a:rPr lang="hu-HU" sz="2800" dirty="0" err="1">
+                <a:latin typeface="Helvetica" panose="020B0604020202020204" pitchFamily="34" charset="0"/>
+                <a:cs typeface="Helvetica" panose="020B0604020202020204" pitchFamily="34" charset="0"/>
+              </a:rPr>
+              <a:t>are</a:t>
+            </a:r>
+            <a:r>
+              <a:rPr lang="hu-HU" sz="2800" dirty="0">
+                <a:latin typeface="Helvetica" panose="020B0604020202020204" pitchFamily="34" charset="0"/>
+                <a:cs typeface="Helvetica" panose="020B0604020202020204" pitchFamily="34" charset="0"/>
+              </a:rPr>
+              <a:t> </a:t>
+            </a:r>
+            <a:r>
+              <a:rPr lang="hu-HU" sz="2800" dirty="0" err="1">
+                <a:latin typeface="Helvetica" panose="020B0604020202020204" pitchFamily="34" charset="0"/>
+                <a:cs typeface="Helvetica" panose="020B0604020202020204" pitchFamily="34" charset="0"/>
+              </a:rPr>
+              <a:t>held</a:t>
+            </a:r>
+            <a:r>
+              <a:rPr lang="hu-HU" sz="2800" dirty="0">
+                <a:latin typeface="Helvetica" panose="020B0604020202020204" pitchFamily="34" charset="0"/>
+                <a:cs typeface="Helvetica" panose="020B0604020202020204" pitchFamily="34" charset="0"/>
+              </a:rPr>
+              <a:t> in a </a:t>
+            </a:r>
+            <a:r>
+              <a:rPr lang="hu-HU" sz="2800" dirty="0" err="1">
+                <a:latin typeface="Helvetica" panose="020B0604020202020204" pitchFamily="34" charset="0"/>
+                <a:cs typeface="Helvetica" panose="020B0604020202020204" pitchFamily="34" charset="0"/>
+              </a:rPr>
+              <a:t>specific</a:t>
+            </a:r>
+            <a:r>
+              <a:rPr lang="hu-HU" sz="2800" dirty="0">
+                <a:latin typeface="Helvetica" panose="020B0604020202020204" pitchFamily="34" charset="0"/>
+                <a:cs typeface="Helvetica" panose="020B0604020202020204" pitchFamily="34" charset="0"/>
+              </a:rPr>
+              <a:t> </a:t>
+            </a:r>
+            <a:r>
+              <a:rPr lang="hu-HU" sz="2800" dirty="0" err="1">
+                <a:latin typeface="Helvetica" panose="020B0604020202020204" pitchFamily="34" charset="0"/>
+                <a:cs typeface="Helvetica" panose="020B0604020202020204" pitchFamily="34" charset="0"/>
+              </a:rPr>
+              <a:t>range</a:t>
+            </a:r>
+            <a:r>
+              <a:rPr lang="hu-HU" sz="2800" dirty="0">
+                <a:latin typeface="Helvetica" panose="020B0604020202020204" pitchFamily="34" charset="0"/>
+                <a:cs typeface="Helvetica" panose="020B0604020202020204" pitchFamily="34" charset="0"/>
+              </a:rPr>
+              <a:t> </a:t>
+            </a:r>
+            <a:r>
+              <a:rPr lang="hu-HU" sz="2800" dirty="0" err="1">
+                <a:latin typeface="Helvetica" panose="020B0604020202020204" pitchFamily="34" charset="0"/>
+                <a:cs typeface="Helvetica" panose="020B0604020202020204" pitchFamily="34" charset="0"/>
+              </a:rPr>
+              <a:t>to</a:t>
+            </a:r>
+            <a:r>
+              <a:rPr lang="hu-HU" sz="2800" dirty="0">
+                <a:latin typeface="Helvetica" panose="020B0604020202020204" pitchFamily="34" charset="0"/>
+                <a:cs typeface="Helvetica" panose="020B0604020202020204" pitchFamily="34" charset="0"/>
+              </a:rPr>
+              <a:t> </a:t>
+            </a:r>
+            <a:r>
+              <a:rPr lang="hu-HU" sz="2800" dirty="0" err="1">
+                <a:latin typeface="Helvetica" panose="020B0604020202020204" pitchFamily="34" charset="0"/>
+                <a:cs typeface="Helvetica" panose="020B0604020202020204" pitchFamily="34" charset="0"/>
+              </a:rPr>
+              <a:t>prevent</a:t>
+            </a:r>
+            <a:r>
+              <a:rPr lang="hu-HU" sz="2800" dirty="0">
+                <a:latin typeface="Helvetica" panose="020B0604020202020204" pitchFamily="34" charset="0"/>
+                <a:cs typeface="Helvetica" panose="020B0604020202020204" pitchFamily="34" charset="0"/>
+              </a:rPr>
+              <a:t> </a:t>
+            </a:r>
+            <a:r>
+              <a:rPr lang="hu-HU" sz="2800" dirty="0" err="1">
+                <a:latin typeface="Helvetica" panose="020B0604020202020204" pitchFamily="34" charset="0"/>
+                <a:cs typeface="Helvetica" panose="020B0604020202020204" pitchFamily="34" charset="0"/>
+              </a:rPr>
+              <a:t>possible</a:t>
+            </a:r>
+            <a:r>
+              <a:rPr lang="hu-HU" sz="2800" dirty="0">
+                <a:latin typeface="Helvetica" panose="020B0604020202020204" pitchFamily="34" charset="0"/>
+                <a:cs typeface="Helvetica" panose="020B0604020202020204" pitchFamily="34" charset="0"/>
+              </a:rPr>
+              <a:t> </a:t>
+            </a:r>
+            <a:r>
+              <a:rPr lang="hu-HU" sz="2800" dirty="0" err="1">
+                <a:latin typeface="Helvetica" panose="020B0604020202020204" pitchFamily="34" charset="0"/>
+                <a:cs typeface="Helvetica" panose="020B0604020202020204" pitchFamily="34" charset="0"/>
+              </a:rPr>
+              <a:t>crashes</a:t>
+            </a:r>
+            <a:endParaRPr lang="en-GB" sz="2800" dirty="0">
+              <a:latin typeface="Helvetica" panose="020B0604020202020204" pitchFamily="34" charset="0"/>
+              <a:cs typeface="Helvetica" panose="020B0604020202020204" pitchFamily="34" charset="0"/>
+            </a:endParaRPr>
+          </a:p>
+        </p:txBody>
+      </p:sp>
+    </p:spTree>
+    <p:extLst>
+      <p:ext uri="{BB962C8B-B14F-4D97-AF65-F5344CB8AC3E}">
+        <p14:creationId xmlns:p14="http://schemas.microsoft.com/office/powerpoint/2010/main" val="3769848902"/>
+      </p:ext>
+    </p:extLst>
+  </p:cSld>
+  <p:clrMapOvr>
+    <a:masterClrMapping/>
+  </p:clrMapOvr>
+</p:sld>
+</file>
+
+<file path=ppt/slides/slide6.xml><?xml version="1.0" encoding="utf-8"?>
+<p:sld xmlns:a="http://schemas.openxmlformats.org/drawingml/2006/main" xmlns:r="http://schemas.openxmlformats.org/officeDocument/2006/relationships" xmlns:p="http://schemas.openxmlformats.org/presentationml/2006/main">
+  <p:cSld>
+    <p:spTree>
+      <p:nvGrpSpPr>
+        <p:cNvPr id="1" name=""/>
+        <p:cNvGrpSpPr/>
+        <p:nvPr/>
+      </p:nvGrpSpPr>
+      <p:grpSpPr>
+        <a:xfrm>
+          <a:off x="0" y="0"/>
+          <a:ext cx="0" cy="0"/>
+          <a:chOff x="0" y="0"/>
+          <a:chExt cx="0" cy="0"/>
+        </a:xfrm>
+      </p:grpSpPr>
+      <p:sp>
+        <p:nvSpPr>
+          <p:cNvPr id="2" name="Cím 1">
+            <a:extLst>
+              <a:ext uri="{FF2B5EF4-FFF2-40B4-BE49-F238E27FC236}">
+                <a16:creationId xmlns:a16="http://schemas.microsoft.com/office/drawing/2014/main" id="{2C4DEF99-0917-4608-BFD4-B18ECF8D32E5}"/>
+              </a:ext>
+            </a:extLst>
+          </p:cNvPr>
+          <p:cNvSpPr>
+            <a:spLocks noGrp="1"/>
+          </p:cNvSpPr>
+          <p:nvPr>
+            <p:ph type="title"/>
+          </p:nvPr>
+        </p:nvSpPr>
+        <p:spPr/>
+        <p:txBody>
+          <a:bodyPr/>
+          <a:lstStyle/>
+          <a:p>
+            <a:r>
+              <a:rPr lang="hu-HU" dirty="0" err="1">
+                <a:latin typeface="Helvetica" panose="020B0604020202020204" pitchFamily="34" charset="0"/>
+                <a:cs typeface="Helvetica" panose="020B0604020202020204" pitchFamily="34" charset="0"/>
+              </a:rPr>
+              <a:t>Minesweeper</a:t>
+            </a:r>
+            <a:r>
+              <a:rPr lang="hu-HU" dirty="0">
+                <a:latin typeface="Helvetica" panose="020B0604020202020204" pitchFamily="34" charset="0"/>
+                <a:cs typeface="Helvetica" panose="020B0604020202020204" pitchFamily="34" charset="0"/>
+              </a:rPr>
+              <a:t> project</a:t>
+            </a:r>
+            <a:endParaRPr lang="en-GB" dirty="0">
+              <a:latin typeface="Helvetica" panose="020B0604020202020204" pitchFamily="34" charset="0"/>
+              <a:cs typeface="Helvetica" panose="020B0604020202020204" pitchFamily="34" charset="0"/>
+            </a:endParaRPr>
+          </a:p>
+        </p:txBody>
+      </p:sp>
+      <p:sp>
+        <p:nvSpPr>
+          <p:cNvPr id="3" name="Tartalom helye 2">
+            <a:extLst>
+              <a:ext uri="{FF2B5EF4-FFF2-40B4-BE49-F238E27FC236}">
+                <a16:creationId xmlns:a16="http://schemas.microsoft.com/office/drawing/2014/main" id="{D371B489-329B-492C-91DF-E23064A949B1}"/>
+              </a:ext>
+            </a:extLst>
+          </p:cNvPr>
+          <p:cNvSpPr>
+            <a:spLocks noGrp="1"/>
+          </p:cNvSpPr>
+          <p:nvPr>
+            <p:ph idx="1"/>
+          </p:nvPr>
+        </p:nvSpPr>
+        <p:spPr>
+          <a:xfrm>
+            <a:off x="487949" y="2080591"/>
+            <a:ext cx="2934735" cy="1809456"/>
+          </a:xfrm>
+        </p:spPr>
+        <p:txBody>
+          <a:bodyPr>
+            <a:normAutofit/>
+          </a:bodyPr>
+          <a:lstStyle/>
+          <a:p>
+            <a:r>
+              <a:rPr lang="hu-HU" sz="2800" dirty="0">
+                <a:latin typeface="Helvetica" panose="020B0604020202020204" pitchFamily="34" charset="0"/>
+                <a:cs typeface="Helvetica" panose="020B0604020202020204" pitchFamily="34" charset="0"/>
+              </a:rPr>
+              <a:t>The </a:t>
+            </a:r>
+            <a:r>
+              <a:rPr lang="hu-HU" sz="2800" dirty="0" err="1">
+                <a:latin typeface="Helvetica" panose="020B0604020202020204" pitchFamily="34" charset="0"/>
+                <a:cs typeface="Helvetica" panose="020B0604020202020204" pitchFamily="34" charset="0"/>
+              </a:rPr>
+              <a:t>first</a:t>
+            </a:r>
+            <a:r>
+              <a:rPr lang="hu-HU" sz="2800" dirty="0">
+                <a:latin typeface="Helvetica" panose="020B0604020202020204" pitchFamily="34" charset="0"/>
+                <a:cs typeface="Helvetica" panose="020B0604020202020204" pitchFamily="34" charset="0"/>
+              </a:rPr>
+              <a:t> </a:t>
+            </a:r>
+            <a:r>
+              <a:rPr lang="hu-HU" sz="2800" dirty="0" err="1">
+                <a:latin typeface="Helvetica" panose="020B0604020202020204" pitchFamily="34" charset="0"/>
+                <a:cs typeface="Helvetica" panose="020B0604020202020204" pitchFamily="34" charset="0"/>
+              </a:rPr>
+              <a:t>pair</a:t>
+            </a:r>
+            <a:r>
+              <a:rPr lang="hu-HU" sz="2800" dirty="0">
+                <a:latin typeface="Helvetica" panose="020B0604020202020204" pitchFamily="34" charset="0"/>
+                <a:cs typeface="Helvetica" panose="020B0604020202020204" pitchFamily="34" charset="0"/>
+              </a:rPr>
+              <a:t> of </a:t>
+            </a:r>
+            <a:r>
+              <a:rPr lang="hu-HU" sz="2800" dirty="0" err="1">
+                <a:latin typeface="Helvetica" panose="020B0604020202020204" pitchFamily="34" charset="0"/>
+                <a:cs typeface="Helvetica" panose="020B0604020202020204" pitchFamily="34" charset="0"/>
+              </a:rPr>
+              <a:t>coordinates</a:t>
+            </a:r>
+            <a:r>
+              <a:rPr lang="hu-HU" sz="2800" dirty="0">
+                <a:latin typeface="Helvetica" panose="020B0604020202020204" pitchFamily="34" charset="0"/>
+                <a:cs typeface="Helvetica" panose="020B0604020202020204" pitchFamily="34" charset="0"/>
+              </a:rPr>
+              <a:t> </a:t>
+            </a:r>
+            <a:r>
+              <a:rPr lang="hu-HU" sz="2800" dirty="0" err="1">
+                <a:latin typeface="Helvetica" panose="020B0604020202020204" pitchFamily="34" charset="0"/>
+                <a:cs typeface="Helvetica" panose="020B0604020202020204" pitchFamily="34" charset="0"/>
+              </a:rPr>
+              <a:t>are</a:t>
+            </a:r>
+            <a:r>
+              <a:rPr lang="hu-HU" sz="2800" dirty="0">
+                <a:latin typeface="Helvetica" panose="020B0604020202020204" pitchFamily="34" charset="0"/>
+                <a:cs typeface="Helvetica" panose="020B0604020202020204" pitchFamily="34" charset="0"/>
+              </a:rPr>
+              <a:t> </a:t>
+            </a:r>
+            <a:r>
+              <a:rPr lang="hu-HU" sz="2800" dirty="0" err="1">
+                <a:latin typeface="Helvetica" panose="020B0604020202020204" pitchFamily="34" charset="0"/>
+                <a:cs typeface="Helvetica" panose="020B0604020202020204" pitchFamily="34" charset="0"/>
+              </a:rPr>
+              <a:t>given</a:t>
+            </a:r>
+            <a:r>
+              <a:rPr lang="hu-HU" sz="2800" dirty="0">
+                <a:latin typeface="Helvetica" panose="020B0604020202020204" pitchFamily="34" charset="0"/>
+                <a:cs typeface="Helvetica" panose="020B0604020202020204" pitchFamily="34" charset="0"/>
+              </a:rPr>
+              <a:t> </a:t>
+            </a:r>
+            <a:r>
+              <a:rPr lang="hu-HU" sz="2800" dirty="0" err="1">
+                <a:latin typeface="Helvetica" panose="020B0604020202020204" pitchFamily="34" charset="0"/>
+                <a:cs typeface="Helvetica" panose="020B0604020202020204" pitchFamily="34" charset="0"/>
+              </a:rPr>
+              <a:t>before</a:t>
+            </a:r>
+            <a:r>
+              <a:rPr lang="hu-HU" sz="2800" dirty="0">
+                <a:latin typeface="Helvetica" panose="020B0604020202020204" pitchFamily="34" charset="0"/>
+                <a:cs typeface="Helvetica" panose="020B0604020202020204" pitchFamily="34" charset="0"/>
+              </a:rPr>
+              <a:t> </a:t>
+            </a:r>
+            <a:r>
+              <a:rPr lang="hu-HU" sz="2800" dirty="0" err="1">
+                <a:latin typeface="Helvetica" panose="020B0604020202020204" pitchFamily="34" charset="0"/>
+                <a:cs typeface="Helvetica" panose="020B0604020202020204" pitchFamily="34" charset="0"/>
+              </a:rPr>
+              <a:t>the</a:t>
+            </a:r>
+            <a:r>
+              <a:rPr lang="hu-HU" sz="2800" dirty="0">
+                <a:latin typeface="Helvetica" panose="020B0604020202020204" pitchFamily="34" charset="0"/>
+                <a:cs typeface="Helvetica" panose="020B0604020202020204" pitchFamily="34" charset="0"/>
+              </a:rPr>
+              <a:t> </a:t>
+            </a:r>
+            <a:r>
+              <a:rPr lang="hu-HU" sz="2800" dirty="0" err="1">
+                <a:latin typeface="Helvetica" panose="020B0604020202020204" pitchFamily="34" charset="0"/>
+                <a:cs typeface="Helvetica" panose="020B0604020202020204" pitchFamily="34" charset="0"/>
+              </a:rPr>
+              <a:t>mines</a:t>
+            </a:r>
+            <a:r>
+              <a:rPr lang="hu-HU" sz="2800" dirty="0">
+                <a:latin typeface="Helvetica" panose="020B0604020202020204" pitchFamily="34" charset="0"/>
+                <a:cs typeface="Helvetica" panose="020B0604020202020204" pitchFamily="34" charset="0"/>
+              </a:rPr>
+              <a:t> </a:t>
+            </a:r>
+            <a:r>
+              <a:rPr lang="hu-HU" sz="2800" dirty="0" err="1">
+                <a:latin typeface="Helvetica" panose="020B0604020202020204" pitchFamily="34" charset="0"/>
+                <a:cs typeface="Helvetica" panose="020B0604020202020204" pitchFamily="34" charset="0"/>
+              </a:rPr>
+              <a:t>are</a:t>
+            </a:r>
+            <a:r>
+              <a:rPr lang="hu-HU" sz="2800" dirty="0">
+                <a:latin typeface="Helvetica" panose="020B0604020202020204" pitchFamily="34" charset="0"/>
+                <a:cs typeface="Helvetica" panose="020B0604020202020204" pitchFamily="34" charset="0"/>
+              </a:rPr>
+              <a:t> </a:t>
+            </a:r>
+            <a:r>
+              <a:rPr lang="hu-HU" sz="2800" dirty="0" err="1">
+                <a:latin typeface="Helvetica" panose="020B0604020202020204" pitchFamily="34" charset="0"/>
+                <a:cs typeface="Helvetica" panose="020B0604020202020204" pitchFamily="34" charset="0"/>
+              </a:rPr>
+              <a:t>placed</a:t>
+            </a:r>
+            <a:endParaRPr lang="en-GB" sz="2800" dirty="0">
+              <a:latin typeface="Helvetica" panose="020B0604020202020204" pitchFamily="34" charset="0"/>
+              <a:cs typeface="Helvetica" panose="020B0604020202020204" pitchFamily="34" charset="0"/>
+            </a:endParaRPr>
+          </a:p>
+        </p:txBody>
+      </p:sp>
+      <p:pic>
+        <p:nvPicPr>
+          <p:cNvPr id="4" name="Kép 3">
+            <a:extLst>
+              <a:ext uri="{FF2B5EF4-FFF2-40B4-BE49-F238E27FC236}">
+                <a16:creationId xmlns:a16="http://schemas.microsoft.com/office/drawing/2014/main" id="{777BCD3E-BBF8-4A07-B5E1-87781091EFA7}"/>
+              </a:ext>
+            </a:extLst>
+          </p:cNvPr>
+          <p:cNvPicPr>
+            <a:picLocks noChangeAspect="1"/>
+          </p:cNvPicPr>
+          <p:nvPr/>
+        </p:nvPicPr>
+        <p:blipFill>
+          <a:blip r:embed="rId2"/>
+          <a:stretch>
+            <a:fillRect/>
+          </a:stretch>
+        </p:blipFill>
+        <p:spPr>
+          <a:xfrm>
+            <a:off x="326542" y="4094665"/>
+            <a:ext cx="3257550" cy="2000250"/>
+          </a:xfrm>
+          <a:prstGeom prst="rect">
+            <a:avLst/>
+          </a:prstGeom>
+        </p:spPr>
+      </p:pic>
+      <p:pic>
+        <p:nvPicPr>
+          <p:cNvPr id="5" name="Kép 4">
+            <a:extLst>
+              <a:ext uri="{FF2B5EF4-FFF2-40B4-BE49-F238E27FC236}">
+                <a16:creationId xmlns:a16="http://schemas.microsoft.com/office/drawing/2014/main" id="{ABF1BFDB-B114-41B6-8928-4472A0082561}"/>
+              </a:ext>
+            </a:extLst>
+          </p:cNvPr>
+          <p:cNvPicPr>
+            <a:picLocks noChangeAspect="1"/>
+          </p:cNvPicPr>
+          <p:nvPr/>
+        </p:nvPicPr>
+        <p:blipFill>
+          <a:blip r:embed="rId3"/>
+          <a:stretch>
+            <a:fillRect/>
+          </a:stretch>
+        </p:blipFill>
+        <p:spPr>
+          <a:xfrm>
+            <a:off x="3828636" y="2257582"/>
+            <a:ext cx="4895850" cy="3248025"/>
+          </a:xfrm>
+          <a:prstGeom prst="rect">
+            <a:avLst/>
+          </a:prstGeom>
+        </p:spPr>
+      </p:pic>
+    </p:spTree>
+    <p:extLst>
+      <p:ext uri="{BB962C8B-B14F-4D97-AF65-F5344CB8AC3E}">
+        <p14:creationId xmlns:p14="http://schemas.microsoft.com/office/powerpoint/2010/main" val="210142631"/>
+      </p:ext>
+    </p:extLst>
+  </p:cSld>
+  <p:clrMapOvr>
+    <a:masterClrMapping/>
+  </p:clrMapOvr>
+</p:sld>
+</file>
+
+<file path=ppt/slides/slide7.xml><?xml version="1.0" encoding="utf-8"?>
+<p:sld xmlns:a="http://schemas.openxmlformats.org/drawingml/2006/main" xmlns:r="http://schemas.openxmlformats.org/officeDocument/2006/relationships" xmlns:p="http://schemas.openxmlformats.org/presentationml/2006/main">
+  <p:cSld>
+    <p:spTree>
+      <p:nvGrpSpPr>
+        <p:cNvPr id="1" name=""/>
+        <p:cNvGrpSpPr/>
+        <p:nvPr/>
+      </p:nvGrpSpPr>
+      <p:grpSpPr>
+        <a:xfrm>
+          <a:off x="0" y="0"/>
+          <a:ext cx="0" cy="0"/>
+          <a:chOff x="0" y="0"/>
+          <a:chExt cx="0" cy="0"/>
+        </a:xfrm>
+      </p:grpSpPr>
+      <p:sp>
+        <p:nvSpPr>
+          <p:cNvPr id="2" name="Cím 1">
+            <a:extLst>
+              <a:ext uri="{FF2B5EF4-FFF2-40B4-BE49-F238E27FC236}">
                 <a16:creationId xmlns:a16="http://schemas.microsoft.com/office/drawing/2014/main" id="{88BAD1EB-015D-4BC1-A7B1-130884FCE295}"/>
               </a:ext>
             </a:extLst>
@@ -4400,32 +6118,362 @@
           <a:lstStyle/>
           <a:p>
             <a:r>
-              <a:rPr lang="hu-HU" dirty="0" err="1"/>
+              <a:rPr lang="hu-HU" dirty="0" err="1">
+                <a:latin typeface="Helvetica" panose="020B0604020202020204" pitchFamily="34" charset="0"/>
+                <a:cs typeface="Helvetica" panose="020B0604020202020204" pitchFamily="34" charset="0"/>
+              </a:rPr>
               <a:t>Minesweeper</a:t>
             </a:r>
             <a:r>
-              <a:rPr lang="hu-HU"/>
+              <a:rPr lang="hu-HU" dirty="0">
+                <a:latin typeface="Helvetica" panose="020B0604020202020204" pitchFamily="34" charset="0"/>
+                <a:cs typeface="Helvetica" panose="020B0604020202020204" pitchFamily="34" charset="0"/>
+              </a:rPr>
               <a:t> project</a:t>
             </a:r>
-            <a:endParaRPr lang="en-GB" dirty="0"/>
+            <a:endParaRPr lang="en-GB" dirty="0">
+              <a:latin typeface="Helvetica" panose="020B0604020202020204" pitchFamily="34" charset="0"/>
+              <a:cs typeface="Helvetica" panose="020B0604020202020204" pitchFamily="34" charset="0"/>
+            </a:endParaRPr>
+          </a:p>
+        </p:txBody>
+      </p:sp>
+      <p:sp>
+        <p:nvSpPr>
+          <p:cNvPr id="4" name="Tartalom helye 3">
+            <a:extLst>
+              <a:ext uri="{FF2B5EF4-FFF2-40B4-BE49-F238E27FC236}">
+                <a16:creationId xmlns:a16="http://schemas.microsoft.com/office/drawing/2014/main" id="{0D92FCFD-E6AE-4541-A14D-A387C7073BC4}"/>
+              </a:ext>
+            </a:extLst>
+          </p:cNvPr>
+          <p:cNvSpPr>
+            <a:spLocks noGrp="1"/>
+          </p:cNvSpPr>
+          <p:nvPr>
+            <p:ph idx="1"/>
+          </p:nvPr>
+        </p:nvSpPr>
+        <p:spPr>
+          <a:xfrm>
+            <a:off x="822960" y="2080591"/>
+            <a:ext cx="4454718" cy="3604592"/>
+          </a:xfrm>
+        </p:spPr>
+        <p:txBody>
+          <a:bodyPr>
+            <a:noAutofit/>
+          </a:bodyPr>
+          <a:lstStyle/>
+          <a:p>
+            <a:r>
+              <a:rPr lang="hu-HU" sz="3200" dirty="0" err="1">
+                <a:latin typeface="Helvetica" panose="020B0604020202020204" pitchFamily="34" charset="0"/>
+                <a:cs typeface="Helvetica" panose="020B0604020202020204" pitchFamily="34" charset="0"/>
+              </a:rPr>
+              <a:t>Further</a:t>
+            </a:r>
+            <a:r>
+              <a:rPr lang="hu-HU" sz="3200" dirty="0">
+                <a:latin typeface="Helvetica" panose="020B0604020202020204" pitchFamily="34" charset="0"/>
+                <a:cs typeface="Helvetica" panose="020B0604020202020204" pitchFamily="34" charset="0"/>
+              </a:rPr>
+              <a:t> </a:t>
+            </a:r>
+            <a:r>
+              <a:rPr lang="hu-HU" sz="3200" dirty="0" err="1">
+                <a:latin typeface="Helvetica" panose="020B0604020202020204" pitchFamily="34" charset="0"/>
+                <a:cs typeface="Helvetica" panose="020B0604020202020204" pitchFamily="34" charset="0"/>
+              </a:rPr>
+              <a:t>plans</a:t>
+            </a:r>
+            <a:r>
+              <a:rPr lang="hu-HU" sz="3200" dirty="0">
+                <a:latin typeface="Helvetica" panose="020B0604020202020204" pitchFamily="34" charset="0"/>
+                <a:cs typeface="Helvetica" panose="020B0604020202020204" pitchFamily="34" charset="0"/>
+              </a:rPr>
+              <a:t>:</a:t>
+            </a:r>
+          </a:p>
+          <a:p>
+            <a:r>
+              <a:rPr lang="hu-HU" sz="3200" dirty="0">
+                <a:latin typeface="Helvetica" panose="020B0604020202020204" pitchFamily="34" charset="0"/>
+                <a:cs typeface="Helvetica" panose="020B0604020202020204" pitchFamily="34" charset="0"/>
+              </a:rPr>
+              <a:t>- </a:t>
+            </a:r>
+            <a:r>
+              <a:rPr lang="hu-HU" sz="3200" dirty="0" err="1">
+                <a:latin typeface="Helvetica" panose="020B0604020202020204" pitchFamily="34" charset="0"/>
+                <a:cs typeface="Helvetica" panose="020B0604020202020204" pitchFamily="34" charset="0"/>
+              </a:rPr>
+              <a:t>making</a:t>
+            </a:r>
+            <a:r>
+              <a:rPr lang="hu-HU" sz="3200" dirty="0">
+                <a:latin typeface="Helvetica" panose="020B0604020202020204" pitchFamily="34" charset="0"/>
+                <a:cs typeface="Helvetica" panose="020B0604020202020204" pitchFamily="34" charset="0"/>
+              </a:rPr>
+              <a:t> more </a:t>
+            </a:r>
+            <a:r>
+              <a:rPr lang="hu-HU" sz="3200" dirty="0" err="1">
+                <a:latin typeface="Helvetica" panose="020B0604020202020204" pitchFamily="34" charset="0"/>
+                <a:cs typeface="Helvetica" panose="020B0604020202020204" pitchFamily="34" charset="0"/>
+              </a:rPr>
+              <a:t>features</a:t>
+            </a:r>
+            <a:r>
+              <a:rPr lang="hu-HU" sz="3200" dirty="0">
+                <a:latin typeface="Helvetica" panose="020B0604020202020204" pitchFamily="34" charset="0"/>
+                <a:cs typeface="Helvetica" panose="020B0604020202020204" pitchFamily="34" charset="0"/>
+              </a:rPr>
+              <a:t> in </a:t>
+            </a:r>
+            <a:r>
+              <a:rPr lang="hu-HU" sz="3200" dirty="0" err="1">
+                <a:latin typeface="Helvetica" panose="020B0604020202020204" pitchFamily="34" charset="0"/>
+                <a:cs typeface="Helvetica" panose="020B0604020202020204" pitchFamily="34" charset="0"/>
+              </a:rPr>
+              <a:t>the</a:t>
+            </a:r>
+            <a:r>
+              <a:rPr lang="hu-HU" sz="3200" dirty="0">
+                <a:latin typeface="Helvetica" panose="020B0604020202020204" pitchFamily="34" charset="0"/>
+                <a:cs typeface="Helvetica" panose="020B0604020202020204" pitchFamily="34" charset="0"/>
+              </a:rPr>
+              <a:t> game, </a:t>
+            </a:r>
+            <a:r>
+              <a:rPr lang="hu-HU" sz="3200" dirty="0" err="1">
+                <a:latin typeface="Helvetica" panose="020B0604020202020204" pitchFamily="34" charset="0"/>
+                <a:cs typeface="Helvetica" panose="020B0604020202020204" pitchFamily="34" charset="0"/>
+              </a:rPr>
+              <a:t>making</a:t>
+            </a:r>
+            <a:r>
+              <a:rPr lang="hu-HU" sz="3200" dirty="0">
+                <a:latin typeface="Helvetica" panose="020B0604020202020204" pitchFamily="34" charset="0"/>
+                <a:cs typeface="Helvetica" panose="020B0604020202020204" pitchFamily="34" charset="0"/>
+              </a:rPr>
+              <a:t> </a:t>
+            </a:r>
+            <a:r>
+              <a:rPr lang="hu-HU" sz="3200" dirty="0" err="1">
+                <a:latin typeface="Helvetica" panose="020B0604020202020204" pitchFamily="34" charset="0"/>
+                <a:cs typeface="Helvetica" panose="020B0604020202020204" pitchFamily="34" charset="0"/>
+              </a:rPr>
+              <a:t>it</a:t>
+            </a:r>
+            <a:r>
+              <a:rPr lang="hu-HU" sz="3200" dirty="0">
+                <a:latin typeface="Helvetica" panose="020B0604020202020204" pitchFamily="34" charset="0"/>
+                <a:cs typeface="Helvetica" panose="020B0604020202020204" pitchFamily="34" charset="0"/>
+              </a:rPr>
+              <a:t> </a:t>
+            </a:r>
+            <a:r>
+              <a:rPr lang="hu-HU" sz="3200" dirty="0" err="1">
+                <a:latin typeface="Helvetica" panose="020B0604020202020204" pitchFamily="34" charset="0"/>
+                <a:cs typeface="Helvetica" panose="020B0604020202020204" pitchFamily="34" charset="0"/>
+              </a:rPr>
+              <a:t>safer</a:t>
+            </a:r>
+            <a:r>
+              <a:rPr lang="hu-HU" sz="3200" dirty="0">
+                <a:latin typeface="Helvetica" panose="020B0604020202020204" pitchFamily="34" charset="0"/>
+                <a:cs typeface="Helvetica" panose="020B0604020202020204" pitchFamily="34" charset="0"/>
+              </a:rPr>
+              <a:t> </a:t>
+            </a:r>
+            <a:r>
+              <a:rPr lang="hu-HU" sz="3200" dirty="0" err="1">
+                <a:latin typeface="Helvetica" panose="020B0604020202020204" pitchFamily="34" charset="0"/>
+                <a:cs typeface="Helvetica" panose="020B0604020202020204" pitchFamily="34" charset="0"/>
+              </a:rPr>
+              <a:t>for</a:t>
+            </a:r>
+            <a:r>
+              <a:rPr lang="hu-HU" sz="3200" dirty="0">
+                <a:latin typeface="Helvetica" panose="020B0604020202020204" pitchFamily="34" charset="0"/>
+                <a:cs typeface="Helvetica" panose="020B0604020202020204" pitchFamily="34" charset="0"/>
+              </a:rPr>
+              <a:t> (</a:t>
+            </a:r>
+            <a:r>
+              <a:rPr lang="hu-HU" sz="3200" dirty="0" err="1">
+                <a:latin typeface="Helvetica" panose="020B0604020202020204" pitchFamily="34" charset="0"/>
+                <a:cs typeface="Helvetica" panose="020B0604020202020204" pitchFamily="34" charset="0"/>
+              </a:rPr>
+              <a:t>or</a:t>
+            </a:r>
+            <a:r>
+              <a:rPr lang="hu-HU" sz="3200" dirty="0">
+                <a:latin typeface="Helvetica" panose="020B0604020202020204" pitchFamily="34" charset="0"/>
+                <a:cs typeface="Helvetica" panose="020B0604020202020204" pitchFamily="34" charset="0"/>
+              </a:rPr>
+              <a:t> </a:t>
+            </a:r>
+            <a:r>
+              <a:rPr lang="hu-HU" sz="3200" dirty="0" err="1">
+                <a:latin typeface="Helvetica" panose="020B0604020202020204" pitchFamily="34" charset="0"/>
+                <a:cs typeface="Helvetica" panose="020B0604020202020204" pitchFamily="34" charset="0"/>
+              </a:rPr>
+              <a:t>from</a:t>
+            </a:r>
+            <a:r>
+              <a:rPr lang="hu-HU" sz="3200" dirty="0">
+                <a:latin typeface="Helvetica" panose="020B0604020202020204" pitchFamily="34" charset="0"/>
+                <a:cs typeface="Helvetica" panose="020B0604020202020204" pitchFamily="34" charset="0"/>
+              </a:rPr>
+              <a:t>) </a:t>
+            </a:r>
+            <a:r>
+              <a:rPr lang="hu-HU" sz="3200" dirty="0" err="1">
+                <a:latin typeface="Helvetica" panose="020B0604020202020204" pitchFamily="34" charset="0"/>
+                <a:cs typeface="Helvetica" panose="020B0604020202020204" pitchFamily="34" charset="0"/>
+              </a:rPr>
+              <a:t>users</a:t>
+            </a:r>
+            <a:endParaRPr lang="hu-HU" sz="3200" dirty="0">
+              <a:latin typeface="Helvetica" panose="020B0604020202020204" pitchFamily="34" charset="0"/>
+              <a:cs typeface="Helvetica" panose="020B0604020202020204" pitchFamily="34" charset="0"/>
+            </a:endParaRPr>
+          </a:p>
+          <a:p>
+            <a:r>
+              <a:rPr lang="hu-HU" sz="3200" dirty="0">
+                <a:latin typeface="Helvetica" panose="020B0604020202020204" pitchFamily="34" charset="0"/>
+                <a:cs typeface="Helvetica" panose="020B0604020202020204" pitchFamily="34" charset="0"/>
+              </a:rPr>
+              <a:t>- </a:t>
+            </a:r>
+            <a:r>
+              <a:rPr lang="hu-HU" sz="3200" dirty="0" err="1">
+                <a:latin typeface="Helvetica" panose="020B0604020202020204" pitchFamily="34" charset="0"/>
+                <a:cs typeface="Helvetica" panose="020B0604020202020204" pitchFamily="34" charset="0"/>
+              </a:rPr>
+              <a:t>evolving</a:t>
+            </a:r>
+            <a:r>
+              <a:rPr lang="hu-HU" sz="3200" dirty="0">
+                <a:latin typeface="Helvetica" panose="020B0604020202020204" pitchFamily="34" charset="0"/>
+                <a:cs typeface="Helvetica" panose="020B0604020202020204" pitchFamily="34" charset="0"/>
+              </a:rPr>
+              <a:t> </a:t>
+            </a:r>
+            <a:r>
+              <a:rPr lang="hu-HU" sz="3200" dirty="0" err="1">
+                <a:latin typeface="Helvetica" panose="020B0604020202020204" pitchFamily="34" charset="0"/>
+                <a:cs typeface="Helvetica" panose="020B0604020202020204" pitchFamily="34" charset="0"/>
+              </a:rPr>
+              <a:t>the</a:t>
+            </a:r>
+            <a:r>
+              <a:rPr lang="hu-HU" sz="3200" dirty="0">
+                <a:latin typeface="Helvetica" panose="020B0604020202020204" pitchFamily="34" charset="0"/>
+                <a:cs typeface="Helvetica" panose="020B0604020202020204" pitchFamily="34" charset="0"/>
+              </a:rPr>
+              <a:t> game in </a:t>
+            </a:r>
+            <a:r>
+              <a:rPr lang="hu-HU" sz="3200" dirty="0" err="1">
+                <a:latin typeface="Helvetica" panose="020B0604020202020204" pitchFamily="34" charset="0"/>
+                <a:cs typeface="Helvetica" panose="020B0604020202020204" pitchFamily="34" charset="0"/>
+              </a:rPr>
+              <a:t>the</a:t>
+            </a:r>
+            <a:r>
+              <a:rPr lang="hu-HU" sz="3200" dirty="0">
+                <a:latin typeface="Helvetica" panose="020B0604020202020204" pitchFamily="34" charset="0"/>
+                <a:cs typeface="Helvetica" panose="020B0604020202020204" pitchFamily="34" charset="0"/>
+              </a:rPr>
+              <a:t> </a:t>
+            </a:r>
+            <a:r>
+              <a:rPr lang="hu-HU" sz="3200" dirty="0" err="1">
+                <a:latin typeface="Helvetica" panose="020B0604020202020204" pitchFamily="34" charset="0"/>
+                <a:cs typeface="Helvetica" panose="020B0604020202020204" pitchFamily="34" charset="0"/>
+              </a:rPr>
+              <a:t>next</a:t>
+            </a:r>
+            <a:r>
+              <a:rPr lang="hu-HU" sz="3200" dirty="0">
+                <a:latin typeface="Helvetica" panose="020B0604020202020204" pitchFamily="34" charset="0"/>
+                <a:cs typeface="Helvetica" panose="020B0604020202020204" pitchFamily="34" charset="0"/>
+              </a:rPr>
+              <a:t> </a:t>
+            </a:r>
+            <a:r>
+              <a:rPr lang="hu-HU" sz="3200" dirty="0" err="1">
+                <a:latin typeface="Helvetica" panose="020B0604020202020204" pitchFamily="34" charset="0"/>
+                <a:cs typeface="Helvetica" panose="020B0604020202020204" pitchFamily="34" charset="0"/>
+              </a:rPr>
+              <a:t>weeks</a:t>
+            </a:r>
+            <a:r>
+              <a:rPr lang="hu-HU" sz="3200" dirty="0">
+                <a:latin typeface="Helvetica" panose="020B0604020202020204" pitchFamily="34" charset="0"/>
+                <a:cs typeface="Helvetica" panose="020B0604020202020204" pitchFamily="34" charset="0"/>
+              </a:rPr>
+              <a:t> </a:t>
+            </a:r>
+            <a:r>
+              <a:rPr lang="hu-HU" sz="3200" dirty="0" err="1">
+                <a:latin typeface="Helvetica" panose="020B0604020202020204" pitchFamily="34" charset="0"/>
+                <a:cs typeface="Helvetica" panose="020B0604020202020204" pitchFamily="34" charset="0"/>
+              </a:rPr>
+              <a:t>with</a:t>
+            </a:r>
+            <a:r>
+              <a:rPr lang="hu-HU" sz="3200" dirty="0">
+                <a:latin typeface="Helvetica" panose="020B0604020202020204" pitchFamily="34" charset="0"/>
+                <a:cs typeface="Helvetica" panose="020B0604020202020204" pitchFamily="34" charset="0"/>
+              </a:rPr>
+              <a:t> </a:t>
+            </a:r>
+            <a:r>
+              <a:rPr lang="hu-HU" sz="3200" dirty="0" err="1">
+                <a:latin typeface="Helvetica" panose="020B0604020202020204" pitchFamily="34" charset="0"/>
+                <a:cs typeface="Helvetica" panose="020B0604020202020204" pitchFamily="34" charset="0"/>
+              </a:rPr>
+              <a:t>new</a:t>
+            </a:r>
+            <a:r>
+              <a:rPr lang="hu-HU" sz="3200" dirty="0">
+                <a:latin typeface="Helvetica" panose="020B0604020202020204" pitchFamily="34" charset="0"/>
+                <a:cs typeface="Helvetica" panose="020B0604020202020204" pitchFamily="34" charset="0"/>
+              </a:rPr>
+              <a:t> </a:t>
+            </a:r>
+            <a:r>
+              <a:rPr lang="hu-HU" sz="3200" dirty="0" err="1">
+                <a:latin typeface="Helvetica" panose="020B0604020202020204" pitchFamily="34" charset="0"/>
+                <a:cs typeface="Helvetica" panose="020B0604020202020204" pitchFamily="34" charset="0"/>
+              </a:rPr>
+              <a:t>methods</a:t>
+            </a:r>
+            <a:endParaRPr lang="en-GB" sz="3200" dirty="0">
+              <a:latin typeface="Helvetica" panose="020B0604020202020204" pitchFamily="34" charset="0"/>
+              <a:cs typeface="Helvetica" panose="020B0604020202020204" pitchFamily="34" charset="0"/>
+            </a:endParaRPr>
           </a:p>
         </p:txBody>
       </p:sp>
       <p:pic>
         <p:nvPicPr>
-          <p:cNvPr id="1026" name="Picture 2" descr="https://media.riemurasia.net/albumit/mmedia/fu/avb/2qbc/411922/1561290621.jpg">
+          <p:cNvPr id="7" name="Picture 2" descr="https://media.riemurasia.net/albumit/mmedia/fu/avb/2qbc/411922/1561290621.jpg">
             <a:extLst>
               <a:ext uri="{FF2B5EF4-FFF2-40B4-BE49-F238E27FC236}">
-                <a16:creationId xmlns:a16="http://schemas.microsoft.com/office/drawing/2014/main" id="{D22AC337-98A3-44C8-BA40-73E534E006EE}"/>
+                <a16:creationId xmlns:a16="http://schemas.microsoft.com/office/drawing/2014/main" id="{AB565314-0AF1-468C-BA72-0765504981BD}"/>
               </a:ext>
             </a:extLst>
           </p:cNvPr>
           <p:cNvPicPr>
-            <a:picLocks noGrp="1" noChangeAspect="1" noChangeArrowheads="1"/>
+            <a:picLocks noChangeAspect="1" noChangeArrowheads="1"/>
           </p:cNvPicPr>
-          <p:nvPr>
-            <p:ph idx="1"/>
-          </p:nvPr>
+          <p:nvPr/>
         </p:nvPicPr>
         <p:blipFill>
           <a:blip r:embed="rId2">
@@ -4442,8 +6490,8 @@
         </p:blipFill>
         <p:spPr bwMode="auto">
           <a:xfrm>
-            <a:off x="4233752" y="1846263"/>
-            <a:ext cx="3784821" cy="4022725"/>
+            <a:off x="5528144" y="2374365"/>
+            <a:ext cx="2838616" cy="3017044"/>
           </a:xfrm>
           <a:prstGeom prst="rect">
             <a:avLst/>
@@ -4464,6 +6512,276 @@
     <p:extLst>
       <p:ext uri="{BB962C8B-B14F-4D97-AF65-F5344CB8AC3E}">
         <p14:creationId xmlns:p14="http://schemas.microsoft.com/office/powerpoint/2010/main" val="2810140352"/>
+      </p:ext>
+    </p:extLst>
+  </p:cSld>
+  <p:clrMapOvr>
+    <a:masterClrMapping/>
+  </p:clrMapOvr>
+</p:sld>
+</file>
+
+<file path=ppt/slides/slide8.xml><?xml version="1.0" encoding="utf-8"?>
+<p:sld xmlns:a="http://schemas.openxmlformats.org/drawingml/2006/main" xmlns:r="http://schemas.openxmlformats.org/officeDocument/2006/relationships" xmlns:p="http://schemas.openxmlformats.org/presentationml/2006/main">
+  <p:cSld>
+    <p:spTree>
+      <p:nvGrpSpPr>
+        <p:cNvPr id="1" name=""/>
+        <p:cNvGrpSpPr/>
+        <p:nvPr/>
+      </p:nvGrpSpPr>
+      <p:grpSpPr>
+        <a:xfrm>
+          <a:off x="0" y="0"/>
+          <a:ext cx="0" cy="0"/>
+          <a:chOff x="0" y="0"/>
+          <a:chExt cx="0" cy="0"/>
+        </a:xfrm>
+      </p:grpSpPr>
+      <p:sp>
+        <p:nvSpPr>
+          <p:cNvPr id="2" name="Cím 1">
+            <a:extLst>
+              <a:ext uri="{FF2B5EF4-FFF2-40B4-BE49-F238E27FC236}">
+                <a16:creationId xmlns:a16="http://schemas.microsoft.com/office/drawing/2014/main" id="{EB41ADC2-E55B-49D4-81B0-652B87727465}"/>
+              </a:ext>
+            </a:extLst>
+          </p:cNvPr>
+          <p:cNvSpPr>
+            <a:spLocks noGrp="1"/>
+          </p:cNvSpPr>
+          <p:nvPr>
+            <p:ph type="ctrTitle"/>
+          </p:nvPr>
+        </p:nvSpPr>
+        <p:spPr/>
+        <p:txBody>
+          <a:bodyPr/>
+          <a:lstStyle/>
+          <a:p>
+            <a:pPr algn="ctr"/>
+            <a:r>
+              <a:rPr lang="hu-HU" dirty="0">
+                <a:latin typeface="Helvetica" panose="020B0604020202020204" pitchFamily="34" charset="0"/>
+                <a:cs typeface="Helvetica" panose="020B0604020202020204" pitchFamily="34" charset="0"/>
+              </a:rPr>
+              <a:t>THE END</a:t>
+            </a:r>
+            <a:endParaRPr lang="en-GB" dirty="0">
+              <a:latin typeface="Helvetica" panose="020B0604020202020204" pitchFamily="34" charset="0"/>
+              <a:cs typeface="Helvetica" panose="020B0604020202020204" pitchFamily="34" charset="0"/>
+            </a:endParaRPr>
+          </a:p>
+        </p:txBody>
+      </p:sp>
+      <p:sp>
+        <p:nvSpPr>
+          <p:cNvPr id="3" name="Alcím 2">
+            <a:extLst>
+              <a:ext uri="{FF2B5EF4-FFF2-40B4-BE49-F238E27FC236}">
+                <a16:creationId xmlns:a16="http://schemas.microsoft.com/office/drawing/2014/main" id="{EE4F5794-E5C0-42BF-A2C2-7FD44D7C1B59}"/>
+              </a:ext>
+            </a:extLst>
+          </p:cNvPr>
+          <p:cNvSpPr>
+            <a:spLocks noGrp="1"/>
+          </p:cNvSpPr>
+          <p:nvPr>
+            <p:ph type="subTitle" idx="1"/>
+          </p:nvPr>
+        </p:nvSpPr>
+        <p:spPr/>
+        <p:txBody>
+          <a:bodyPr/>
+          <a:lstStyle/>
+          <a:p>
+            <a:pPr algn="ctr"/>
+            <a:r>
+              <a:rPr lang="hu-HU" cap="none" dirty="0">
+                <a:solidFill>
+                  <a:schemeClr val="tx1">
+                    <a:lumMod val="85000"/>
+                    <a:lumOff val="15000"/>
+                  </a:schemeClr>
+                </a:solidFill>
+                <a:latin typeface="Helvetica" panose="020B0604020202020204" pitchFamily="34" charset="0"/>
+                <a:cs typeface="Helvetica" panose="020B0604020202020204" pitchFamily="34" charset="0"/>
+              </a:rPr>
+              <a:t>(No, </a:t>
+            </a:r>
+            <a:r>
+              <a:rPr lang="hu-HU" cap="none" dirty="0" err="1">
+                <a:solidFill>
+                  <a:schemeClr val="tx1">
+                    <a:lumMod val="85000"/>
+                    <a:lumOff val="15000"/>
+                  </a:schemeClr>
+                </a:solidFill>
+                <a:latin typeface="Helvetica" panose="020B0604020202020204" pitchFamily="34" charset="0"/>
+                <a:cs typeface="Helvetica" panose="020B0604020202020204" pitchFamily="34" charset="0"/>
+              </a:rPr>
+              <a:t>just</a:t>
+            </a:r>
+            <a:r>
+              <a:rPr lang="hu-HU" cap="none" dirty="0">
+                <a:solidFill>
+                  <a:schemeClr val="tx1">
+                    <a:lumMod val="85000"/>
+                    <a:lumOff val="15000"/>
+                  </a:schemeClr>
+                </a:solidFill>
+                <a:latin typeface="Helvetica" panose="020B0604020202020204" pitchFamily="34" charset="0"/>
+                <a:cs typeface="Helvetica" panose="020B0604020202020204" pitchFamily="34" charset="0"/>
+              </a:rPr>
+              <a:t> </a:t>
+            </a:r>
+            <a:r>
+              <a:rPr lang="hu-HU" cap="none" dirty="0" err="1">
+                <a:solidFill>
+                  <a:schemeClr val="tx1">
+                    <a:lumMod val="85000"/>
+                    <a:lumOff val="15000"/>
+                  </a:schemeClr>
+                </a:solidFill>
+                <a:latin typeface="Helvetica" panose="020B0604020202020204" pitchFamily="34" charset="0"/>
+                <a:cs typeface="Helvetica" panose="020B0604020202020204" pitchFamily="34" charset="0"/>
+              </a:rPr>
+              <a:t>kidding</a:t>
+            </a:r>
+            <a:r>
+              <a:rPr lang="hu-HU" cap="none" dirty="0">
+                <a:solidFill>
+                  <a:schemeClr val="tx1">
+                    <a:lumMod val="85000"/>
+                    <a:lumOff val="15000"/>
+                  </a:schemeClr>
+                </a:solidFill>
+                <a:latin typeface="Helvetica" panose="020B0604020202020204" pitchFamily="34" charset="0"/>
+                <a:cs typeface="Helvetica" panose="020B0604020202020204" pitchFamily="34" charset="0"/>
+              </a:rPr>
+              <a:t>. I </a:t>
+            </a:r>
+            <a:r>
+              <a:rPr lang="hu-HU" cap="none" dirty="0" err="1">
+                <a:solidFill>
+                  <a:schemeClr val="tx1">
+                    <a:lumMod val="85000"/>
+                    <a:lumOff val="15000"/>
+                  </a:schemeClr>
+                </a:solidFill>
+                <a:latin typeface="Helvetica" panose="020B0604020202020204" pitchFamily="34" charset="0"/>
+                <a:cs typeface="Helvetica" panose="020B0604020202020204" pitchFamily="34" charset="0"/>
+              </a:rPr>
+              <a:t>will</a:t>
+            </a:r>
+            <a:r>
+              <a:rPr lang="hu-HU" cap="none" dirty="0">
+                <a:solidFill>
+                  <a:schemeClr val="tx1">
+                    <a:lumMod val="85000"/>
+                    <a:lumOff val="15000"/>
+                  </a:schemeClr>
+                </a:solidFill>
+                <a:latin typeface="Helvetica" panose="020B0604020202020204" pitchFamily="34" charset="0"/>
+                <a:cs typeface="Helvetica" panose="020B0604020202020204" pitchFamily="34" charset="0"/>
+              </a:rPr>
+              <a:t> </a:t>
+            </a:r>
+            <a:r>
+              <a:rPr lang="hu-HU" cap="none" dirty="0" err="1">
+                <a:solidFill>
+                  <a:schemeClr val="tx1">
+                    <a:lumMod val="85000"/>
+                    <a:lumOff val="15000"/>
+                  </a:schemeClr>
+                </a:solidFill>
+                <a:latin typeface="Helvetica" panose="020B0604020202020204" pitchFamily="34" charset="0"/>
+                <a:cs typeface="Helvetica" panose="020B0604020202020204" pitchFamily="34" charset="0"/>
+              </a:rPr>
+              <a:t>return</a:t>
+            </a:r>
+            <a:r>
+              <a:rPr lang="hu-HU" cap="none" dirty="0">
+                <a:solidFill>
+                  <a:schemeClr val="tx1">
+                    <a:lumMod val="85000"/>
+                    <a:lumOff val="15000"/>
+                  </a:schemeClr>
+                </a:solidFill>
+                <a:latin typeface="Helvetica" panose="020B0604020202020204" pitchFamily="34" charset="0"/>
+                <a:cs typeface="Helvetica" panose="020B0604020202020204" pitchFamily="34" charset="0"/>
+              </a:rPr>
+              <a:t> </a:t>
+            </a:r>
+            <a:r>
+              <a:rPr lang="hu-HU" cap="none" dirty="0" err="1">
+                <a:solidFill>
+                  <a:schemeClr val="tx1">
+                    <a:lumMod val="85000"/>
+                    <a:lumOff val="15000"/>
+                  </a:schemeClr>
+                </a:solidFill>
+                <a:latin typeface="Helvetica" panose="020B0604020202020204" pitchFamily="34" charset="0"/>
+                <a:cs typeface="Helvetica" panose="020B0604020202020204" pitchFamily="34" charset="0"/>
+              </a:rPr>
+              <a:t>next</a:t>
+            </a:r>
+            <a:r>
+              <a:rPr lang="hu-HU" cap="none" dirty="0">
+                <a:solidFill>
+                  <a:schemeClr val="tx1">
+                    <a:lumMod val="85000"/>
+                    <a:lumOff val="15000"/>
+                  </a:schemeClr>
+                </a:solidFill>
+                <a:latin typeface="Helvetica" panose="020B0604020202020204" pitchFamily="34" charset="0"/>
+                <a:cs typeface="Helvetica" panose="020B0604020202020204" pitchFamily="34" charset="0"/>
+              </a:rPr>
+              <a:t> </a:t>
+            </a:r>
+            <a:r>
+              <a:rPr lang="hu-HU" cap="none" dirty="0" err="1">
+                <a:solidFill>
+                  <a:schemeClr val="tx1">
+                    <a:lumMod val="85000"/>
+                    <a:lumOff val="15000"/>
+                  </a:schemeClr>
+                </a:solidFill>
+                <a:latin typeface="Helvetica" panose="020B0604020202020204" pitchFamily="34" charset="0"/>
+                <a:cs typeface="Helvetica" panose="020B0604020202020204" pitchFamily="34" charset="0"/>
+              </a:rPr>
+              <a:t>week</a:t>
+            </a:r>
+            <a:r>
+              <a:rPr lang="hu-HU" cap="none" dirty="0">
+                <a:solidFill>
+                  <a:schemeClr val="tx1">
+                    <a:lumMod val="85000"/>
+                    <a:lumOff val="15000"/>
+                  </a:schemeClr>
+                </a:solidFill>
+                <a:latin typeface="Helvetica" panose="020B0604020202020204" pitchFamily="34" charset="0"/>
+                <a:cs typeface="Helvetica" panose="020B0604020202020204" pitchFamily="34" charset="0"/>
+              </a:rPr>
+              <a:t>.)</a:t>
+            </a:r>
+            <a:endParaRPr lang="en-GB" cap="none" dirty="0">
+              <a:solidFill>
+                <a:schemeClr val="tx1">
+                  <a:lumMod val="85000"/>
+                  <a:lumOff val="15000"/>
+                </a:schemeClr>
+              </a:solidFill>
+              <a:latin typeface="Helvetica" panose="020B0604020202020204" pitchFamily="34" charset="0"/>
+              <a:cs typeface="Helvetica" panose="020B0604020202020204" pitchFamily="34" charset="0"/>
+            </a:endParaRPr>
+          </a:p>
+        </p:txBody>
+      </p:sp>
+    </p:spTree>
+    <p:extLst>
+      <p:ext uri="{BB962C8B-B14F-4D97-AF65-F5344CB8AC3E}">
+        <p14:creationId xmlns:p14="http://schemas.microsoft.com/office/powerpoint/2010/main" val="1864282013"/>
       </p:ext>
     </p:extLst>
   </p:cSld>

--- a/week02/day05/demo/ppt-w02.pptx
+++ b/week02/day05/demo/ppt-w02.pptx
@@ -3843,56 +3843,21 @@
                 <a:latin typeface="Helvetica" panose="020B0604020202020204" pitchFamily="34" charset="0"/>
                 <a:cs typeface="Helvetica" panose="020B0604020202020204" pitchFamily="34" charset="0"/>
               </a:rPr>
-              <a:t>Random </a:t>
-            </a:r>
-            <a:r>
-              <a:rPr lang="hu-HU" dirty="0" err="1">
-                <a:latin typeface="Helvetica" panose="020B0604020202020204" pitchFamily="34" charset="0"/>
-                <a:cs typeface="Helvetica" panose="020B0604020202020204" pitchFamily="34" charset="0"/>
-              </a:rPr>
-              <a:t>title</a:t>
+              <a:t>l</a:t>
+            </a:r>
+            <a:r>
+              <a:rPr lang="hu-HU">
+                <a:latin typeface="Helvetica" panose="020B0604020202020204" pitchFamily="34" charset="0"/>
+                <a:cs typeface="Helvetica" panose="020B0604020202020204" pitchFamily="34" charset="0"/>
+              </a:rPr>
+              <a:t>evel</a:t>
             </a:r>
             <a:r>
               <a:rPr lang="hu-HU" dirty="0">
                 <a:latin typeface="Helvetica" panose="020B0604020202020204" pitchFamily="34" charset="0"/>
                 <a:cs typeface="Helvetica" panose="020B0604020202020204" pitchFamily="34" charset="0"/>
               </a:rPr>
-              <a:t> </a:t>
-            </a:r>
-            <a:r>
-              <a:rPr lang="hu-HU" dirty="0" err="1">
-                <a:latin typeface="Helvetica" panose="020B0604020202020204" pitchFamily="34" charset="0"/>
-                <a:cs typeface="Helvetica" panose="020B0604020202020204" pitchFamily="34" charset="0"/>
-              </a:rPr>
-              <a:t>just</a:t>
-            </a:r>
-            <a:r>
-              <a:rPr lang="hu-HU" dirty="0">
-                <a:latin typeface="Helvetica" panose="020B0604020202020204" pitchFamily="34" charset="0"/>
-                <a:cs typeface="Helvetica" panose="020B0604020202020204" pitchFamily="34" charset="0"/>
-              </a:rPr>
-              <a:t> </a:t>
-            </a:r>
-            <a:r>
-              <a:rPr lang="hu-HU" dirty="0" err="1">
-                <a:latin typeface="Helvetica" panose="020B0604020202020204" pitchFamily="34" charset="0"/>
-                <a:cs typeface="Helvetica" panose="020B0604020202020204" pitchFamily="34" charset="0"/>
-              </a:rPr>
-              <a:t>for</a:t>
-            </a:r>
-            <a:r>
-              <a:rPr lang="hu-HU" dirty="0">
-                <a:latin typeface="Helvetica" panose="020B0604020202020204" pitchFamily="34" charset="0"/>
-                <a:cs typeface="Helvetica" panose="020B0604020202020204" pitchFamily="34" charset="0"/>
-              </a:rPr>
-              <a:t> </a:t>
-            </a:r>
-            <a:r>
-              <a:rPr lang="hu-HU" dirty="0" err="1">
-                <a:latin typeface="Helvetica" panose="020B0604020202020204" pitchFamily="34" charset="0"/>
-                <a:cs typeface="Helvetica" panose="020B0604020202020204" pitchFamily="34" charset="0"/>
-              </a:rPr>
-              <a:t>fun</a:t>
+              <a:t>++;</a:t>
             </a:r>
             <a:endParaRPr lang="en-GB" dirty="0">
               <a:latin typeface="Helvetica" panose="020B0604020202020204" pitchFamily="34" charset="0"/>
@@ -3989,18 +3954,6 @@
   <p:clrMapOvr>
     <a:masterClrMapping/>
   </p:clrMapOvr>
-  <mc:AlternateContent xmlns:mc="http://schemas.openxmlformats.org/markup-compatibility/2006">
-    <mc:Choice xmlns:p159="http://schemas.microsoft.com/office/powerpoint/2015/09/main" Requires="p159">
-      <p:transition xmlns:p14="http://schemas.microsoft.com/office/powerpoint/2010/main" spd="slow" p14:dur="2000">
-        <p159:morph option="byObject"/>
-      </p:transition>
-    </mc:Choice>
-    <mc:Fallback>
-      <p:transition spd="slow">
-        <p:fade/>
-      </p:transition>
-    </mc:Fallback>
-  </mc:AlternateContent>
 </p:sld>
 </file>
 
@@ -4214,6 +4167,42 @@
           </a:p>
         </p:txBody>
       </p:sp>
+      <p:pic>
+        <p:nvPicPr>
+          <p:cNvPr id="5" name="Kép 4">
+            <a:extLst>
+              <a:ext uri="{FF2B5EF4-FFF2-40B4-BE49-F238E27FC236}">
+                <a16:creationId xmlns:a16="http://schemas.microsoft.com/office/drawing/2014/main" id="{9D83DFA6-D554-4C7C-B6A5-E4F1B3EA5FEC}"/>
+              </a:ext>
+            </a:extLst>
+          </p:cNvPr>
+          <p:cNvPicPr>
+            <a:picLocks noChangeAspect="1"/>
+          </p:cNvPicPr>
+          <p:nvPr/>
+        </p:nvPicPr>
+        <p:blipFill>
+          <a:blip r:embed="rId2">
+            <a:extLst>
+              <a:ext uri="{28A0092B-C50C-407E-A947-70E740481C1C}">
+                <a14:useLocalDpi xmlns:a14="http://schemas.microsoft.com/office/drawing/2010/main" val="0"/>
+              </a:ext>
+            </a:extLst>
+          </a:blip>
+          <a:stretch>
+            <a:fillRect/>
+          </a:stretch>
+        </p:blipFill>
+        <p:spPr>
+          <a:xfrm>
+            <a:off x="5521960" y="4113277"/>
+            <a:ext cx="2844800" cy="1649984"/>
+          </a:xfrm>
+          <a:prstGeom prst="rect">
+            <a:avLst/>
+          </a:prstGeom>
+        </p:spPr>
+      </p:pic>
     </p:spTree>
     <p:extLst>
       <p:ext uri="{BB962C8B-B14F-4D97-AF65-F5344CB8AC3E}">
@@ -4266,11 +4255,18 @@
           <a:lstStyle/>
           <a:p>
             <a:r>
+              <a:rPr lang="hu-HU" dirty="0">
+                <a:latin typeface="Helvetica" panose="020B0604020202020204" pitchFamily="34" charset="0"/>
+                <a:cs typeface="Helvetica" panose="020B0604020202020204" pitchFamily="34" charset="0"/>
+              </a:rPr>
+              <a:t>More: </a:t>
+            </a:r>
+            <a:r>
               <a:rPr lang="hu-HU" dirty="0" err="1">
                 <a:latin typeface="Helvetica" panose="020B0604020202020204" pitchFamily="34" charset="0"/>
                 <a:cs typeface="Helvetica" panose="020B0604020202020204" pitchFamily="34" charset="0"/>
               </a:rPr>
-              <a:t>Recursive</a:t>
+              <a:t>recursive</a:t>
             </a:r>
             <a:r>
               <a:rPr lang="hu-HU" dirty="0">
@@ -6316,7 +6312,7 @@
               <a:t> </a:t>
             </a:r>
             <a:r>
-              <a:rPr lang="hu-HU" sz="3200" dirty="0" err="1">
+              <a:rPr lang="hu-HU" sz="3200" i="1" dirty="0" err="1">
                 <a:latin typeface="Helvetica" panose="020B0604020202020204" pitchFamily="34" charset="0"/>
                 <a:cs typeface="Helvetica" panose="020B0604020202020204" pitchFamily="34" charset="0"/>
               </a:rPr>

--- a/week02/day05/demo/ppt-w02.pptx
+++ b/week02/day05/demo/ppt-w02.pptx
@@ -4,6 +4,9 @@
   <p:sldMasterIdLst>
     <p:sldMasterId id="2147483672" r:id="rId1"/>
   </p:sldMasterIdLst>
+  <p:notesMasterIdLst>
+    <p:notesMasterId r:id="rId10"/>
+  </p:notesMasterIdLst>
   <p:sldIdLst>
     <p:sldId id="256" r:id="rId2"/>
     <p:sldId id="257" r:id="rId3"/>
@@ -123,6 +126,356 @@
 <p1510:revInfo xmlns:a="http://schemas.openxmlformats.org/drawingml/2006/main" xmlns:r="http://schemas.openxmlformats.org/officeDocument/2006/relationships" xmlns:p1510="http://schemas.microsoft.com/office/powerpoint/2015/10/main"/>
 </file>
 
+<file path=ppt/notesMasters/notesMaster1.xml><?xml version="1.0" encoding="utf-8"?>
+<p:notesMaster xmlns:a="http://schemas.openxmlformats.org/drawingml/2006/main" xmlns:r="http://schemas.openxmlformats.org/officeDocument/2006/relationships" xmlns:p="http://schemas.openxmlformats.org/presentationml/2006/main">
+  <p:cSld>
+    <p:bg>
+      <p:bgRef idx="1001">
+        <a:schemeClr val="bg1"/>
+      </p:bgRef>
+    </p:bg>
+    <p:spTree>
+      <p:nvGrpSpPr>
+        <p:cNvPr id="1" name=""/>
+        <p:cNvGrpSpPr/>
+        <p:nvPr/>
+      </p:nvGrpSpPr>
+      <p:grpSpPr>
+        <a:xfrm>
+          <a:off x="0" y="0"/>
+          <a:ext cx="0" cy="0"/>
+          <a:chOff x="0" y="0"/>
+          <a:chExt cx="0" cy="0"/>
+        </a:xfrm>
+      </p:grpSpPr>
+      <p:sp>
+        <p:nvSpPr>
+          <p:cNvPr id="2" name="Élőfej helye 1"/>
+          <p:cNvSpPr>
+            <a:spLocks noGrp="1"/>
+          </p:cNvSpPr>
+          <p:nvPr>
+            <p:ph type="hdr" sz="quarter"/>
+          </p:nvPr>
+        </p:nvSpPr>
+        <p:spPr>
+          <a:xfrm>
+            <a:off x="0" y="0"/>
+            <a:ext cx="2971800" cy="458788"/>
+          </a:xfrm>
+          <a:prstGeom prst="rect">
+            <a:avLst/>
+          </a:prstGeom>
+        </p:spPr>
+        <p:txBody>
+          <a:bodyPr vert="horz" lIns="91440" tIns="45720" rIns="91440" bIns="45720" rtlCol="0"/>
+          <a:lstStyle>
+            <a:lvl1pPr algn="l">
+              <a:defRPr sz="1200"/>
+            </a:lvl1pPr>
+          </a:lstStyle>
+          <a:p>
+            <a:endParaRPr lang="en-GB"/>
+          </a:p>
+        </p:txBody>
+      </p:sp>
+      <p:sp>
+        <p:nvSpPr>
+          <p:cNvPr id="3" name="Dátum helye 2"/>
+          <p:cNvSpPr>
+            <a:spLocks noGrp="1"/>
+          </p:cNvSpPr>
+          <p:nvPr>
+            <p:ph type="dt" idx="1"/>
+          </p:nvPr>
+        </p:nvSpPr>
+        <p:spPr>
+          <a:xfrm>
+            <a:off x="3884613" y="0"/>
+            <a:ext cx="2971800" cy="458788"/>
+          </a:xfrm>
+          <a:prstGeom prst="rect">
+            <a:avLst/>
+          </a:prstGeom>
+        </p:spPr>
+        <p:txBody>
+          <a:bodyPr vert="horz" lIns="91440" tIns="45720" rIns="91440" bIns="45720" rtlCol="0"/>
+          <a:lstStyle>
+            <a:lvl1pPr algn="r">
+              <a:defRPr sz="1200"/>
+            </a:lvl1pPr>
+          </a:lstStyle>
+          <a:p>
+            <a:fld id="{529B387B-D522-49E9-B8DB-BA3AD57C12F4}" type="datetimeFigureOut">
+              <a:rPr lang="en-GB" smtClean="0"/>
+              <a:t>15/09/2017</a:t>
+            </a:fld>
+            <a:endParaRPr lang="en-GB"/>
+          </a:p>
+        </p:txBody>
+      </p:sp>
+      <p:sp>
+        <p:nvSpPr>
+          <p:cNvPr id="4" name="Diakép helye 3"/>
+          <p:cNvSpPr>
+            <a:spLocks noGrp="1" noRot="1" noChangeAspect="1"/>
+          </p:cNvSpPr>
+          <p:nvPr>
+            <p:ph type="sldImg" idx="2"/>
+          </p:nvPr>
+        </p:nvSpPr>
+        <p:spPr>
+          <a:xfrm>
+            <a:off x="1371600" y="1143000"/>
+            <a:ext cx="4114800" cy="3086100"/>
+          </a:xfrm>
+          <a:prstGeom prst="rect">
+            <a:avLst/>
+          </a:prstGeom>
+          <a:noFill/>
+          <a:ln w="12700">
+            <a:solidFill>
+              <a:prstClr val="black"/>
+            </a:solidFill>
+          </a:ln>
+        </p:spPr>
+        <p:txBody>
+          <a:bodyPr vert="horz" lIns="91440" tIns="45720" rIns="91440" bIns="45720" rtlCol="0" anchor="ctr"/>
+          <a:lstStyle/>
+          <a:p>
+            <a:endParaRPr lang="en-GB"/>
+          </a:p>
+        </p:txBody>
+      </p:sp>
+      <p:sp>
+        <p:nvSpPr>
+          <p:cNvPr id="5" name="Jegyzetek helye 4"/>
+          <p:cNvSpPr>
+            <a:spLocks noGrp="1"/>
+          </p:cNvSpPr>
+          <p:nvPr>
+            <p:ph type="body" sz="quarter" idx="3"/>
+          </p:nvPr>
+        </p:nvSpPr>
+        <p:spPr>
+          <a:xfrm>
+            <a:off x="685800" y="4400550"/>
+            <a:ext cx="5486400" cy="3600450"/>
+          </a:xfrm>
+          <a:prstGeom prst="rect">
+            <a:avLst/>
+          </a:prstGeom>
+        </p:spPr>
+        <p:txBody>
+          <a:bodyPr vert="horz" lIns="91440" tIns="45720" rIns="91440" bIns="45720" rtlCol="0"/>
+          <a:lstStyle/>
+          <a:p>
+            <a:pPr lvl="0"/>
+            <a:r>
+              <a:rPr lang="hu-HU"/>
+              <a:t>Mintaszöveg szerkesztése</a:t>
+            </a:r>
+          </a:p>
+          <a:p>
+            <a:pPr lvl="1"/>
+            <a:r>
+              <a:rPr lang="hu-HU"/>
+              <a:t>Második szint</a:t>
+            </a:r>
+          </a:p>
+          <a:p>
+            <a:pPr lvl="2"/>
+            <a:r>
+              <a:rPr lang="hu-HU"/>
+              <a:t>Harmadik szint</a:t>
+            </a:r>
+          </a:p>
+          <a:p>
+            <a:pPr lvl="3"/>
+            <a:r>
+              <a:rPr lang="hu-HU"/>
+              <a:t>Negyedik szint</a:t>
+            </a:r>
+          </a:p>
+          <a:p>
+            <a:pPr lvl="4"/>
+            <a:r>
+              <a:rPr lang="hu-HU"/>
+              <a:t>Ötödik szint</a:t>
+            </a:r>
+            <a:endParaRPr lang="en-GB"/>
+          </a:p>
+        </p:txBody>
+      </p:sp>
+      <p:sp>
+        <p:nvSpPr>
+          <p:cNvPr id="6" name="Élőláb helye 5"/>
+          <p:cNvSpPr>
+            <a:spLocks noGrp="1"/>
+          </p:cNvSpPr>
+          <p:nvPr>
+            <p:ph type="ftr" sz="quarter" idx="4"/>
+          </p:nvPr>
+        </p:nvSpPr>
+        <p:spPr>
+          <a:xfrm>
+            <a:off x="0" y="8685213"/>
+            <a:ext cx="2971800" cy="458787"/>
+          </a:xfrm>
+          <a:prstGeom prst="rect">
+            <a:avLst/>
+          </a:prstGeom>
+        </p:spPr>
+        <p:txBody>
+          <a:bodyPr vert="horz" lIns="91440" tIns="45720" rIns="91440" bIns="45720" rtlCol="0" anchor="b"/>
+          <a:lstStyle>
+            <a:lvl1pPr algn="l">
+              <a:defRPr sz="1200"/>
+            </a:lvl1pPr>
+          </a:lstStyle>
+          <a:p>
+            <a:endParaRPr lang="en-GB"/>
+          </a:p>
+        </p:txBody>
+      </p:sp>
+      <p:sp>
+        <p:nvSpPr>
+          <p:cNvPr id="7" name="Dia számának helye 6"/>
+          <p:cNvSpPr>
+            <a:spLocks noGrp="1"/>
+          </p:cNvSpPr>
+          <p:nvPr>
+            <p:ph type="sldNum" sz="quarter" idx="5"/>
+          </p:nvPr>
+        </p:nvSpPr>
+        <p:spPr>
+          <a:xfrm>
+            <a:off x="3884613" y="8685213"/>
+            <a:ext cx="2971800" cy="458787"/>
+          </a:xfrm>
+          <a:prstGeom prst="rect">
+            <a:avLst/>
+          </a:prstGeom>
+        </p:spPr>
+        <p:txBody>
+          <a:bodyPr vert="horz" lIns="91440" tIns="45720" rIns="91440" bIns="45720" rtlCol="0" anchor="b"/>
+          <a:lstStyle>
+            <a:lvl1pPr algn="r">
+              <a:defRPr sz="1200"/>
+            </a:lvl1pPr>
+          </a:lstStyle>
+          <a:p>
+            <a:fld id="{87ACD8FD-ECDC-4D37-94A5-6C192FA60B3F}" type="slidenum">
+              <a:rPr lang="en-GB" smtClean="0"/>
+              <a:t>‹#›</a:t>
+            </a:fld>
+            <a:endParaRPr lang="en-GB"/>
+          </a:p>
+        </p:txBody>
+      </p:sp>
+    </p:spTree>
+    <p:extLst>
+      <p:ext uri="{BB962C8B-B14F-4D97-AF65-F5344CB8AC3E}">
+        <p14:creationId xmlns:p14="http://schemas.microsoft.com/office/powerpoint/2010/main" val="2728173119"/>
+      </p:ext>
+    </p:extLst>
+  </p:cSld>
+  <p:clrMap bg1="lt1" tx1="dk1" bg2="lt2" tx2="dk2" accent1="accent1" accent2="accent2" accent3="accent3" accent4="accent4" accent5="accent5" accent6="accent6" hlink="hlink" folHlink="folHlink"/>
+  <p:notesStyle>
+    <a:lvl1pPr marL="0" algn="l" defTabSz="914400" rtl="0" eaLnBrk="1" latinLnBrk="0" hangingPunct="1">
+      <a:defRPr sz="1200" kern="1200">
+        <a:solidFill>
+          <a:schemeClr val="tx1"/>
+        </a:solidFill>
+        <a:latin typeface="+mn-lt"/>
+        <a:ea typeface="+mn-ea"/>
+        <a:cs typeface="+mn-cs"/>
+      </a:defRPr>
+    </a:lvl1pPr>
+    <a:lvl2pPr marL="457200" algn="l" defTabSz="914400" rtl="0" eaLnBrk="1" latinLnBrk="0" hangingPunct="1">
+      <a:defRPr sz="1200" kern="1200">
+        <a:solidFill>
+          <a:schemeClr val="tx1"/>
+        </a:solidFill>
+        <a:latin typeface="+mn-lt"/>
+        <a:ea typeface="+mn-ea"/>
+        <a:cs typeface="+mn-cs"/>
+      </a:defRPr>
+    </a:lvl2pPr>
+    <a:lvl3pPr marL="914400" algn="l" defTabSz="914400" rtl="0" eaLnBrk="1" latinLnBrk="0" hangingPunct="1">
+      <a:defRPr sz="1200" kern="1200">
+        <a:solidFill>
+          <a:schemeClr val="tx1"/>
+        </a:solidFill>
+        <a:latin typeface="+mn-lt"/>
+        <a:ea typeface="+mn-ea"/>
+        <a:cs typeface="+mn-cs"/>
+      </a:defRPr>
+    </a:lvl3pPr>
+    <a:lvl4pPr marL="1371600" algn="l" defTabSz="914400" rtl="0" eaLnBrk="1" latinLnBrk="0" hangingPunct="1">
+      <a:defRPr sz="1200" kern="1200">
+        <a:solidFill>
+          <a:schemeClr val="tx1"/>
+        </a:solidFill>
+        <a:latin typeface="+mn-lt"/>
+        <a:ea typeface="+mn-ea"/>
+        <a:cs typeface="+mn-cs"/>
+      </a:defRPr>
+    </a:lvl4pPr>
+    <a:lvl5pPr marL="1828800" algn="l" defTabSz="914400" rtl="0" eaLnBrk="1" latinLnBrk="0" hangingPunct="1">
+      <a:defRPr sz="1200" kern="1200">
+        <a:solidFill>
+          <a:schemeClr val="tx1"/>
+        </a:solidFill>
+        <a:latin typeface="+mn-lt"/>
+        <a:ea typeface="+mn-ea"/>
+        <a:cs typeface="+mn-cs"/>
+      </a:defRPr>
+    </a:lvl5pPr>
+    <a:lvl6pPr marL="2286000" algn="l" defTabSz="914400" rtl="0" eaLnBrk="1" latinLnBrk="0" hangingPunct="1">
+      <a:defRPr sz="1200" kern="1200">
+        <a:solidFill>
+          <a:schemeClr val="tx1"/>
+        </a:solidFill>
+        <a:latin typeface="+mn-lt"/>
+        <a:ea typeface="+mn-ea"/>
+        <a:cs typeface="+mn-cs"/>
+      </a:defRPr>
+    </a:lvl6pPr>
+    <a:lvl7pPr marL="2743200" algn="l" defTabSz="914400" rtl="0" eaLnBrk="1" latinLnBrk="0" hangingPunct="1">
+      <a:defRPr sz="1200" kern="1200">
+        <a:solidFill>
+          <a:schemeClr val="tx1"/>
+        </a:solidFill>
+        <a:latin typeface="+mn-lt"/>
+        <a:ea typeface="+mn-ea"/>
+        <a:cs typeface="+mn-cs"/>
+      </a:defRPr>
+    </a:lvl7pPr>
+    <a:lvl8pPr marL="3200400" algn="l" defTabSz="914400" rtl="0" eaLnBrk="1" latinLnBrk="0" hangingPunct="1">
+      <a:defRPr sz="1200" kern="1200">
+        <a:solidFill>
+          <a:schemeClr val="tx1"/>
+        </a:solidFill>
+        <a:latin typeface="+mn-lt"/>
+        <a:ea typeface="+mn-ea"/>
+        <a:cs typeface="+mn-cs"/>
+      </a:defRPr>
+    </a:lvl8pPr>
+    <a:lvl9pPr marL="3657600" algn="l" defTabSz="914400" rtl="0" eaLnBrk="1" latinLnBrk="0" hangingPunct="1">
+      <a:defRPr sz="1200" kern="1200">
+        <a:solidFill>
+          <a:schemeClr val="tx1"/>
+        </a:solidFill>
+        <a:latin typeface="+mn-lt"/>
+        <a:ea typeface="+mn-ea"/>
+        <a:cs typeface="+mn-cs"/>
+      </a:defRPr>
+    </a:lvl9pPr>
+  </p:notesStyle>
+</p:notesMaster>
+</file>
+
 <file path=ppt/slideLayouts/slideLayout1.xml><?xml version="1.0" encoding="utf-8"?>
 <p:sldLayout xmlns:a="http://schemas.openxmlformats.org/drawingml/2006/main" xmlns:r="http://schemas.openxmlformats.org/officeDocument/2006/relationships" xmlns:p="http://schemas.openxmlformats.org/presentationml/2006/main" showMasterSp="0" type="title" preserve="1">
   <p:cSld name="Címdia">
@@ -347,11 +700,11 @@
           <a:bodyPr/>
           <a:lstStyle/>
           <a:p>
-            <a:fld id="{85B2B093-E005-4BA9-BF60-7D4F4FD67000}" type="datetimeFigureOut">
-              <a:rPr lang="en-GB" smtClean="0"/>
+            <a:r>
+              <a:rPr lang="en-US"/>
               <a:t>15/09/2017</a:t>
-            </a:fld>
-            <a:endParaRPr lang="en-GB"/>
+            </a:r>
+            <a:endParaRPr lang="en-GB" dirty="0"/>
           </a:p>
         </p:txBody>
       </p:sp>
@@ -370,7 +723,7 @@
           <a:bodyPr/>
           <a:lstStyle/>
           <a:p>
-            <a:endParaRPr lang="en-GB"/>
+            <a:endParaRPr lang="en-GB" dirty="0"/>
           </a:p>
         </p:txBody>
       </p:sp>
@@ -393,7 +746,7 @@
               <a:rPr lang="en-GB" smtClean="0"/>
               <a:t>‹#›</a:t>
             </a:fld>
-            <a:endParaRPr lang="en-GB"/>
+            <a:endParaRPr lang="en-GB" dirty="0"/>
           </a:p>
         </p:txBody>
       </p:sp>
@@ -555,11 +908,11 @@
           <a:bodyPr/>
           <a:lstStyle/>
           <a:p>
-            <a:fld id="{85B2B093-E005-4BA9-BF60-7D4F4FD67000}" type="datetimeFigureOut">
-              <a:rPr lang="en-GB" smtClean="0"/>
+            <a:r>
+              <a:rPr lang="en-US"/>
               <a:t>15/09/2017</a:t>
-            </a:fld>
-            <a:endParaRPr lang="en-GB"/>
+            </a:r>
+            <a:endParaRPr lang="en-GB" dirty="0"/>
           </a:p>
         </p:txBody>
       </p:sp>
@@ -578,7 +931,7 @@
           <a:bodyPr/>
           <a:lstStyle/>
           <a:p>
-            <a:endParaRPr lang="en-GB"/>
+            <a:endParaRPr lang="en-GB" dirty="0"/>
           </a:p>
         </p:txBody>
       </p:sp>
@@ -601,7 +954,7 @@
               <a:rPr lang="en-GB" smtClean="0"/>
               <a:t>‹#›</a:t>
             </a:fld>
-            <a:endParaRPr lang="en-GB"/>
+            <a:endParaRPr lang="en-GB" dirty="0"/>
           </a:p>
         </p:txBody>
       </p:sp>
@@ -811,11 +1164,11 @@
           <a:bodyPr/>
           <a:lstStyle/>
           <a:p>
-            <a:fld id="{85B2B093-E005-4BA9-BF60-7D4F4FD67000}" type="datetimeFigureOut">
-              <a:rPr lang="en-GB" smtClean="0"/>
+            <a:r>
+              <a:rPr lang="en-US"/>
               <a:t>15/09/2017</a:t>
-            </a:fld>
-            <a:endParaRPr lang="en-GB"/>
+            </a:r>
+            <a:endParaRPr lang="en-GB" dirty="0"/>
           </a:p>
         </p:txBody>
       </p:sp>
@@ -834,7 +1187,7 @@
           <a:bodyPr/>
           <a:lstStyle/>
           <a:p>
-            <a:endParaRPr lang="en-GB"/>
+            <a:endParaRPr lang="en-GB" dirty="0"/>
           </a:p>
         </p:txBody>
       </p:sp>
@@ -857,7 +1210,7 @@
               <a:rPr lang="en-GB" smtClean="0"/>
               <a:t>‹#›</a:t>
             </a:fld>
-            <a:endParaRPr lang="en-GB"/>
+            <a:endParaRPr lang="en-GB" dirty="0"/>
           </a:p>
         </p:txBody>
       </p:sp>
@@ -981,11 +1334,11 @@
           <a:bodyPr/>
           <a:lstStyle/>
           <a:p>
-            <a:fld id="{85B2B093-E005-4BA9-BF60-7D4F4FD67000}" type="datetimeFigureOut">
-              <a:rPr lang="en-GB" smtClean="0"/>
+            <a:r>
+              <a:rPr lang="en-US"/>
               <a:t>15/09/2017</a:t>
-            </a:fld>
-            <a:endParaRPr lang="en-GB"/>
+            </a:r>
+            <a:endParaRPr lang="en-GB" dirty="0"/>
           </a:p>
         </p:txBody>
       </p:sp>
@@ -1004,7 +1357,7 @@
           <a:bodyPr/>
           <a:lstStyle/>
           <a:p>
-            <a:endParaRPr lang="en-GB"/>
+            <a:endParaRPr lang="en-GB" dirty="0"/>
           </a:p>
         </p:txBody>
       </p:sp>
@@ -1027,7 +1380,7 @@
               <a:rPr lang="en-GB" smtClean="0"/>
               <a:t>‹#›</a:t>
             </a:fld>
-            <a:endParaRPr lang="en-GB"/>
+            <a:endParaRPr lang="en-GB" dirty="0"/>
           </a:p>
         </p:txBody>
       </p:sp>
@@ -1324,11 +1677,11 @@
           <a:bodyPr/>
           <a:lstStyle/>
           <a:p>
-            <a:fld id="{85B2B093-E005-4BA9-BF60-7D4F4FD67000}" type="datetimeFigureOut">
-              <a:rPr lang="en-GB" smtClean="0"/>
+            <a:r>
+              <a:rPr lang="en-US"/>
               <a:t>15/09/2017</a:t>
-            </a:fld>
-            <a:endParaRPr lang="en-GB"/>
+            </a:r>
+            <a:endParaRPr lang="en-GB" dirty="0"/>
           </a:p>
         </p:txBody>
       </p:sp>
@@ -1347,7 +1700,7 @@
           <a:bodyPr/>
           <a:lstStyle/>
           <a:p>
-            <a:endParaRPr lang="en-GB"/>
+            <a:endParaRPr lang="en-GB" dirty="0"/>
           </a:p>
         </p:txBody>
       </p:sp>
@@ -1370,7 +1723,7 @@
               <a:rPr lang="en-GB" smtClean="0"/>
               <a:t>‹#›</a:t>
             </a:fld>
-            <a:endParaRPr lang="en-GB"/>
+            <a:endParaRPr lang="en-GB" dirty="0"/>
           </a:p>
         </p:txBody>
       </p:sp>
@@ -1599,11 +1952,11 @@
           <a:bodyPr/>
           <a:lstStyle/>
           <a:p>
-            <a:fld id="{85B2B093-E005-4BA9-BF60-7D4F4FD67000}" type="datetimeFigureOut">
-              <a:rPr lang="en-GB" smtClean="0"/>
+            <a:r>
+              <a:rPr lang="en-US"/>
               <a:t>15/09/2017</a:t>
-            </a:fld>
-            <a:endParaRPr lang="en-GB"/>
+            </a:r>
+            <a:endParaRPr lang="en-GB" dirty="0"/>
           </a:p>
         </p:txBody>
       </p:sp>
@@ -1622,7 +1975,7 @@
           <a:bodyPr/>
           <a:lstStyle/>
           <a:p>
-            <a:endParaRPr lang="en-GB"/>
+            <a:endParaRPr lang="en-GB" dirty="0"/>
           </a:p>
         </p:txBody>
       </p:sp>
@@ -1645,7 +1998,7 @@
               <a:rPr lang="en-GB" smtClean="0"/>
               <a:t>‹#›</a:t>
             </a:fld>
-            <a:endParaRPr lang="en-GB"/>
+            <a:endParaRPr lang="en-GB" dirty="0"/>
           </a:p>
         </p:txBody>
       </p:sp>
@@ -1978,11 +2331,11 @@
           <a:bodyPr/>
           <a:lstStyle/>
           <a:p>
-            <a:fld id="{85B2B093-E005-4BA9-BF60-7D4F4FD67000}" type="datetimeFigureOut">
-              <a:rPr lang="en-GB" smtClean="0"/>
+            <a:r>
+              <a:rPr lang="en-US"/>
               <a:t>15/09/2017</a:t>
-            </a:fld>
-            <a:endParaRPr lang="en-GB"/>
+            </a:r>
+            <a:endParaRPr lang="en-GB" dirty="0"/>
           </a:p>
         </p:txBody>
       </p:sp>
@@ -2001,7 +2354,7 @@
           <a:bodyPr/>
           <a:lstStyle/>
           <a:p>
-            <a:endParaRPr lang="en-GB"/>
+            <a:endParaRPr lang="en-GB" dirty="0"/>
           </a:p>
         </p:txBody>
       </p:sp>
@@ -2024,7 +2377,7 @@
               <a:rPr lang="en-GB" smtClean="0"/>
               <a:t>‹#›</a:t>
             </a:fld>
-            <a:endParaRPr lang="en-GB"/>
+            <a:endParaRPr lang="en-GB" dirty="0"/>
           </a:p>
         </p:txBody>
       </p:sp>
@@ -2096,11 +2449,11 @@
           <a:bodyPr/>
           <a:lstStyle/>
           <a:p>
-            <a:fld id="{85B2B093-E005-4BA9-BF60-7D4F4FD67000}" type="datetimeFigureOut">
-              <a:rPr lang="en-GB" smtClean="0"/>
+            <a:r>
+              <a:rPr lang="en-US"/>
               <a:t>15/09/2017</a:t>
-            </a:fld>
-            <a:endParaRPr lang="en-GB"/>
+            </a:r>
+            <a:endParaRPr lang="en-GB" dirty="0"/>
           </a:p>
         </p:txBody>
       </p:sp>
@@ -2119,7 +2472,7 @@
           <a:bodyPr/>
           <a:lstStyle/>
           <a:p>
-            <a:endParaRPr lang="en-GB"/>
+            <a:endParaRPr lang="en-GB" dirty="0"/>
           </a:p>
         </p:txBody>
       </p:sp>
@@ -2142,7 +2495,7 @@
               <a:rPr lang="en-GB" smtClean="0"/>
               <a:t>‹#›</a:t>
             </a:fld>
-            <a:endParaRPr lang="en-GB"/>
+            <a:endParaRPr lang="en-GB" dirty="0"/>
           </a:p>
         </p:txBody>
       </p:sp>
@@ -2267,11 +2620,11 @@
           <a:bodyPr/>
           <a:lstStyle/>
           <a:p>
-            <a:fld id="{85B2B093-E005-4BA9-BF60-7D4F4FD67000}" type="datetimeFigureOut">
-              <a:rPr lang="en-GB" smtClean="0"/>
+            <a:r>
+              <a:rPr lang="en-US"/>
               <a:t>15/09/2017</a:t>
-            </a:fld>
-            <a:endParaRPr lang="en-GB"/>
+            </a:r>
+            <a:endParaRPr lang="en-GB" dirty="0"/>
           </a:p>
         </p:txBody>
       </p:sp>
@@ -2298,7 +2651,7 @@
             </a:lvl1pPr>
           </a:lstStyle>
           <a:p>
-            <a:endParaRPr lang="en-GB"/>
+            <a:endParaRPr lang="en-GB" dirty="0"/>
           </a:p>
         </p:txBody>
       </p:sp>
@@ -2321,7 +2674,7 @@
               <a:rPr lang="en-GB" smtClean="0"/>
               <a:t>‹#›</a:t>
             </a:fld>
-            <a:endParaRPr lang="en-GB"/>
+            <a:endParaRPr lang="en-GB" dirty="0"/>
           </a:p>
         </p:txBody>
       </p:sp>
@@ -2621,11 +2974,11 @@
             </a:lvl1pPr>
           </a:lstStyle>
           <a:p>
-            <a:fld id="{85B2B093-E005-4BA9-BF60-7D4F4FD67000}" type="datetimeFigureOut">
-              <a:rPr lang="en-GB" smtClean="0"/>
+            <a:r>
+              <a:rPr lang="en-US"/>
               <a:t>15/09/2017</a:t>
-            </a:fld>
-            <a:endParaRPr lang="en-GB"/>
+            </a:r>
+            <a:endParaRPr lang="en-GB" dirty="0"/>
           </a:p>
         </p:txBody>
       </p:sp>
@@ -2657,7 +3010,7 @@
             </a:lvl1pPr>
           </a:lstStyle>
           <a:p>
-            <a:endParaRPr lang="en-GB"/>
+            <a:endParaRPr lang="en-GB" dirty="0"/>
           </a:p>
         </p:txBody>
       </p:sp>
@@ -2688,7 +3041,7 @@
               <a:rPr lang="en-GB" smtClean="0"/>
               <a:t>‹#›</a:t>
             </a:fld>
-            <a:endParaRPr lang="en-GB"/>
+            <a:endParaRPr lang="en-GB" dirty="0"/>
           </a:p>
         </p:txBody>
       </p:sp>
@@ -2904,7 +3257,7 @@
           </a:lstStyle>
           <a:p>
             <a:r>
-              <a:rPr lang="hu-HU"/>
+              <a:rPr lang="hu-HU" dirty="0"/>
               <a:t>Kép beszúrásához kattintson az ikonra</a:t>
             </a:r>
             <a:endParaRPr lang="en-US" dirty="0"/>
@@ -3003,11 +3356,11 @@
           <a:bodyPr/>
           <a:lstStyle/>
           <a:p>
-            <a:fld id="{85B2B093-E005-4BA9-BF60-7D4F4FD67000}" type="datetimeFigureOut">
-              <a:rPr lang="en-GB" smtClean="0"/>
+            <a:r>
+              <a:rPr lang="en-US"/>
               <a:t>15/09/2017</a:t>
-            </a:fld>
-            <a:endParaRPr lang="en-GB"/>
+            </a:r>
+            <a:endParaRPr lang="en-GB" dirty="0"/>
           </a:p>
         </p:txBody>
       </p:sp>
@@ -3026,7 +3379,7 @@
           <a:bodyPr/>
           <a:lstStyle/>
           <a:p>
-            <a:endParaRPr lang="en-GB"/>
+            <a:endParaRPr lang="en-GB" dirty="0"/>
           </a:p>
         </p:txBody>
       </p:sp>
@@ -3049,7 +3402,7 @@
               <a:rPr lang="en-GB" smtClean="0"/>
               <a:t>‹#›</a:t>
             </a:fld>
-            <a:endParaRPr lang="en-GB"/>
+            <a:endParaRPr lang="en-GB" dirty="0"/>
           </a:p>
         </p:txBody>
       </p:sp>
@@ -3290,11 +3643,11 @@
             </a:lvl1pPr>
           </a:lstStyle>
           <a:p>
-            <a:fld id="{85B2B093-E005-4BA9-BF60-7D4F4FD67000}" type="datetimeFigureOut">
-              <a:rPr lang="en-GB" smtClean="0"/>
+            <a:r>
+              <a:rPr lang="en-US"/>
               <a:t>15/09/2017</a:t>
-            </a:fld>
-            <a:endParaRPr lang="en-GB"/>
+            </a:r>
+            <a:endParaRPr lang="en-GB" dirty="0"/>
           </a:p>
         </p:txBody>
       </p:sp>
@@ -3329,7 +3682,7 @@
             </a:lvl1pPr>
           </a:lstStyle>
           <a:p>
-            <a:endParaRPr lang="en-GB"/>
+            <a:endParaRPr lang="en-GB" dirty="0"/>
           </a:p>
         </p:txBody>
       </p:sp>
@@ -3368,7 +3721,7 @@
               <a:rPr lang="en-GB" smtClean="0"/>
               <a:t>‹#›</a:t>
             </a:fld>
-            <a:endParaRPr lang="en-GB"/>
+            <a:endParaRPr lang="en-GB" dirty="0"/>
           </a:p>
         </p:txBody>
       </p:sp>
@@ -3431,6 +3784,7 @@
     <p:sldLayoutId id="2147483682" r:id="rId10"/>
     <p:sldLayoutId id="2147483683" r:id="rId11"/>
   </p:sldLayoutIdLst>
+  <p:hf hdr="0" ftr="0"/>
   <p:txStyles>
     <p:titleStyle>
       <a:lvl1pPr algn="l" defTabSz="914400" rtl="0" eaLnBrk="1" latinLnBrk="0" hangingPunct="1">
@@ -3839,18 +4193,11 @@
           <a:p>
             <a:pPr algn="ctr"/>
             <a:r>
-              <a:rPr lang="hu-HU" dirty="0">
+              <a:rPr lang="en-GB" dirty="0">
                 <a:latin typeface="Helvetica" panose="020B0604020202020204" pitchFamily="34" charset="0"/>
                 <a:cs typeface="Helvetica" panose="020B0604020202020204" pitchFamily="34" charset="0"/>
               </a:rPr>
-              <a:t>l</a:t>
-            </a:r>
-            <a:r>
-              <a:rPr lang="hu-HU">
-                <a:latin typeface="Helvetica" panose="020B0604020202020204" pitchFamily="34" charset="0"/>
-                <a:cs typeface="Helvetica" panose="020B0604020202020204" pitchFamily="34" charset="0"/>
-              </a:rPr>
-              <a:t>evel</a:t>
+              <a:t>level</a:t>
             </a:r>
             <a:r>
               <a:rPr lang="hu-HU" dirty="0">
@@ -3889,7 +4236,7 @@
           <a:p>
             <a:pPr algn="ctr"/>
             <a:r>
-              <a:rPr lang="hu-HU" dirty="0" err="1">
+              <a:rPr lang="en-US" dirty="0">
                 <a:latin typeface="Helvetica" panose="020B0604020202020204" pitchFamily="34" charset="0"/>
                 <a:cs typeface="Helvetica" panose="020B0604020202020204" pitchFamily="34" charset="0"/>
               </a:rPr>
@@ -3903,7 +4250,7 @@
               <a:t> of </a:t>
             </a:r>
             <a:r>
-              <a:rPr lang="hu-HU" dirty="0" err="1">
+              <a:rPr lang="en-GB" dirty="0">
                 <a:latin typeface="Helvetica" panose="020B0604020202020204" pitchFamily="34" charset="0"/>
                 <a:cs typeface="Helvetica" panose="020B0604020202020204" pitchFamily="34" charset="0"/>
               </a:rPr>
@@ -3917,7 +4264,7 @@
               <a:t> </a:t>
             </a:r>
             <a:r>
-              <a:rPr lang="hu-HU" dirty="0" err="1">
+              <a:rPr lang="en-GB" dirty="0">
                 <a:latin typeface="Helvetica" panose="020B0604020202020204" pitchFamily="34" charset="0"/>
                 <a:cs typeface="Helvetica" panose="020B0604020202020204" pitchFamily="34" charset="0"/>
               </a:rPr>
@@ -3931,16 +4278,70 @@
               <a:t> </a:t>
             </a:r>
             <a:r>
-              <a:rPr lang="hu-HU" dirty="0" err="1">
+              <a:rPr lang="en-GB" dirty="0">
                 <a:latin typeface="Helvetica" panose="020B0604020202020204" pitchFamily="34" charset="0"/>
                 <a:cs typeface="Helvetica" panose="020B0604020202020204" pitchFamily="34" charset="0"/>
               </a:rPr>
               <a:t>week</a:t>
             </a:r>
-            <a:endParaRPr lang="en-GB" dirty="0">
-              <a:latin typeface="Helvetica" panose="020B0604020202020204" pitchFamily="34" charset="0"/>
-              <a:cs typeface="Helvetica" panose="020B0604020202020204" pitchFamily="34" charset="0"/>
-            </a:endParaRPr>
+          </a:p>
+        </p:txBody>
+      </p:sp>
+      <p:sp>
+        <p:nvSpPr>
+          <p:cNvPr id="4" name="Dátum helye 3">
+            <a:extLst>
+              <a:ext uri="{FF2B5EF4-FFF2-40B4-BE49-F238E27FC236}">
+                <a16:creationId xmlns:a16="http://schemas.microsoft.com/office/drawing/2014/main" id="{CBEDA243-C415-4B94-8352-FD65EB251002}"/>
+              </a:ext>
+            </a:extLst>
+          </p:cNvPr>
+          <p:cNvSpPr>
+            <a:spLocks noGrp="1"/>
+          </p:cNvSpPr>
+          <p:nvPr>
+            <p:ph type="dt" sz="half" idx="10"/>
+          </p:nvPr>
+        </p:nvSpPr>
+        <p:spPr/>
+        <p:txBody>
+          <a:bodyPr/>
+          <a:lstStyle/>
+          <a:p>
+            <a:r>
+              <a:rPr lang="en-US"/>
+              <a:t>15/09/2017</a:t>
+            </a:r>
+            <a:endParaRPr lang="en-GB" dirty="0"/>
+          </a:p>
+        </p:txBody>
+      </p:sp>
+      <p:sp>
+        <p:nvSpPr>
+          <p:cNvPr id="5" name="Dia számának helye 4">
+            <a:extLst>
+              <a:ext uri="{FF2B5EF4-FFF2-40B4-BE49-F238E27FC236}">
+                <a16:creationId xmlns:a16="http://schemas.microsoft.com/office/drawing/2014/main" id="{3BC542E7-C06E-480F-A862-B5EEA57AE405}"/>
+              </a:ext>
+            </a:extLst>
+          </p:cNvPr>
+          <p:cNvSpPr>
+            <a:spLocks noGrp="1"/>
+          </p:cNvSpPr>
+          <p:nvPr>
+            <p:ph type="sldNum" sz="quarter" idx="12"/>
+          </p:nvPr>
+        </p:nvSpPr>
+        <p:spPr/>
+        <p:txBody>
+          <a:bodyPr/>
+          <a:lstStyle/>
+          <a:p>
+            <a:fld id="{6E193381-6D78-40E2-84A6-22D11D0AB334}" type="slidenum">
+              <a:rPr lang="en-GB" smtClean="0"/>
+              <a:t>1</a:t>
+            </a:fld>
+            <a:endParaRPr lang="en-GB" dirty="0"/>
           </a:p>
         </p:txBody>
       </p:sp>
@@ -3954,6 +4355,14 @@
   <p:clrMapOvr>
     <a:masterClrMapping/>
   </p:clrMapOvr>
+  <mc:AlternateContent xmlns:mc="http://schemas.openxmlformats.org/markup-compatibility/2006">
+    <mc:Choice xmlns:p14="http://schemas.microsoft.com/office/powerpoint/2010/main" Requires="p14">
+      <p:transition p14:dur="10"/>
+    </mc:Choice>
+    <mc:Fallback>
+      <p:transition/>
+    </mc:Fallback>
+  </mc:AlternateContent>
 </p:sld>
 </file>
 
@@ -4003,16 +4412,12 @@
               <a:t>C# </a:t>
             </a:r>
             <a:r>
-              <a:rPr lang="hu-HU" dirty="0" err="1">
+              <a:rPr lang="en-GB" dirty="0">
                 <a:latin typeface="Helvetica" panose="020B0604020202020204" pitchFamily="34" charset="0"/>
                 <a:cs typeface="Helvetica" panose="020B0604020202020204" pitchFamily="34" charset="0"/>
               </a:rPr>
               <a:t>basics</a:t>
             </a:r>
-            <a:endParaRPr lang="en-GB" dirty="0">
-              <a:latin typeface="Helvetica" panose="020B0604020202020204" pitchFamily="34" charset="0"/>
-              <a:cs typeface="Helvetica" panose="020B0604020202020204" pitchFamily="34" charset="0"/>
-            </a:endParaRPr>
           </a:p>
         </p:txBody>
       </p:sp>
@@ -4045,7 +4450,7 @@
           <a:lstStyle/>
           <a:p>
             <a:r>
-              <a:rPr lang="hu-HU" sz="3200" dirty="0" err="1">
+              <a:rPr lang="en-PH" sz="3200" dirty="0">
                 <a:latin typeface="Helvetica" panose="020B0604020202020204" pitchFamily="34" charset="0"/>
                 <a:cs typeface="Helvetica" panose="020B0604020202020204" pitchFamily="34" charset="0"/>
               </a:rPr>
@@ -4059,7 +4464,7 @@
               <a:t> </a:t>
             </a:r>
             <a:r>
-              <a:rPr lang="hu-HU" sz="3200" dirty="0" err="1">
+              <a:rPr lang="en-GB" sz="3200" dirty="0">
                 <a:latin typeface="Helvetica" panose="020B0604020202020204" pitchFamily="34" charset="0"/>
                 <a:cs typeface="Helvetica" panose="020B0604020202020204" pitchFamily="34" charset="0"/>
               </a:rPr>
@@ -4073,20 +4478,16 @@
               <a:t>, </a:t>
             </a:r>
             <a:r>
-              <a:rPr lang="hu-HU" sz="3200" dirty="0" err="1">
+              <a:rPr lang="en-GB" sz="3200" dirty="0">
                 <a:latin typeface="Helvetica" panose="020B0604020202020204" pitchFamily="34" charset="0"/>
                 <a:cs typeface="Helvetica" panose="020B0604020202020204" pitchFamily="34" charset="0"/>
               </a:rPr>
               <a:t>classes</a:t>
             </a:r>
-            <a:endParaRPr lang="hu-HU" sz="3200" dirty="0">
-              <a:latin typeface="Helvetica" panose="020B0604020202020204" pitchFamily="34" charset="0"/>
-              <a:cs typeface="Helvetica" panose="020B0604020202020204" pitchFamily="34" charset="0"/>
-            </a:endParaRPr>
-          </a:p>
-          <a:p>
-            <a:r>
-              <a:rPr lang="hu-HU" sz="3200" dirty="0" err="1">
+          </a:p>
+          <a:p>
+            <a:r>
+              <a:rPr lang="en-GB" sz="3200" dirty="0">
                 <a:latin typeface="Helvetica" panose="020B0604020202020204" pitchFamily="34" charset="0"/>
                 <a:cs typeface="Helvetica" panose="020B0604020202020204" pitchFamily="34" charset="0"/>
               </a:rPr>
@@ -4100,7 +4501,7 @@
               <a:t>, </a:t>
             </a:r>
             <a:r>
-              <a:rPr lang="hu-HU" sz="3200" dirty="0" err="1">
+              <a:rPr lang="en-GB" sz="3200" dirty="0">
                 <a:latin typeface="Helvetica" panose="020B0604020202020204" pitchFamily="34" charset="0"/>
                 <a:cs typeface="Helvetica" panose="020B0604020202020204" pitchFamily="34" charset="0"/>
               </a:rPr>
@@ -4114,20 +4515,16 @@
               <a:t>, </a:t>
             </a:r>
             <a:r>
-              <a:rPr lang="hu-HU" sz="3200" dirty="0" err="1">
+              <a:rPr lang="en-GB" sz="3200" dirty="0">
                 <a:latin typeface="Helvetica" panose="020B0604020202020204" pitchFamily="34" charset="0"/>
                 <a:cs typeface="Helvetica" panose="020B0604020202020204" pitchFamily="34" charset="0"/>
               </a:rPr>
               <a:t>dictionaries</a:t>
             </a:r>
-            <a:endParaRPr lang="hu-HU" sz="3200" dirty="0">
-              <a:latin typeface="Helvetica" panose="020B0604020202020204" pitchFamily="34" charset="0"/>
-              <a:cs typeface="Helvetica" panose="020B0604020202020204" pitchFamily="34" charset="0"/>
-            </a:endParaRPr>
-          </a:p>
-          <a:p>
-            <a:r>
-              <a:rPr lang="hu-HU" sz="3200" dirty="0" err="1">
+          </a:p>
+          <a:p>
+            <a:r>
+              <a:rPr lang="en-GB" sz="3200" dirty="0">
                 <a:latin typeface="Helvetica" panose="020B0604020202020204" pitchFamily="34" charset="0"/>
                 <a:cs typeface="Helvetica" panose="020B0604020202020204" pitchFamily="34" charset="0"/>
               </a:rPr>
@@ -4141,16 +4538,49 @@
               <a:t>, </a:t>
             </a:r>
             <a:r>
-              <a:rPr lang="hu-HU" sz="3200" dirty="0" err="1">
+              <a:rPr lang="en-GB" sz="3200" dirty="0">
                 <a:latin typeface="Helvetica" panose="020B0604020202020204" pitchFamily="34" charset="0"/>
                 <a:cs typeface="Helvetica" panose="020B0604020202020204" pitchFamily="34" charset="0"/>
               </a:rPr>
               <a:t>methods</a:t>
             </a:r>
-            <a:endParaRPr lang="hu-HU" sz="3200" dirty="0">
-              <a:latin typeface="Helvetica" panose="020B0604020202020204" pitchFamily="34" charset="0"/>
-              <a:cs typeface="Helvetica" panose="020B0604020202020204" pitchFamily="34" charset="0"/>
-            </a:endParaRPr>
+          </a:p>
+          <a:p>
+            <a:r>
+              <a:rPr lang="en-GB" sz="3200" dirty="0">
+                <a:latin typeface="Helvetica" panose="020B0604020202020204" pitchFamily="34" charset="0"/>
+                <a:cs typeface="Helvetica" panose="020B0604020202020204" pitchFamily="34" charset="0"/>
+              </a:rPr>
+              <a:t>Debugging</a:t>
+            </a:r>
+            <a:r>
+              <a:rPr lang="hu-HU" sz="3200" dirty="0">
+                <a:latin typeface="Helvetica" panose="020B0604020202020204" pitchFamily="34" charset="0"/>
+                <a:cs typeface="Helvetica" panose="020B0604020202020204" pitchFamily="34" charset="0"/>
+              </a:rPr>
+              <a:t>, </a:t>
+            </a:r>
+            <a:r>
+              <a:rPr lang="en-GB" sz="3200" dirty="0" err="1">
+                <a:latin typeface="Helvetica" panose="020B0604020202020204" pitchFamily="34" charset="0"/>
+                <a:cs typeface="Helvetica" panose="020B0604020202020204" pitchFamily="34" charset="0"/>
+              </a:rPr>
+              <a:t>clea</a:t>
+            </a:r>
+            <a:r>
+              <a:rPr lang="hu-HU" sz="3200">
+                <a:latin typeface="Helvetica" panose="020B0604020202020204" pitchFamily="34" charset="0"/>
+                <a:cs typeface="Helvetica" panose="020B0604020202020204" pitchFamily="34" charset="0"/>
+              </a:rPr>
+              <a:t>n </a:t>
+            </a:r>
+            <a:r>
+              <a:rPr lang="en-GB" sz="3200" dirty="0">
+                <a:latin typeface="Helvetica" panose="020B0604020202020204" pitchFamily="34" charset="0"/>
+                <a:cs typeface="Helvetica" panose="020B0604020202020204" pitchFamily="34" charset="0"/>
+              </a:rPr>
+              <a:t>coding</a:t>
+            </a:r>
           </a:p>
           <a:p>
             <a:r>
@@ -4203,6 +4633,64 @@
           </a:prstGeom>
         </p:spPr>
       </p:pic>
+      <p:sp>
+        <p:nvSpPr>
+          <p:cNvPr id="6" name="Dátum helye 5">
+            <a:extLst>
+              <a:ext uri="{FF2B5EF4-FFF2-40B4-BE49-F238E27FC236}">
+                <a16:creationId xmlns:a16="http://schemas.microsoft.com/office/drawing/2014/main" id="{ED8434F1-C714-46E3-8DF7-6332ACEC91FA}"/>
+              </a:ext>
+            </a:extLst>
+          </p:cNvPr>
+          <p:cNvSpPr>
+            <a:spLocks noGrp="1"/>
+          </p:cNvSpPr>
+          <p:nvPr>
+            <p:ph type="dt" sz="half" idx="10"/>
+          </p:nvPr>
+        </p:nvSpPr>
+        <p:spPr/>
+        <p:txBody>
+          <a:bodyPr/>
+          <a:lstStyle/>
+          <a:p>
+            <a:r>
+              <a:rPr lang="en-US"/>
+              <a:t>15/09/2017</a:t>
+            </a:r>
+            <a:endParaRPr lang="en-GB" dirty="0"/>
+          </a:p>
+        </p:txBody>
+      </p:sp>
+      <p:sp>
+        <p:nvSpPr>
+          <p:cNvPr id="7" name="Dia számának helye 6">
+            <a:extLst>
+              <a:ext uri="{FF2B5EF4-FFF2-40B4-BE49-F238E27FC236}">
+                <a16:creationId xmlns:a16="http://schemas.microsoft.com/office/drawing/2014/main" id="{DF82EF3B-6BF4-48FA-A639-F61FA8A953B3}"/>
+              </a:ext>
+            </a:extLst>
+          </p:cNvPr>
+          <p:cNvSpPr>
+            <a:spLocks noGrp="1"/>
+          </p:cNvSpPr>
+          <p:nvPr>
+            <p:ph type="sldNum" sz="quarter" idx="12"/>
+          </p:nvPr>
+        </p:nvSpPr>
+        <p:spPr/>
+        <p:txBody>
+          <a:bodyPr/>
+          <a:lstStyle/>
+          <a:p>
+            <a:fld id="{6E193381-6D78-40E2-84A6-22D11D0AB334}" type="slidenum">
+              <a:rPr lang="en-GB" smtClean="0"/>
+              <a:t>2</a:t>
+            </a:fld>
+            <a:endParaRPr lang="en-GB" dirty="0"/>
+          </a:p>
+        </p:txBody>
+      </p:sp>
     </p:spTree>
     <p:extLst>
       <p:ext uri="{BB962C8B-B14F-4D97-AF65-F5344CB8AC3E}">
@@ -4262,7 +4750,7 @@
               <a:t>More: </a:t>
             </a:r>
             <a:r>
-              <a:rPr lang="hu-HU" dirty="0" err="1">
+              <a:rPr lang="en-GB" dirty="0">
                 <a:latin typeface="Helvetica" panose="020B0604020202020204" pitchFamily="34" charset="0"/>
                 <a:cs typeface="Helvetica" panose="020B0604020202020204" pitchFamily="34" charset="0"/>
               </a:rPr>
@@ -4276,16 +4764,12 @@
               <a:t> </a:t>
             </a:r>
             <a:r>
-              <a:rPr lang="hu-HU" dirty="0" err="1">
+              <a:rPr lang="en-GB" dirty="0">
                 <a:latin typeface="Helvetica" panose="020B0604020202020204" pitchFamily="34" charset="0"/>
                 <a:cs typeface="Helvetica" panose="020B0604020202020204" pitchFamily="34" charset="0"/>
               </a:rPr>
               <a:t>functions</a:t>
             </a:r>
-            <a:endParaRPr lang="en-GB" dirty="0">
-              <a:latin typeface="Helvetica" panose="020B0604020202020204" pitchFamily="34" charset="0"/>
-              <a:cs typeface="Helvetica" panose="020B0604020202020204" pitchFamily="34" charset="0"/>
-            </a:endParaRPr>
           </a:p>
         </p:txBody>
       </p:sp>
@@ -4318,7 +4802,7 @@
           <a:lstStyle/>
           <a:p>
             <a:r>
-              <a:rPr lang="hu-HU" sz="2800" dirty="0" err="1">
+              <a:rPr lang="en-GB" sz="2800" dirty="0">
                 <a:latin typeface="Helvetica" panose="020B0604020202020204" pitchFamily="34" charset="0"/>
                 <a:cs typeface="Helvetica" panose="020B0604020202020204" pitchFamily="34" charset="0"/>
               </a:rPr>
@@ -4332,7 +4816,7 @@
               <a:t> is like </a:t>
             </a:r>
             <a:r>
-              <a:rPr lang="hu-HU" sz="2800" dirty="0" err="1">
+              <a:rPr lang="en-GB" sz="2800" dirty="0">
                 <a:latin typeface="Helvetica" panose="020B0604020202020204" pitchFamily="34" charset="0"/>
                 <a:cs typeface="Helvetica" panose="020B0604020202020204" pitchFamily="34" charset="0"/>
               </a:rPr>
@@ -4346,7 +4830,7 @@
               <a:t> </a:t>
             </a:r>
             <a:r>
-              <a:rPr lang="hu-HU" sz="2800" dirty="0" err="1">
+              <a:rPr lang="en-GB" sz="2800" dirty="0">
                 <a:latin typeface="Helvetica" panose="020B0604020202020204" pitchFamily="34" charset="0"/>
                 <a:cs typeface="Helvetica" panose="020B0604020202020204" pitchFamily="34" charset="0"/>
               </a:rPr>
@@ -4360,7 +4844,7 @@
               <a:t> </a:t>
             </a:r>
             <a:r>
-              <a:rPr lang="hu-HU" sz="2800" dirty="0" err="1">
+              <a:rPr lang="en-GB" sz="2800" dirty="0">
                 <a:latin typeface="Helvetica" panose="020B0604020202020204" pitchFamily="34" charset="0"/>
                 <a:cs typeface="Helvetica" panose="020B0604020202020204" pitchFamily="34" charset="0"/>
               </a:rPr>
@@ -4371,116 +4855,17 @@
                 <a:latin typeface="Helvetica" panose="020B0604020202020204" pitchFamily="34" charset="0"/>
                 <a:cs typeface="Helvetica" panose="020B0604020202020204" pitchFamily="34" charset="0"/>
               </a:rPr>
-              <a:t>, </a:t>
-            </a:r>
-            <a:r>
-              <a:rPr lang="hu-HU" sz="2800" dirty="0" err="1">
-                <a:latin typeface="Helvetica" panose="020B0604020202020204" pitchFamily="34" charset="0"/>
-                <a:cs typeface="Helvetica" panose="020B0604020202020204" pitchFamily="34" charset="0"/>
-              </a:rPr>
-              <a:t>just</a:t>
-            </a:r>
+              <a:t>, just being used in itself</a:t>
+            </a:r>
+          </a:p>
+          <a:p>
             <a:r>
               <a:rPr lang="hu-HU" sz="2800" dirty="0">
                 <a:latin typeface="Helvetica" panose="020B0604020202020204" pitchFamily="34" charset="0"/>
                 <a:cs typeface="Helvetica" panose="020B0604020202020204" pitchFamily="34" charset="0"/>
               </a:rPr>
-              <a:t> </a:t>
-            </a:r>
-            <a:r>
-              <a:rPr lang="hu-HU" sz="2800" dirty="0" err="1">
-                <a:latin typeface="Helvetica" panose="020B0604020202020204" pitchFamily="34" charset="0"/>
-                <a:cs typeface="Helvetica" panose="020B0604020202020204" pitchFamily="34" charset="0"/>
-              </a:rPr>
-              <a:t>being</a:t>
-            </a:r>
-            <a:r>
-              <a:rPr lang="hu-HU" sz="2800" dirty="0">
-                <a:latin typeface="Helvetica" panose="020B0604020202020204" pitchFamily="34" charset="0"/>
-                <a:cs typeface="Helvetica" panose="020B0604020202020204" pitchFamily="34" charset="0"/>
-              </a:rPr>
-              <a:t> </a:t>
-            </a:r>
-            <a:r>
-              <a:rPr lang="hu-HU" sz="2800" dirty="0" err="1">
-                <a:latin typeface="Helvetica" panose="020B0604020202020204" pitchFamily="34" charset="0"/>
-                <a:cs typeface="Helvetica" panose="020B0604020202020204" pitchFamily="34" charset="0"/>
-              </a:rPr>
-              <a:t>used</a:t>
-            </a:r>
-            <a:r>
-              <a:rPr lang="hu-HU" sz="2800" dirty="0">
-                <a:latin typeface="Helvetica" panose="020B0604020202020204" pitchFamily="34" charset="0"/>
-                <a:cs typeface="Helvetica" panose="020B0604020202020204" pitchFamily="34" charset="0"/>
-              </a:rPr>
-              <a:t> in </a:t>
-            </a:r>
-            <a:r>
-              <a:rPr lang="hu-HU" sz="2800" dirty="0" err="1">
-                <a:latin typeface="Helvetica" panose="020B0604020202020204" pitchFamily="34" charset="0"/>
-                <a:cs typeface="Helvetica" panose="020B0604020202020204" pitchFamily="34" charset="0"/>
-              </a:rPr>
-              <a:t>itself</a:t>
-            </a:r>
-            <a:endParaRPr lang="hu-HU" sz="2800" dirty="0">
-              <a:latin typeface="Helvetica" panose="020B0604020202020204" pitchFamily="34" charset="0"/>
-              <a:cs typeface="Helvetica" panose="020B0604020202020204" pitchFamily="34" charset="0"/>
-            </a:endParaRPr>
-          </a:p>
-          <a:p>
-            <a:r>
-              <a:rPr lang="hu-HU" sz="2800" dirty="0" err="1">
-                <a:latin typeface="Helvetica" panose="020B0604020202020204" pitchFamily="34" charset="0"/>
-                <a:cs typeface="Helvetica" panose="020B0604020202020204" pitchFamily="34" charset="0"/>
-              </a:rPr>
-              <a:t>Conditions</a:t>
-            </a:r>
-            <a:r>
-              <a:rPr lang="hu-HU" sz="2800" dirty="0">
-                <a:latin typeface="Helvetica" panose="020B0604020202020204" pitchFamily="34" charset="0"/>
-                <a:cs typeface="Helvetica" panose="020B0604020202020204" pitchFamily="34" charset="0"/>
-              </a:rPr>
-              <a:t> here </a:t>
-            </a:r>
-            <a:r>
-              <a:rPr lang="hu-HU" sz="2800" dirty="0" err="1">
-                <a:latin typeface="Helvetica" panose="020B0604020202020204" pitchFamily="34" charset="0"/>
-                <a:cs typeface="Helvetica" panose="020B0604020202020204" pitchFamily="34" charset="0"/>
-              </a:rPr>
-              <a:t>can</a:t>
-            </a:r>
-            <a:r>
-              <a:rPr lang="hu-HU" sz="2800" dirty="0">
-                <a:latin typeface="Helvetica" panose="020B0604020202020204" pitchFamily="34" charset="0"/>
-                <a:cs typeface="Helvetica" panose="020B0604020202020204" pitchFamily="34" charset="0"/>
-              </a:rPr>
-              <a:t> be </a:t>
-            </a:r>
-            <a:r>
-              <a:rPr lang="hu-HU" sz="2800" dirty="0" err="1">
-                <a:latin typeface="Helvetica" panose="020B0604020202020204" pitchFamily="34" charset="0"/>
-                <a:cs typeface="Helvetica" panose="020B0604020202020204" pitchFamily="34" charset="0"/>
-              </a:rPr>
-              <a:t>very</a:t>
-            </a:r>
-            <a:r>
-              <a:rPr lang="hu-HU" sz="2800" dirty="0">
-                <a:latin typeface="Helvetica" panose="020B0604020202020204" pitchFamily="34" charset="0"/>
-                <a:cs typeface="Helvetica" panose="020B0604020202020204" pitchFamily="34" charset="0"/>
-              </a:rPr>
-              <a:t> </a:t>
-            </a:r>
-            <a:r>
-              <a:rPr lang="hu-HU" sz="2800" dirty="0" err="1">
-                <a:latin typeface="Helvetica" panose="020B0604020202020204" pitchFamily="34" charset="0"/>
-                <a:cs typeface="Helvetica" panose="020B0604020202020204" pitchFamily="34" charset="0"/>
-              </a:rPr>
-              <a:t>useful</a:t>
-            </a:r>
-            <a:endParaRPr lang="hu-HU" sz="2800" dirty="0">
-              <a:latin typeface="Helvetica" panose="020B0604020202020204" pitchFamily="34" charset="0"/>
-              <a:cs typeface="Helvetica" panose="020B0604020202020204" pitchFamily="34" charset="0"/>
-            </a:endParaRPr>
+              <a:t>Conditions here can be very useful</a:t>
+            </a:r>
           </a:p>
           <a:p>
             <a:pPr marL="0" indent="0">
@@ -4520,19 +4905,6 @@
           </a:bodyPr>
           <a:lstStyle/>
           <a:p>
-            <a:r>
-              <a:rPr lang="hu-HU" sz="2800" dirty="0" err="1">
-                <a:solidFill>
-                  <a:schemeClr val="tx1">
-                    <a:lumMod val="75000"/>
-                    <a:lumOff val="25000"/>
-                  </a:schemeClr>
-                </a:solidFill>
-                <a:latin typeface="Helvetica" panose="020B0604020202020204" pitchFamily="34" charset="0"/>
-                <a:cs typeface="Helvetica" panose="020B0604020202020204" pitchFamily="34" charset="0"/>
-              </a:rPr>
-              <a:t>Fills</a:t>
-            </a:r>
             <a:r>
               <a:rPr lang="hu-HU" sz="2800" dirty="0">
                 <a:solidFill>
@@ -4544,135 +4916,8 @@
                 <a:latin typeface="Helvetica" panose="020B0604020202020204" pitchFamily="34" charset="0"/>
                 <a:cs typeface="Helvetica" panose="020B0604020202020204" pitchFamily="34" charset="0"/>
               </a:rPr>
-              <a:t> </a:t>
-            </a:r>
-            <a:r>
-              <a:rPr lang="hu-HU" sz="2800" dirty="0" err="1">
-                <a:solidFill>
-                  <a:schemeClr val="tx1">
-                    <a:lumMod val="75000"/>
-                    <a:lumOff val="25000"/>
-                  </a:schemeClr>
-                </a:solidFill>
-                <a:latin typeface="Helvetica" panose="020B0604020202020204" pitchFamily="34" charset="0"/>
-                <a:cs typeface="Helvetica" panose="020B0604020202020204" pitchFamily="34" charset="0"/>
-              </a:rPr>
-              <a:t>the</a:t>
-            </a:r>
-            <a:r>
-              <a:rPr lang="hu-HU" sz="2800" dirty="0">
-                <a:solidFill>
-                  <a:schemeClr val="tx1">
-                    <a:lumMod val="75000"/>
-                    <a:lumOff val="25000"/>
-                  </a:schemeClr>
-                </a:solidFill>
-                <a:latin typeface="Helvetica" panose="020B0604020202020204" pitchFamily="34" charset="0"/>
-                <a:cs typeface="Helvetica" panose="020B0604020202020204" pitchFamily="34" charset="0"/>
-              </a:rPr>
-              <a:t> </a:t>
-            </a:r>
-            <a:r>
-              <a:rPr lang="hu-HU" sz="2800" dirty="0" err="1">
-                <a:solidFill>
-                  <a:schemeClr val="tx1">
-                    <a:lumMod val="75000"/>
-                    <a:lumOff val="25000"/>
-                  </a:schemeClr>
-                </a:solidFill>
-                <a:latin typeface="Helvetica" panose="020B0604020202020204" pitchFamily="34" charset="0"/>
-                <a:cs typeface="Helvetica" panose="020B0604020202020204" pitchFamily="34" charset="0"/>
-              </a:rPr>
-              <a:t>stack</a:t>
-            </a:r>
-            <a:r>
-              <a:rPr lang="hu-HU" sz="2800" dirty="0">
-                <a:solidFill>
-                  <a:schemeClr val="tx1">
-                    <a:lumMod val="75000"/>
-                    <a:lumOff val="25000"/>
-                  </a:schemeClr>
-                </a:solidFill>
-                <a:latin typeface="Helvetica" panose="020B0604020202020204" pitchFamily="34" charset="0"/>
-                <a:cs typeface="Helvetica" panose="020B0604020202020204" pitchFamily="34" charset="0"/>
-              </a:rPr>
-              <a:t> </a:t>
-            </a:r>
-            <a:r>
-              <a:rPr lang="hu-HU" sz="2800" dirty="0" err="1">
-                <a:solidFill>
-                  <a:schemeClr val="tx1">
-                    <a:lumMod val="75000"/>
-                    <a:lumOff val="25000"/>
-                  </a:schemeClr>
-                </a:solidFill>
-                <a:latin typeface="Helvetica" panose="020B0604020202020204" pitchFamily="34" charset="0"/>
-                <a:cs typeface="Helvetica" panose="020B0604020202020204" pitchFamily="34" charset="0"/>
-              </a:rPr>
-              <a:t>easier</a:t>
-            </a:r>
-            <a:r>
-              <a:rPr lang="hu-HU" sz="2800" dirty="0">
-                <a:solidFill>
-                  <a:schemeClr val="tx1">
-                    <a:lumMod val="75000"/>
-                    <a:lumOff val="25000"/>
-                  </a:schemeClr>
-                </a:solidFill>
-                <a:latin typeface="Helvetica" panose="020B0604020202020204" pitchFamily="34" charset="0"/>
-                <a:cs typeface="Helvetica" panose="020B0604020202020204" pitchFamily="34" charset="0"/>
-              </a:rPr>
-              <a:t> than </a:t>
-            </a:r>
-            <a:r>
-              <a:rPr lang="hu-HU" sz="2800" dirty="0" err="1">
-                <a:solidFill>
-                  <a:schemeClr val="tx1">
-                    <a:lumMod val="75000"/>
-                    <a:lumOff val="25000"/>
-                  </a:schemeClr>
-                </a:solidFill>
-                <a:latin typeface="Helvetica" panose="020B0604020202020204" pitchFamily="34" charset="0"/>
-                <a:cs typeface="Helvetica" panose="020B0604020202020204" pitchFamily="34" charset="0"/>
-              </a:rPr>
-              <a:t>you</a:t>
-            </a:r>
-            <a:r>
-              <a:rPr lang="hu-HU" sz="2800" dirty="0">
-                <a:solidFill>
-                  <a:schemeClr val="tx1">
-                    <a:lumMod val="75000"/>
-                    <a:lumOff val="25000"/>
-                  </a:schemeClr>
-                </a:solidFill>
-                <a:latin typeface="Helvetica" panose="020B0604020202020204" pitchFamily="34" charset="0"/>
-                <a:cs typeface="Helvetica" panose="020B0604020202020204" pitchFamily="34" charset="0"/>
-              </a:rPr>
-              <a:t> </a:t>
-            </a:r>
-            <a:r>
-              <a:rPr lang="hu-HU" sz="2800" dirty="0" err="1">
-                <a:solidFill>
-                  <a:schemeClr val="tx1">
-                    <a:lumMod val="75000"/>
-                    <a:lumOff val="25000"/>
-                  </a:schemeClr>
-                </a:solidFill>
-                <a:latin typeface="Helvetica" panose="020B0604020202020204" pitchFamily="34" charset="0"/>
-                <a:cs typeface="Helvetica" panose="020B0604020202020204" pitchFamily="34" charset="0"/>
-              </a:rPr>
-              <a:t>think</a:t>
-            </a:r>
-            <a:endParaRPr lang="hu-HU" sz="2800" dirty="0">
-              <a:solidFill>
-                <a:schemeClr val="tx1">
-                  <a:lumMod val="75000"/>
-                  <a:lumOff val="25000"/>
-                </a:schemeClr>
-              </a:solidFill>
-              <a:latin typeface="Helvetica" panose="020B0604020202020204" pitchFamily="34" charset="0"/>
-              <a:cs typeface="Helvetica" panose="020B0604020202020204" pitchFamily="34" charset="0"/>
-            </a:endParaRPr>
+              <a:t>Fills the stack easier than you think</a:t>
+            </a:r>
           </a:p>
         </p:txBody>
       </p:sp>
@@ -4706,6 +4951,64 @@
           </a:prstGeom>
         </p:spPr>
       </p:pic>
+      <p:sp>
+        <p:nvSpPr>
+          <p:cNvPr id="6" name="Dátum helye 5">
+            <a:extLst>
+              <a:ext uri="{FF2B5EF4-FFF2-40B4-BE49-F238E27FC236}">
+                <a16:creationId xmlns:a16="http://schemas.microsoft.com/office/drawing/2014/main" id="{E829C294-09BD-4643-A6B6-0D8FFEC4553A}"/>
+              </a:ext>
+            </a:extLst>
+          </p:cNvPr>
+          <p:cNvSpPr>
+            <a:spLocks noGrp="1"/>
+          </p:cNvSpPr>
+          <p:nvPr>
+            <p:ph type="dt" sz="half" idx="10"/>
+          </p:nvPr>
+        </p:nvSpPr>
+        <p:spPr/>
+        <p:txBody>
+          <a:bodyPr/>
+          <a:lstStyle/>
+          <a:p>
+            <a:r>
+              <a:rPr lang="en-US"/>
+              <a:t>15/09/2017</a:t>
+            </a:r>
+            <a:endParaRPr lang="en-GB" dirty="0"/>
+          </a:p>
+        </p:txBody>
+      </p:sp>
+      <p:sp>
+        <p:nvSpPr>
+          <p:cNvPr id="7" name="Dia számának helye 6">
+            <a:extLst>
+              <a:ext uri="{FF2B5EF4-FFF2-40B4-BE49-F238E27FC236}">
+                <a16:creationId xmlns:a16="http://schemas.microsoft.com/office/drawing/2014/main" id="{5B1557B2-1477-4089-8113-D9FB423423DB}"/>
+              </a:ext>
+            </a:extLst>
+          </p:cNvPr>
+          <p:cNvSpPr>
+            <a:spLocks noGrp="1"/>
+          </p:cNvSpPr>
+          <p:nvPr>
+            <p:ph type="sldNum" sz="quarter" idx="12"/>
+          </p:nvPr>
+        </p:nvSpPr>
+        <p:spPr/>
+        <p:txBody>
+          <a:bodyPr/>
+          <a:lstStyle/>
+          <a:p>
+            <a:fld id="{6E193381-6D78-40E2-84A6-22D11D0AB334}" type="slidenum">
+              <a:rPr lang="en-GB" smtClean="0"/>
+              <a:t>3</a:t>
+            </a:fld>
+            <a:endParaRPr lang="en-GB" dirty="0"/>
+          </a:p>
+        </p:txBody>
+      </p:sp>
     </p:spTree>
     <p:extLst>
       <p:ext uri="{BB962C8B-B14F-4D97-AF65-F5344CB8AC3E}">
@@ -4765,319 +5068,38 @@
           <a:lstStyle/>
           <a:p>
             <a:r>
-              <a:rPr lang="hu-HU" sz="2800" dirty="0" err="1">
-                <a:latin typeface="Helvetica" panose="020B0604020202020204" pitchFamily="34" charset="0"/>
-                <a:cs typeface="Helvetica" panose="020B0604020202020204" pitchFamily="34" charset="0"/>
-              </a:rPr>
-              <a:t>Original</a:t>
-            </a:r>
-            <a:r>
               <a:rPr lang="hu-HU" sz="2800" dirty="0">
                 <a:latin typeface="Helvetica" panose="020B0604020202020204" pitchFamily="34" charset="0"/>
                 <a:cs typeface="Helvetica" panose="020B0604020202020204" pitchFamily="34" charset="0"/>
               </a:rPr>
-              <a:t> </a:t>
-            </a:r>
-            <a:r>
-              <a:rPr lang="hu-HU" sz="2800" dirty="0" err="1">
-                <a:latin typeface="Helvetica" panose="020B0604020202020204" pitchFamily="34" charset="0"/>
-                <a:cs typeface="Helvetica" panose="020B0604020202020204" pitchFamily="34" charset="0"/>
-              </a:rPr>
-              <a:t>minesweeper</a:t>
-            </a:r>
+              <a:t>Original minesweeper from mentors</a:t>
+            </a:r>
+          </a:p>
+          <a:p>
             <a:r>
               <a:rPr lang="hu-HU" sz="2800" dirty="0">
                 <a:latin typeface="Helvetica" panose="020B0604020202020204" pitchFamily="34" charset="0"/>
                 <a:cs typeface="Helvetica" panose="020B0604020202020204" pitchFamily="34" charset="0"/>
               </a:rPr>
-              <a:t> </a:t>
-            </a:r>
-            <a:r>
-              <a:rPr lang="hu-HU" sz="2800" dirty="0" err="1">
-                <a:latin typeface="Helvetica" panose="020B0604020202020204" pitchFamily="34" charset="0"/>
-                <a:cs typeface="Helvetica" panose="020B0604020202020204" pitchFamily="34" charset="0"/>
-              </a:rPr>
-              <a:t>from</a:t>
-            </a:r>
+              <a:t>Why don’t we make our own version?</a:t>
+            </a:r>
+          </a:p>
+          <a:p>
             <a:r>
               <a:rPr lang="hu-HU" sz="2800" dirty="0">
                 <a:latin typeface="Helvetica" panose="020B0604020202020204" pitchFamily="34" charset="0"/>
                 <a:cs typeface="Helvetica" panose="020B0604020202020204" pitchFamily="34" charset="0"/>
               </a:rPr>
-              <a:t> </a:t>
-            </a:r>
-            <a:r>
-              <a:rPr lang="hu-HU" sz="2800" dirty="0" err="1">
-                <a:latin typeface="Helvetica" panose="020B0604020202020204" pitchFamily="34" charset="0"/>
-                <a:cs typeface="Helvetica" panose="020B0604020202020204" pitchFamily="34" charset="0"/>
-              </a:rPr>
-              <a:t>mentors</a:t>
-            </a:r>
-            <a:endParaRPr lang="hu-HU" sz="2800" dirty="0">
-              <a:latin typeface="Helvetica" panose="020B0604020202020204" pitchFamily="34" charset="0"/>
-              <a:cs typeface="Helvetica" panose="020B0604020202020204" pitchFamily="34" charset="0"/>
-            </a:endParaRPr>
-          </a:p>
-          <a:p>
-            <a:r>
-              <a:rPr lang="hu-HU" sz="2800" dirty="0" err="1">
-                <a:latin typeface="Helvetica" panose="020B0604020202020204" pitchFamily="34" charset="0"/>
-                <a:cs typeface="Helvetica" panose="020B0604020202020204" pitchFamily="34" charset="0"/>
-              </a:rPr>
-              <a:t>Why</a:t>
-            </a:r>
+              <a:t>- made without looking at the original code</a:t>
+            </a:r>
+          </a:p>
+          <a:p>
             <a:r>
               <a:rPr lang="hu-HU" sz="2800" dirty="0">
                 <a:latin typeface="Helvetica" panose="020B0604020202020204" pitchFamily="34" charset="0"/>
                 <a:cs typeface="Helvetica" panose="020B0604020202020204" pitchFamily="34" charset="0"/>
               </a:rPr>
-              <a:t> </a:t>
-            </a:r>
-            <a:r>
-              <a:rPr lang="hu-HU" sz="2800" dirty="0" err="1">
-                <a:latin typeface="Helvetica" panose="020B0604020202020204" pitchFamily="34" charset="0"/>
-                <a:cs typeface="Helvetica" panose="020B0604020202020204" pitchFamily="34" charset="0"/>
-              </a:rPr>
-              <a:t>don’t</a:t>
-            </a:r>
-            <a:r>
-              <a:rPr lang="hu-HU" sz="2800" dirty="0">
-                <a:latin typeface="Helvetica" panose="020B0604020202020204" pitchFamily="34" charset="0"/>
-                <a:cs typeface="Helvetica" panose="020B0604020202020204" pitchFamily="34" charset="0"/>
-              </a:rPr>
-              <a:t> </a:t>
-            </a:r>
-            <a:r>
-              <a:rPr lang="hu-HU" sz="2800" dirty="0" err="1">
-                <a:latin typeface="Helvetica" panose="020B0604020202020204" pitchFamily="34" charset="0"/>
-                <a:cs typeface="Helvetica" panose="020B0604020202020204" pitchFamily="34" charset="0"/>
-              </a:rPr>
-              <a:t>we</a:t>
-            </a:r>
-            <a:r>
-              <a:rPr lang="hu-HU" sz="2800" dirty="0">
-                <a:latin typeface="Helvetica" panose="020B0604020202020204" pitchFamily="34" charset="0"/>
-                <a:cs typeface="Helvetica" panose="020B0604020202020204" pitchFamily="34" charset="0"/>
-              </a:rPr>
-              <a:t> </a:t>
-            </a:r>
-            <a:r>
-              <a:rPr lang="hu-HU" sz="2800" dirty="0" err="1">
-                <a:latin typeface="Helvetica" panose="020B0604020202020204" pitchFamily="34" charset="0"/>
-                <a:cs typeface="Helvetica" panose="020B0604020202020204" pitchFamily="34" charset="0"/>
-              </a:rPr>
-              <a:t>make</a:t>
-            </a:r>
-            <a:r>
-              <a:rPr lang="hu-HU" sz="2800" dirty="0">
-                <a:latin typeface="Helvetica" panose="020B0604020202020204" pitchFamily="34" charset="0"/>
-                <a:cs typeface="Helvetica" panose="020B0604020202020204" pitchFamily="34" charset="0"/>
-              </a:rPr>
-              <a:t> </a:t>
-            </a:r>
-            <a:r>
-              <a:rPr lang="hu-HU" sz="2800" dirty="0" err="1">
-                <a:latin typeface="Helvetica" panose="020B0604020202020204" pitchFamily="34" charset="0"/>
-                <a:cs typeface="Helvetica" panose="020B0604020202020204" pitchFamily="34" charset="0"/>
-              </a:rPr>
-              <a:t>our</a:t>
-            </a:r>
-            <a:r>
-              <a:rPr lang="hu-HU" sz="2800" dirty="0">
-                <a:latin typeface="Helvetica" panose="020B0604020202020204" pitchFamily="34" charset="0"/>
-                <a:cs typeface="Helvetica" panose="020B0604020202020204" pitchFamily="34" charset="0"/>
-              </a:rPr>
-              <a:t> </a:t>
-            </a:r>
-            <a:r>
-              <a:rPr lang="hu-HU" sz="2800" dirty="0" err="1">
-                <a:latin typeface="Helvetica" panose="020B0604020202020204" pitchFamily="34" charset="0"/>
-                <a:cs typeface="Helvetica" panose="020B0604020202020204" pitchFamily="34" charset="0"/>
-              </a:rPr>
-              <a:t>own</a:t>
-            </a:r>
-            <a:r>
-              <a:rPr lang="hu-HU" sz="2800" dirty="0">
-                <a:latin typeface="Helvetica" panose="020B0604020202020204" pitchFamily="34" charset="0"/>
-                <a:cs typeface="Helvetica" panose="020B0604020202020204" pitchFamily="34" charset="0"/>
-              </a:rPr>
-              <a:t> version?</a:t>
-            </a:r>
-          </a:p>
-          <a:p>
-            <a:r>
-              <a:rPr lang="hu-HU" sz="2800" dirty="0">
-                <a:latin typeface="Helvetica" panose="020B0604020202020204" pitchFamily="34" charset="0"/>
-                <a:cs typeface="Helvetica" panose="020B0604020202020204" pitchFamily="34" charset="0"/>
-              </a:rPr>
-              <a:t>- </a:t>
-            </a:r>
-            <a:r>
-              <a:rPr lang="hu-HU" sz="2800" dirty="0" err="1">
-                <a:latin typeface="Helvetica" panose="020B0604020202020204" pitchFamily="34" charset="0"/>
-                <a:cs typeface="Helvetica" panose="020B0604020202020204" pitchFamily="34" charset="0"/>
-              </a:rPr>
-              <a:t>made</a:t>
-            </a:r>
-            <a:r>
-              <a:rPr lang="hu-HU" sz="2800" dirty="0">
-                <a:latin typeface="Helvetica" panose="020B0604020202020204" pitchFamily="34" charset="0"/>
-                <a:cs typeface="Helvetica" panose="020B0604020202020204" pitchFamily="34" charset="0"/>
-              </a:rPr>
-              <a:t> </a:t>
-            </a:r>
-            <a:r>
-              <a:rPr lang="hu-HU" sz="2800" dirty="0" err="1">
-                <a:latin typeface="Helvetica" panose="020B0604020202020204" pitchFamily="34" charset="0"/>
-                <a:cs typeface="Helvetica" panose="020B0604020202020204" pitchFamily="34" charset="0"/>
-              </a:rPr>
-              <a:t>without</a:t>
-            </a:r>
-            <a:r>
-              <a:rPr lang="hu-HU" sz="2800" dirty="0">
-                <a:latin typeface="Helvetica" panose="020B0604020202020204" pitchFamily="34" charset="0"/>
-                <a:cs typeface="Helvetica" panose="020B0604020202020204" pitchFamily="34" charset="0"/>
-              </a:rPr>
-              <a:t> </a:t>
-            </a:r>
-            <a:r>
-              <a:rPr lang="hu-HU" sz="2800" dirty="0" err="1">
-                <a:latin typeface="Helvetica" panose="020B0604020202020204" pitchFamily="34" charset="0"/>
-                <a:cs typeface="Helvetica" panose="020B0604020202020204" pitchFamily="34" charset="0"/>
-              </a:rPr>
-              <a:t>looking</a:t>
-            </a:r>
-            <a:r>
-              <a:rPr lang="hu-HU" sz="2800" dirty="0">
-                <a:latin typeface="Helvetica" panose="020B0604020202020204" pitchFamily="34" charset="0"/>
-                <a:cs typeface="Helvetica" panose="020B0604020202020204" pitchFamily="34" charset="0"/>
-              </a:rPr>
-              <a:t> </a:t>
-            </a:r>
-            <a:r>
-              <a:rPr lang="hu-HU" sz="2800" dirty="0" err="1">
-                <a:latin typeface="Helvetica" panose="020B0604020202020204" pitchFamily="34" charset="0"/>
-                <a:cs typeface="Helvetica" panose="020B0604020202020204" pitchFamily="34" charset="0"/>
-              </a:rPr>
-              <a:t>at</a:t>
-            </a:r>
-            <a:r>
-              <a:rPr lang="hu-HU" sz="2800" dirty="0">
-                <a:latin typeface="Helvetica" panose="020B0604020202020204" pitchFamily="34" charset="0"/>
-                <a:cs typeface="Helvetica" panose="020B0604020202020204" pitchFamily="34" charset="0"/>
-              </a:rPr>
-              <a:t> </a:t>
-            </a:r>
-            <a:r>
-              <a:rPr lang="hu-HU" sz="2800" dirty="0" err="1">
-                <a:latin typeface="Helvetica" panose="020B0604020202020204" pitchFamily="34" charset="0"/>
-                <a:cs typeface="Helvetica" panose="020B0604020202020204" pitchFamily="34" charset="0"/>
-              </a:rPr>
-              <a:t>the</a:t>
-            </a:r>
-            <a:r>
-              <a:rPr lang="hu-HU" sz="2800" dirty="0">
-                <a:latin typeface="Helvetica" panose="020B0604020202020204" pitchFamily="34" charset="0"/>
-                <a:cs typeface="Helvetica" panose="020B0604020202020204" pitchFamily="34" charset="0"/>
-              </a:rPr>
-              <a:t> </a:t>
-            </a:r>
-            <a:r>
-              <a:rPr lang="hu-HU" sz="2800" dirty="0" err="1">
-                <a:latin typeface="Helvetica" panose="020B0604020202020204" pitchFamily="34" charset="0"/>
-                <a:cs typeface="Helvetica" panose="020B0604020202020204" pitchFamily="34" charset="0"/>
-              </a:rPr>
-              <a:t>original</a:t>
-            </a:r>
-            <a:r>
-              <a:rPr lang="hu-HU" sz="2800" dirty="0">
-                <a:latin typeface="Helvetica" panose="020B0604020202020204" pitchFamily="34" charset="0"/>
-                <a:cs typeface="Helvetica" panose="020B0604020202020204" pitchFamily="34" charset="0"/>
-              </a:rPr>
-              <a:t> </a:t>
-            </a:r>
-            <a:r>
-              <a:rPr lang="hu-HU" sz="2800" dirty="0" err="1">
-                <a:latin typeface="Helvetica" panose="020B0604020202020204" pitchFamily="34" charset="0"/>
-                <a:cs typeface="Helvetica" panose="020B0604020202020204" pitchFamily="34" charset="0"/>
-              </a:rPr>
-              <a:t>code</a:t>
-            </a:r>
-            <a:endParaRPr lang="hu-HU" sz="2800" dirty="0">
-              <a:latin typeface="Helvetica" panose="020B0604020202020204" pitchFamily="34" charset="0"/>
-              <a:cs typeface="Helvetica" panose="020B0604020202020204" pitchFamily="34" charset="0"/>
-            </a:endParaRPr>
-          </a:p>
-          <a:p>
-            <a:r>
-              <a:rPr lang="hu-HU" sz="2800" dirty="0">
-                <a:latin typeface="Helvetica" panose="020B0604020202020204" pitchFamily="34" charset="0"/>
-                <a:cs typeface="Helvetica" panose="020B0604020202020204" pitchFamily="34" charset="0"/>
-              </a:rPr>
-              <a:t>- </a:t>
-            </a:r>
-            <a:r>
-              <a:rPr lang="hu-HU" sz="2800" dirty="0" err="1">
-                <a:latin typeface="Helvetica" panose="020B0604020202020204" pitchFamily="34" charset="0"/>
-                <a:cs typeface="Helvetica" panose="020B0604020202020204" pitchFamily="34" charset="0"/>
-              </a:rPr>
-              <a:t>lasted</a:t>
-            </a:r>
-            <a:r>
-              <a:rPr lang="hu-HU" sz="2800" dirty="0">
-                <a:latin typeface="Helvetica" panose="020B0604020202020204" pitchFamily="34" charset="0"/>
-                <a:cs typeface="Helvetica" panose="020B0604020202020204" pitchFamily="34" charset="0"/>
-              </a:rPr>
-              <a:t> more than </a:t>
-            </a:r>
-            <a:r>
-              <a:rPr lang="hu-HU" sz="2800" dirty="0" err="1">
-                <a:latin typeface="Helvetica" panose="020B0604020202020204" pitchFamily="34" charset="0"/>
-                <a:cs typeface="Helvetica" panose="020B0604020202020204" pitchFamily="34" charset="0"/>
-              </a:rPr>
-              <a:t>twice</a:t>
-            </a:r>
-            <a:r>
-              <a:rPr lang="hu-HU" sz="2800" dirty="0">
-                <a:latin typeface="Helvetica" panose="020B0604020202020204" pitchFamily="34" charset="0"/>
-                <a:cs typeface="Helvetica" panose="020B0604020202020204" pitchFamily="34" charset="0"/>
-              </a:rPr>
-              <a:t> </a:t>
-            </a:r>
-            <a:r>
-              <a:rPr lang="hu-HU" sz="2800" dirty="0" err="1">
-                <a:latin typeface="Helvetica" panose="020B0604020202020204" pitchFamily="34" charset="0"/>
-                <a:cs typeface="Helvetica" panose="020B0604020202020204" pitchFamily="34" charset="0"/>
-              </a:rPr>
-              <a:t>longer</a:t>
-            </a:r>
-            <a:r>
-              <a:rPr lang="hu-HU" sz="2800" dirty="0">
-                <a:latin typeface="Helvetica" panose="020B0604020202020204" pitchFamily="34" charset="0"/>
-                <a:cs typeface="Helvetica" panose="020B0604020202020204" pitchFamily="34" charset="0"/>
-              </a:rPr>
-              <a:t> than </a:t>
-            </a:r>
-            <a:r>
-              <a:rPr lang="hu-HU" sz="2800" dirty="0" err="1">
-                <a:latin typeface="Helvetica" panose="020B0604020202020204" pitchFamily="34" charset="0"/>
-                <a:cs typeface="Helvetica" panose="020B0604020202020204" pitchFamily="34" charset="0"/>
-              </a:rPr>
-              <a:t>the</a:t>
-            </a:r>
-            <a:r>
-              <a:rPr lang="hu-HU" sz="2800" dirty="0">
-                <a:latin typeface="Helvetica" panose="020B0604020202020204" pitchFamily="34" charset="0"/>
-                <a:cs typeface="Helvetica" panose="020B0604020202020204" pitchFamily="34" charset="0"/>
-              </a:rPr>
-              <a:t> </a:t>
-            </a:r>
-            <a:r>
-              <a:rPr lang="hu-HU" sz="2800" dirty="0" err="1">
-                <a:latin typeface="Helvetica" panose="020B0604020202020204" pitchFamily="34" charset="0"/>
-                <a:cs typeface="Helvetica" panose="020B0604020202020204" pitchFamily="34" charset="0"/>
-              </a:rPr>
-              <a:t>other</a:t>
+              <a:t>- lasted more than twice longer than the other</a:t>
             </a:r>
             <a:endParaRPr lang="en-GB" sz="2800" dirty="0"/>
           </a:p>
@@ -5137,23 +5159,74 @@
           <a:lstStyle/>
           <a:p>
             <a:r>
-              <a:rPr lang="hu-HU" dirty="0" err="1">
-                <a:latin typeface="Helvetica" panose="020B0604020202020204" pitchFamily="34" charset="0"/>
-                <a:cs typeface="Helvetica" panose="020B0604020202020204" pitchFamily="34" charset="0"/>
-              </a:rPr>
-              <a:t>Minesweeper</a:t>
-            </a:r>
-            <a:r>
               <a:rPr lang="hu-HU" dirty="0">
                 <a:latin typeface="Helvetica" panose="020B0604020202020204" pitchFamily="34" charset="0"/>
                 <a:cs typeface="Helvetica" panose="020B0604020202020204" pitchFamily="34" charset="0"/>
               </a:rPr>
-              <a:t> project</a:t>
+              <a:t>Minesweeper project</a:t>
             </a:r>
             <a:endParaRPr lang="en-GB" dirty="0">
               <a:latin typeface="Helvetica" panose="020B0604020202020204" pitchFamily="34" charset="0"/>
               <a:cs typeface="Helvetica" panose="020B0604020202020204" pitchFamily="34" charset="0"/>
             </a:endParaRPr>
+          </a:p>
+        </p:txBody>
+      </p:sp>
+      <p:sp>
+        <p:nvSpPr>
+          <p:cNvPr id="11" name="Dátum helye 10">
+            <a:extLst>
+              <a:ext uri="{FF2B5EF4-FFF2-40B4-BE49-F238E27FC236}">
+                <a16:creationId xmlns:a16="http://schemas.microsoft.com/office/drawing/2014/main" id="{8AF46CDE-D565-4658-8530-127E238F0955}"/>
+              </a:ext>
+            </a:extLst>
+          </p:cNvPr>
+          <p:cNvSpPr>
+            <a:spLocks noGrp="1"/>
+          </p:cNvSpPr>
+          <p:nvPr>
+            <p:ph type="dt" sz="half" idx="10"/>
+          </p:nvPr>
+        </p:nvSpPr>
+        <p:spPr/>
+        <p:txBody>
+          <a:bodyPr/>
+          <a:lstStyle/>
+          <a:p>
+            <a:r>
+              <a:rPr lang="en-US"/>
+              <a:t>15/09/2017</a:t>
+            </a:r>
+            <a:endParaRPr lang="en-GB" dirty="0"/>
+          </a:p>
+        </p:txBody>
+      </p:sp>
+      <p:sp>
+        <p:nvSpPr>
+          <p:cNvPr id="12" name="Dia számának helye 11">
+            <a:extLst>
+              <a:ext uri="{FF2B5EF4-FFF2-40B4-BE49-F238E27FC236}">
+                <a16:creationId xmlns:a16="http://schemas.microsoft.com/office/drawing/2014/main" id="{299B3A53-DD46-416D-83A3-06C15EA3332A}"/>
+              </a:ext>
+            </a:extLst>
+          </p:cNvPr>
+          <p:cNvSpPr>
+            <a:spLocks noGrp="1"/>
+          </p:cNvSpPr>
+          <p:nvPr>
+            <p:ph type="sldNum" sz="quarter" idx="12"/>
+          </p:nvPr>
+        </p:nvSpPr>
+        <p:spPr/>
+        <p:txBody>
+          <a:bodyPr/>
+          <a:lstStyle/>
+          <a:p>
+            <a:fld id="{6E193381-6D78-40E2-84A6-22D11D0AB334}" type="slidenum">
+              <a:rPr lang="en-GB" smtClean="0"/>
+              <a:t>4</a:t>
+            </a:fld>
+            <a:endParaRPr lang="en-GB" dirty="0"/>
           </a:p>
         </p:txBody>
       </p:sp>
@@ -5209,18 +5282,11 @@
           <a:lstStyle/>
           <a:p>
             <a:r>
-              <a:rPr lang="hu-HU" dirty="0" err="1">
-                <a:latin typeface="Helvetica" panose="020B0604020202020204" pitchFamily="34" charset="0"/>
-                <a:cs typeface="Helvetica" panose="020B0604020202020204" pitchFamily="34" charset="0"/>
-              </a:rPr>
-              <a:t>Minesweeper</a:t>
-            </a:r>
-            <a:r>
               <a:rPr lang="hu-HU" dirty="0">
                 <a:latin typeface="Helvetica" panose="020B0604020202020204" pitchFamily="34" charset="0"/>
                 <a:cs typeface="Helvetica" panose="020B0604020202020204" pitchFamily="34" charset="0"/>
               </a:rPr>
-              <a:t> project</a:t>
+              <a:t>Minesweeper project</a:t>
             </a:r>
             <a:endParaRPr lang="en-GB" dirty="0">
               <a:latin typeface="Helvetica" panose="020B0604020202020204" pitchFamily="34" charset="0"/>
@@ -5253,32 +5319,20 @@
           <a:lstStyle/>
           <a:p>
             <a:r>
-              <a:rPr lang="hu-HU" sz="2800" dirty="0" err="1">
-                <a:latin typeface="Helvetica" panose="020B0604020202020204" pitchFamily="34" charset="0"/>
-                <a:cs typeface="Helvetica" panose="020B0604020202020204" pitchFamily="34" charset="0"/>
-              </a:rPr>
-              <a:t>Some</a:t>
-            </a:r>
-            <a:r>
               <a:rPr lang="hu-HU" sz="2800" dirty="0">
                 <a:latin typeface="Helvetica" panose="020B0604020202020204" pitchFamily="34" charset="0"/>
                 <a:cs typeface="Helvetica" panose="020B0604020202020204" pitchFamily="34" charset="0"/>
               </a:rPr>
-              <a:t> </a:t>
-            </a:r>
-            <a:r>
-              <a:rPr lang="hu-HU" sz="2800" dirty="0" err="1">
-                <a:latin typeface="Helvetica" panose="020B0604020202020204" pitchFamily="34" charset="0"/>
-                <a:cs typeface="Helvetica" panose="020B0604020202020204" pitchFamily="34" charset="0"/>
-              </a:rPr>
-              <a:t>features</a:t>
-            </a:r>
+              <a:t>Some features:</a:t>
+            </a:r>
+          </a:p>
+          <a:p>
             <a:r>
               <a:rPr lang="hu-HU" sz="2800" dirty="0">
                 <a:latin typeface="Helvetica" panose="020B0604020202020204" pitchFamily="34" charset="0"/>
                 <a:cs typeface="Helvetica" panose="020B0604020202020204" pitchFamily="34" charset="0"/>
               </a:rPr>
-              <a:t>:</a:t>
+              <a:t>- the player cannot start the game by revealing a mine</a:t>
             </a:r>
           </a:p>
           <a:p>
@@ -5287,471 +5341,88 @@
                 <a:latin typeface="Helvetica" panose="020B0604020202020204" pitchFamily="34" charset="0"/>
                 <a:cs typeface="Helvetica" panose="020B0604020202020204" pitchFamily="34" charset="0"/>
               </a:rPr>
-              <a:t>- </a:t>
-            </a:r>
-            <a:r>
-              <a:rPr lang="hu-HU" sz="2800" dirty="0" err="1">
-                <a:latin typeface="Helvetica" panose="020B0604020202020204" pitchFamily="34" charset="0"/>
-                <a:cs typeface="Helvetica" panose="020B0604020202020204" pitchFamily="34" charset="0"/>
-              </a:rPr>
-              <a:t>the</a:t>
-            </a:r>
+              <a:t>- all areas have at least two mineless places</a:t>
+            </a:r>
+          </a:p>
+          <a:p>
             <a:r>
               <a:rPr lang="hu-HU" sz="2800" dirty="0">
                 <a:latin typeface="Helvetica" panose="020B0604020202020204" pitchFamily="34" charset="0"/>
                 <a:cs typeface="Helvetica" panose="020B0604020202020204" pitchFamily="34" charset="0"/>
               </a:rPr>
-              <a:t> </a:t>
-            </a:r>
-            <a:r>
-              <a:rPr lang="hu-HU" sz="2800" dirty="0" err="1">
-                <a:latin typeface="Helvetica" panose="020B0604020202020204" pitchFamily="34" charset="0"/>
-                <a:cs typeface="Helvetica" panose="020B0604020202020204" pitchFamily="34" charset="0"/>
-              </a:rPr>
-              <a:t>player</a:t>
-            </a:r>
+              <a:t>- in case of death all mines become revealed</a:t>
+            </a:r>
+          </a:p>
+          <a:p>
             <a:r>
               <a:rPr lang="hu-HU" sz="2800" dirty="0">
                 <a:latin typeface="Helvetica" panose="020B0604020202020204" pitchFamily="34" charset="0"/>
                 <a:cs typeface="Helvetica" panose="020B0604020202020204" pitchFamily="34" charset="0"/>
               </a:rPr>
-              <a:t> </a:t>
-            </a:r>
-            <a:r>
-              <a:rPr lang="hu-HU" sz="2800" dirty="0" err="1">
-                <a:latin typeface="Helvetica" panose="020B0604020202020204" pitchFamily="34" charset="0"/>
-                <a:cs typeface="Helvetica" panose="020B0604020202020204" pitchFamily="34" charset="0"/>
-              </a:rPr>
-              <a:t>cannot</a:t>
-            </a:r>
-            <a:r>
-              <a:rPr lang="hu-HU" sz="2800" dirty="0">
-                <a:latin typeface="Helvetica" panose="020B0604020202020204" pitchFamily="34" charset="0"/>
-                <a:cs typeface="Helvetica" panose="020B0604020202020204" pitchFamily="34" charset="0"/>
-              </a:rPr>
-              <a:t> start </a:t>
-            </a:r>
-            <a:r>
-              <a:rPr lang="hu-HU" sz="2800" dirty="0" err="1">
-                <a:latin typeface="Helvetica" panose="020B0604020202020204" pitchFamily="34" charset="0"/>
-                <a:cs typeface="Helvetica" panose="020B0604020202020204" pitchFamily="34" charset="0"/>
-              </a:rPr>
-              <a:t>the</a:t>
-            </a:r>
-            <a:r>
-              <a:rPr lang="hu-HU" sz="2800" dirty="0">
-                <a:latin typeface="Helvetica" panose="020B0604020202020204" pitchFamily="34" charset="0"/>
-                <a:cs typeface="Helvetica" panose="020B0604020202020204" pitchFamily="34" charset="0"/>
-              </a:rPr>
-              <a:t> game </a:t>
-            </a:r>
-            <a:r>
-              <a:rPr lang="hu-HU" sz="2800" dirty="0" err="1">
-                <a:latin typeface="Helvetica" panose="020B0604020202020204" pitchFamily="34" charset="0"/>
-                <a:cs typeface="Helvetica" panose="020B0604020202020204" pitchFamily="34" charset="0"/>
-              </a:rPr>
-              <a:t>by</a:t>
-            </a:r>
-            <a:r>
-              <a:rPr lang="hu-HU" sz="2800" dirty="0">
-                <a:latin typeface="Helvetica" panose="020B0604020202020204" pitchFamily="34" charset="0"/>
-                <a:cs typeface="Helvetica" panose="020B0604020202020204" pitchFamily="34" charset="0"/>
-              </a:rPr>
-              <a:t> </a:t>
-            </a:r>
-            <a:r>
-              <a:rPr lang="hu-HU" sz="2800" dirty="0" err="1">
-                <a:latin typeface="Helvetica" panose="020B0604020202020204" pitchFamily="34" charset="0"/>
-                <a:cs typeface="Helvetica" panose="020B0604020202020204" pitchFamily="34" charset="0"/>
-              </a:rPr>
-              <a:t>revealing</a:t>
-            </a:r>
-            <a:r>
-              <a:rPr lang="hu-HU" sz="2800" dirty="0">
-                <a:latin typeface="Helvetica" panose="020B0604020202020204" pitchFamily="34" charset="0"/>
-                <a:cs typeface="Helvetica" panose="020B0604020202020204" pitchFamily="34" charset="0"/>
-              </a:rPr>
-              <a:t> a </a:t>
-            </a:r>
-            <a:r>
-              <a:rPr lang="hu-HU" sz="2800" dirty="0" err="1">
-                <a:latin typeface="Helvetica" panose="020B0604020202020204" pitchFamily="34" charset="0"/>
-                <a:cs typeface="Helvetica" panose="020B0604020202020204" pitchFamily="34" charset="0"/>
-              </a:rPr>
-              <a:t>mine</a:t>
-            </a:r>
-            <a:endParaRPr lang="hu-HU" sz="2800" dirty="0">
-              <a:latin typeface="Helvetica" panose="020B0604020202020204" pitchFamily="34" charset="0"/>
-              <a:cs typeface="Helvetica" panose="020B0604020202020204" pitchFamily="34" charset="0"/>
-            </a:endParaRPr>
-          </a:p>
-          <a:p>
-            <a:r>
-              <a:rPr lang="hu-HU" sz="2800" dirty="0">
-                <a:latin typeface="Helvetica" panose="020B0604020202020204" pitchFamily="34" charset="0"/>
-                <a:cs typeface="Helvetica" panose="020B0604020202020204" pitchFamily="34" charset="0"/>
-              </a:rPr>
-              <a:t>- </a:t>
-            </a:r>
-            <a:r>
-              <a:rPr lang="hu-HU" sz="2800" dirty="0" err="1">
-                <a:latin typeface="Helvetica" panose="020B0604020202020204" pitchFamily="34" charset="0"/>
-                <a:cs typeface="Helvetica" panose="020B0604020202020204" pitchFamily="34" charset="0"/>
-              </a:rPr>
-              <a:t>all</a:t>
-            </a:r>
-            <a:r>
-              <a:rPr lang="hu-HU" sz="2800" dirty="0">
-                <a:latin typeface="Helvetica" panose="020B0604020202020204" pitchFamily="34" charset="0"/>
-                <a:cs typeface="Helvetica" panose="020B0604020202020204" pitchFamily="34" charset="0"/>
-              </a:rPr>
-              <a:t> </a:t>
-            </a:r>
-            <a:r>
-              <a:rPr lang="hu-HU" sz="2800" dirty="0" err="1">
-                <a:latin typeface="Helvetica" panose="020B0604020202020204" pitchFamily="34" charset="0"/>
-                <a:cs typeface="Helvetica" panose="020B0604020202020204" pitchFamily="34" charset="0"/>
-              </a:rPr>
-              <a:t>areas</a:t>
-            </a:r>
-            <a:r>
-              <a:rPr lang="hu-HU" sz="2800" dirty="0">
-                <a:latin typeface="Helvetica" panose="020B0604020202020204" pitchFamily="34" charset="0"/>
-                <a:cs typeface="Helvetica" panose="020B0604020202020204" pitchFamily="34" charset="0"/>
-              </a:rPr>
-              <a:t> </a:t>
-            </a:r>
-            <a:r>
-              <a:rPr lang="hu-HU" sz="2800" dirty="0" err="1">
-                <a:latin typeface="Helvetica" panose="020B0604020202020204" pitchFamily="34" charset="0"/>
-                <a:cs typeface="Helvetica" panose="020B0604020202020204" pitchFamily="34" charset="0"/>
-              </a:rPr>
-              <a:t>have</a:t>
-            </a:r>
-            <a:r>
-              <a:rPr lang="hu-HU" sz="2800" dirty="0">
-                <a:latin typeface="Helvetica" panose="020B0604020202020204" pitchFamily="34" charset="0"/>
-                <a:cs typeface="Helvetica" panose="020B0604020202020204" pitchFamily="34" charset="0"/>
-              </a:rPr>
-              <a:t> </a:t>
-            </a:r>
-            <a:r>
-              <a:rPr lang="hu-HU" sz="2800" dirty="0" err="1">
-                <a:latin typeface="Helvetica" panose="020B0604020202020204" pitchFamily="34" charset="0"/>
-                <a:cs typeface="Helvetica" panose="020B0604020202020204" pitchFamily="34" charset="0"/>
-              </a:rPr>
-              <a:t>at</a:t>
-            </a:r>
-            <a:r>
-              <a:rPr lang="hu-HU" sz="2800" dirty="0">
-                <a:latin typeface="Helvetica" panose="020B0604020202020204" pitchFamily="34" charset="0"/>
-                <a:cs typeface="Helvetica" panose="020B0604020202020204" pitchFamily="34" charset="0"/>
-              </a:rPr>
-              <a:t> </a:t>
-            </a:r>
-            <a:r>
-              <a:rPr lang="hu-HU" sz="2800" dirty="0" err="1">
-                <a:latin typeface="Helvetica" panose="020B0604020202020204" pitchFamily="34" charset="0"/>
-                <a:cs typeface="Helvetica" panose="020B0604020202020204" pitchFamily="34" charset="0"/>
-              </a:rPr>
-              <a:t>least</a:t>
-            </a:r>
-            <a:r>
-              <a:rPr lang="hu-HU" sz="2800" dirty="0">
-                <a:latin typeface="Helvetica" panose="020B0604020202020204" pitchFamily="34" charset="0"/>
-                <a:cs typeface="Helvetica" panose="020B0604020202020204" pitchFamily="34" charset="0"/>
-              </a:rPr>
-              <a:t> </a:t>
-            </a:r>
-            <a:r>
-              <a:rPr lang="hu-HU" sz="2800" dirty="0" err="1">
-                <a:latin typeface="Helvetica" panose="020B0604020202020204" pitchFamily="34" charset="0"/>
-                <a:cs typeface="Helvetica" panose="020B0604020202020204" pitchFamily="34" charset="0"/>
-              </a:rPr>
-              <a:t>two</a:t>
-            </a:r>
-            <a:r>
-              <a:rPr lang="hu-HU" sz="2800" dirty="0">
-                <a:latin typeface="Helvetica" panose="020B0604020202020204" pitchFamily="34" charset="0"/>
-                <a:cs typeface="Helvetica" panose="020B0604020202020204" pitchFamily="34" charset="0"/>
-              </a:rPr>
-              <a:t> </a:t>
-            </a:r>
-            <a:r>
-              <a:rPr lang="hu-HU" sz="2800" dirty="0" err="1">
-                <a:latin typeface="Helvetica" panose="020B0604020202020204" pitchFamily="34" charset="0"/>
-                <a:cs typeface="Helvetica" panose="020B0604020202020204" pitchFamily="34" charset="0"/>
-              </a:rPr>
-              <a:t>mineless</a:t>
-            </a:r>
-            <a:r>
-              <a:rPr lang="hu-HU" sz="2800" dirty="0">
-                <a:latin typeface="Helvetica" panose="020B0604020202020204" pitchFamily="34" charset="0"/>
-                <a:cs typeface="Helvetica" panose="020B0604020202020204" pitchFamily="34" charset="0"/>
-              </a:rPr>
-              <a:t> </a:t>
-            </a:r>
-            <a:r>
-              <a:rPr lang="hu-HU" sz="2800" dirty="0" err="1">
-                <a:latin typeface="Helvetica" panose="020B0604020202020204" pitchFamily="34" charset="0"/>
-                <a:cs typeface="Helvetica" panose="020B0604020202020204" pitchFamily="34" charset="0"/>
-              </a:rPr>
-              <a:t>places</a:t>
-            </a:r>
-            <a:endParaRPr lang="hu-HU" sz="2800" dirty="0">
-              <a:latin typeface="Helvetica" panose="020B0604020202020204" pitchFamily="34" charset="0"/>
-              <a:cs typeface="Helvetica" panose="020B0604020202020204" pitchFamily="34" charset="0"/>
-            </a:endParaRPr>
-          </a:p>
-          <a:p>
-            <a:r>
-              <a:rPr lang="hu-HU" sz="2800" dirty="0">
-                <a:latin typeface="Helvetica" panose="020B0604020202020204" pitchFamily="34" charset="0"/>
-                <a:cs typeface="Helvetica" panose="020B0604020202020204" pitchFamily="34" charset="0"/>
-              </a:rPr>
-              <a:t>- in </a:t>
-            </a:r>
-            <a:r>
-              <a:rPr lang="hu-HU" sz="2800" dirty="0" err="1">
-                <a:latin typeface="Helvetica" panose="020B0604020202020204" pitchFamily="34" charset="0"/>
-                <a:cs typeface="Helvetica" panose="020B0604020202020204" pitchFamily="34" charset="0"/>
-              </a:rPr>
-              <a:t>case</a:t>
-            </a:r>
-            <a:r>
-              <a:rPr lang="hu-HU" sz="2800" dirty="0">
-                <a:latin typeface="Helvetica" panose="020B0604020202020204" pitchFamily="34" charset="0"/>
-                <a:cs typeface="Helvetica" panose="020B0604020202020204" pitchFamily="34" charset="0"/>
-              </a:rPr>
-              <a:t> of </a:t>
-            </a:r>
-            <a:r>
-              <a:rPr lang="hu-HU" sz="2800" dirty="0" err="1">
-                <a:latin typeface="Helvetica" panose="020B0604020202020204" pitchFamily="34" charset="0"/>
-                <a:cs typeface="Helvetica" panose="020B0604020202020204" pitchFamily="34" charset="0"/>
-              </a:rPr>
-              <a:t>death</a:t>
-            </a:r>
-            <a:r>
-              <a:rPr lang="hu-HU" sz="2800" dirty="0">
-                <a:latin typeface="Helvetica" panose="020B0604020202020204" pitchFamily="34" charset="0"/>
-                <a:cs typeface="Helvetica" panose="020B0604020202020204" pitchFamily="34" charset="0"/>
-              </a:rPr>
-              <a:t> </a:t>
-            </a:r>
-            <a:r>
-              <a:rPr lang="hu-HU" sz="2800" dirty="0" err="1">
-                <a:latin typeface="Helvetica" panose="020B0604020202020204" pitchFamily="34" charset="0"/>
-                <a:cs typeface="Helvetica" panose="020B0604020202020204" pitchFamily="34" charset="0"/>
-              </a:rPr>
-              <a:t>all</a:t>
-            </a:r>
-            <a:r>
-              <a:rPr lang="hu-HU" sz="2800" dirty="0">
-                <a:latin typeface="Helvetica" panose="020B0604020202020204" pitchFamily="34" charset="0"/>
-                <a:cs typeface="Helvetica" panose="020B0604020202020204" pitchFamily="34" charset="0"/>
-              </a:rPr>
-              <a:t> </a:t>
-            </a:r>
-            <a:r>
-              <a:rPr lang="hu-HU" sz="2800" dirty="0" err="1">
-                <a:latin typeface="Helvetica" panose="020B0604020202020204" pitchFamily="34" charset="0"/>
-                <a:cs typeface="Helvetica" panose="020B0604020202020204" pitchFamily="34" charset="0"/>
-              </a:rPr>
-              <a:t>mines</a:t>
-            </a:r>
-            <a:r>
-              <a:rPr lang="hu-HU" sz="2800" dirty="0">
-                <a:latin typeface="Helvetica" panose="020B0604020202020204" pitchFamily="34" charset="0"/>
-                <a:cs typeface="Helvetica" panose="020B0604020202020204" pitchFamily="34" charset="0"/>
-              </a:rPr>
-              <a:t> </a:t>
-            </a:r>
-            <a:r>
-              <a:rPr lang="hu-HU" sz="2800" dirty="0" err="1">
-                <a:latin typeface="Helvetica" panose="020B0604020202020204" pitchFamily="34" charset="0"/>
-                <a:cs typeface="Helvetica" panose="020B0604020202020204" pitchFamily="34" charset="0"/>
-              </a:rPr>
-              <a:t>become</a:t>
-            </a:r>
-            <a:r>
-              <a:rPr lang="hu-HU" sz="2800" dirty="0">
-                <a:latin typeface="Helvetica" panose="020B0604020202020204" pitchFamily="34" charset="0"/>
-                <a:cs typeface="Helvetica" panose="020B0604020202020204" pitchFamily="34" charset="0"/>
-              </a:rPr>
-              <a:t> </a:t>
-            </a:r>
-            <a:r>
-              <a:rPr lang="hu-HU" sz="2800" dirty="0" err="1">
-                <a:latin typeface="Helvetica" panose="020B0604020202020204" pitchFamily="34" charset="0"/>
-                <a:cs typeface="Helvetica" panose="020B0604020202020204" pitchFamily="34" charset="0"/>
-              </a:rPr>
-              <a:t>revealed</a:t>
-            </a:r>
-            <a:endParaRPr lang="hu-HU" sz="2800" dirty="0">
-              <a:latin typeface="Helvetica" panose="020B0604020202020204" pitchFamily="34" charset="0"/>
-              <a:cs typeface="Helvetica" panose="020B0604020202020204" pitchFamily="34" charset="0"/>
-            </a:endParaRPr>
-          </a:p>
-          <a:p>
-            <a:r>
-              <a:rPr lang="hu-HU" sz="2800" dirty="0">
-                <a:latin typeface="Helvetica" panose="020B0604020202020204" pitchFamily="34" charset="0"/>
-                <a:cs typeface="Helvetica" panose="020B0604020202020204" pitchFamily="34" charset="0"/>
-              </a:rPr>
-              <a:t>- </a:t>
-            </a:r>
-            <a:r>
-              <a:rPr lang="hu-HU" sz="2800" dirty="0" err="1">
-                <a:latin typeface="Helvetica" panose="020B0604020202020204" pitchFamily="34" charset="0"/>
-                <a:cs typeface="Helvetica" panose="020B0604020202020204" pitchFamily="34" charset="0"/>
-              </a:rPr>
-              <a:t>some</a:t>
-            </a:r>
-            <a:r>
-              <a:rPr lang="hu-HU" sz="2800" dirty="0">
-                <a:latin typeface="Helvetica" panose="020B0604020202020204" pitchFamily="34" charset="0"/>
-                <a:cs typeface="Helvetica" panose="020B0604020202020204" pitchFamily="34" charset="0"/>
-              </a:rPr>
-              <a:t> </a:t>
-            </a:r>
-            <a:r>
-              <a:rPr lang="hu-HU" sz="2800" dirty="0" err="1">
-                <a:latin typeface="Helvetica" panose="020B0604020202020204" pitchFamily="34" charset="0"/>
-                <a:cs typeface="Helvetica" panose="020B0604020202020204" pitchFamily="34" charset="0"/>
-              </a:rPr>
-              <a:t>customized</a:t>
-            </a:r>
-            <a:r>
-              <a:rPr lang="hu-HU" sz="2800" dirty="0">
-                <a:latin typeface="Helvetica" panose="020B0604020202020204" pitchFamily="34" charset="0"/>
-                <a:cs typeface="Helvetica" panose="020B0604020202020204" pitchFamily="34" charset="0"/>
-              </a:rPr>
-              <a:t> </a:t>
-            </a:r>
-            <a:r>
-              <a:rPr lang="hu-HU" sz="2800" dirty="0" err="1">
-                <a:latin typeface="Helvetica" panose="020B0604020202020204" pitchFamily="34" charset="0"/>
-                <a:cs typeface="Helvetica" panose="020B0604020202020204" pitchFamily="34" charset="0"/>
-              </a:rPr>
-              <a:t>values</a:t>
-            </a:r>
-            <a:r>
-              <a:rPr lang="hu-HU" sz="2800" dirty="0">
-                <a:latin typeface="Helvetica" panose="020B0604020202020204" pitchFamily="34" charset="0"/>
-                <a:cs typeface="Helvetica" panose="020B0604020202020204" pitchFamily="34" charset="0"/>
-              </a:rPr>
-              <a:t> </a:t>
-            </a:r>
-            <a:r>
-              <a:rPr lang="hu-HU" sz="2800" dirty="0" err="1">
-                <a:latin typeface="Helvetica" panose="020B0604020202020204" pitchFamily="34" charset="0"/>
-                <a:cs typeface="Helvetica" panose="020B0604020202020204" pitchFamily="34" charset="0"/>
-              </a:rPr>
-              <a:t>are</a:t>
-            </a:r>
-            <a:r>
-              <a:rPr lang="hu-HU" sz="2800" dirty="0">
-                <a:latin typeface="Helvetica" panose="020B0604020202020204" pitchFamily="34" charset="0"/>
-                <a:cs typeface="Helvetica" panose="020B0604020202020204" pitchFamily="34" charset="0"/>
-              </a:rPr>
-              <a:t> </a:t>
-            </a:r>
-            <a:r>
-              <a:rPr lang="hu-HU" sz="2800" dirty="0" err="1">
-                <a:latin typeface="Helvetica" panose="020B0604020202020204" pitchFamily="34" charset="0"/>
-                <a:cs typeface="Helvetica" panose="020B0604020202020204" pitchFamily="34" charset="0"/>
-              </a:rPr>
-              <a:t>held</a:t>
-            </a:r>
-            <a:r>
-              <a:rPr lang="hu-HU" sz="2800" dirty="0">
-                <a:latin typeface="Helvetica" panose="020B0604020202020204" pitchFamily="34" charset="0"/>
-                <a:cs typeface="Helvetica" panose="020B0604020202020204" pitchFamily="34" charset="0"/>
-              </a:rPr>
-              <a:t> in a </a:t>
-            </a:r>
-            <a:r>
-              <a:rPr lang="hu-HU" sz="2800" dirty="0" err="1">
-                <a:latin typeface="Helvetica" panose="020B0604020202020204" pitchFamily="34" charset="0"/>
-                <a:cs typeface="Helvetica" panose="020B0604020202020204" pitchFamily="34" charset="0"/>
-              </a:rPr>
-              <a:t>specific</a:t>
-            </a:r>
-            <a:r>
-              <a:rPr lang="hu-HU" sz="2800" dirty="0">
-                <a:latin typeface="Helvetica" panose="020B0604020202020204" pitchFamily="34" charset="0"/>
-                <a:cs typeface="Helvetica" panose="020B0604020202020204" pitchFamily="34" charset="0"/>
-              </a:rPr>
-              <a:t> </a:t>
-            </a:r>
-            <a:r>
-              <a:rPr lang="hu-HU" sz="2800" dirty="0" err="1">
-                <a:latin typeface="Helvetica" panose="020B0604020202020204" pitchFamily="34" charset="0"/>
-                <a:cs typeface="Helvetica" panose="020B0604020202020204" pitchFamily="34" charset="0"/>
-              </a:rPr>
-              <a:t>range</a:t>
-            </a:r>
-            <a:r>
-              <a:rPr lang="hu-HU" sz="2800" dirty="0">
-                <a:latin typeface="Helvetica" panose="020B0604020202020204" pitchFamily="34" charset="0"/>
-                <a:cs typeface="Helvetica" panose="020B0604020202020204" pitchFamily="34" charset="0"/>
-              </a:rPr>
-              <a:t> </a:t>
-            </a:r>
-            <a:r>
-              <a:rPr lang="hu-HU" sz="2800" dirty="0" err="1">
-                <a:latin typeface="Helvetica" panose="020B0604020202020204" pitchFamily="34" charset="0"/>
-                <a:cs typeface="Helvetica" panose="020B0604020202020204" pitchFamily="34" charset="0"/>
-              </a:rPr>
-              <a:t>to</a:t>
-            </a:r>
-            <a:r>
-              <a:rPr lang="hu-HU" sz="2800" dirty="0">
-                <a:latin typeface="Helvetica" panose="020B0604020202020204" pitchFamily="34" charset="0"/>
-                <a:cs typeface="Helvetica" panose="020B0604020202020204" pitchFamily="34" charset="0"/>
-              </a:rPr>
-              <a:t> </a:t>
-            </a:r>
-            <a:r>
-              <a:rPr lang="hu-HU" sz="2800" dirty="0" err="1">
-                <a:latin typeface="Helvetica" panose="020B0604020202020204" pitchFamily="34" charset="0"/>
-                <a:cs typeface="Helvetica" panose="020B0604020202020204" pitchFamily="34" charset="0"/>
-              </a:rPr>
-              <a:t>prevent</a:t>
-            </a:r>
-            <a:r>
-              <a:rPr lang="hu-HU" sz="2800" dirty="0">
-                <a:latin typeface="Helvetica" panose="020B0604020202020204" pitchFamily="34" charset="0"/>
-                <a:cs typeface="Helvetica" panose="020B0604020202020204" pitchFamily="34" charset="0"/>
-              </a:rPr>
-              <a:t> </a:t>
-            </a:r>
-            <a:r>
-              <a:rPr lang="hu-HU" sz="2800" dirty="0" err="1">
-                <a:latin typeface="Helvetica" panose="020B0604020202020204" pitchFamily="34" charset="0"/>
-                <a:cs typeface="Helvetica" panose="020B0604020202020204" pitchFamily="34" charset="0"/>
-              </a:rPr>
-              <a:t>possible</a:t>
-            </a:r>
-            <a:r>
-              <a:rPr lang="hu-HU" sz="2800" dirty="0">
-                <a:latin typeface="Helvetica" panose="020B0604020202020204" pitchFamily="34" charset="0"/>
-                <a:cs typeface="Helvetica" panose="020B0604020202020204" pitchFamily="34" charset="0"/>
-              </a:rPr>
-              <a:t> </a:t>
-            </a:r>
-            <a:r>
-              <a:rPr lang="hu-HU" sz="2800" dirty="0" err="1">
-                <a:latin typeface="Helvetica" panose="020B0604020202020204" pitchFamily="34" charset="0"/>
-                <a:cs typeface="Helvetica" panose="020B0604020202020204" pitchFamily="34" charset="0"/>
-              </a:rPr>
-              <a:t>crashes</a:t>
+              <a:t>- some customized values are held in a specific range to prevent possible crashes</a:t>
             </a:r>
             <a:endParaRPr lang="en-GB" sz="2800" dirty="0">
               <a:latin typeface="Helvetica" panose="020B0604020202020204" pitchFamily="34" charset="0"/>
               <a:cs typeface="Helvetica" panose="020B0604020202020204" pitchFamily="34" charset="0"/>
             </a:endParaRPr>
+          </a:p>
+        </p:txBody>
+      </p:sp>
+      <p:sp>
+        <p:nvSpPr>
+          <p:cNvPr id="4" name="Dátum helye 3">
+            <a:extLst>
+              <a:ext uri="{FF2B5EF4-FFF2-40B4-BE49-F238E27FC236}">
+                <a16:creationId xmlns:a16="http://schemas.microsoft.com/office/drawing/2014/main" id="{D6C4CFE2-8504-4689-8731-2220292B89A7}"/>
+              </a:ext>
+            </a:extLst>
+          </p:cNvPr>
+          <p:cNvSpPr>
+            <a:spLocks noGrp="1"/>
+          </p:cNvSpPr>
+          <p:nvPr>
+            <p:ph type="dt" sz="half" idx="10"/>
+          </p:nvPr>
+        </p:nvSpPr>
+        <p:spPr/>
+        <p:txBody>
+          <a:bodyPr/>
+          <a:lstStyle/>
+          <a:p>
+            <a:r>
+              <a:rPr lang="en-US"/>
+              <a:t>15/09/2017</a:t>
+            </a:r>
+            <a:endParaRPr lang="en-GB" dirty="0"/>
+          </a:p>
+        </p:txBody>
+      </p:sp>
+      <p:sp>
+        <p:nvSpPr>
+          <p:cNvPr id="5" name="Dia számának helye 4">
+            <a:extLst>
+              <a:ext uri="{FF2B5EF4-FFF2-40B4-BE49-F238E27FC236}">
+                <a16:creationId xmlns:a16="http://schemas.microsoft.com/office/drawing/2014/main" id="{CB1D1943-0FAB-4B58-8749-9354736173B6}"/>
+              </a:ext>
+            </a:extLst>
+          </p:cNvPr>
+          <p:cNvSpPr>
+            <a:spLocks noGrp="1"/>
+          </p:cNvSpPr>
+          <p:nvPr>
+            <p:ph type="sldNum" sz="quarter" idx="12"/>
+          </p:nvPr>
+        </p:nvSpPr>
+        <p:spPr/>
+        <p:txBody>
+          <a:bodyPr/>
+          <a:lstStyle/>
+          <a:p>
+            <a:fld id="{6E193381-6D78-40E2-84A6-22D11D0AB334}" type="slidenum">
+              <a:rPr lang="en-GB" smtClean="0"/>
+              <a:t>5</a:t>
+            </a:fld>
+            <a:endParaRPr lang="en-GB" dirty="0"/>
           </a:p>
         </p:txBody>
       </p:sp>
@@ -5807,18 +5478,11 @@
           <a:lstStyle/>
           <a:p>
             <a:r>
-              <a:rPr lang="hu-HU" dirty="0" err="1">
-                <a:latin typeface="Helvetica" panose="020B0604020202020204" pitchFamily="34" charset="0"/>
-                <a:cs typeface="Helvetica" panose="020B0604020202020204" pitchFamily="34" charset="0"/>
-              </a:rPr>
-              <a:t>Minesweeper</a:t>
-            </a:r>
-            <a:r>
               <a:rPr lang="hu-HU" dirty="0">
                 <a:latin typeface="Helvetica" panose="020B0604020202020204" pitchFamily="34" charset="0"/>
                 <a:cs typeface="Helvetica" panose="020B0604020202020204" pitchFamily="34" charset="0"/>
               </a:rPr>
-              <a:t> project</a:t>
+              <a:t>Minesweeper project</a:t>
             </a:r>
             <a:endParaRPr lang="en-GB" dirty="0">
               <a:latin typeface="Helvetica" panose="020B0604020202020204" pitchFamily="34" charset="0"/>
@@ -5860,140 +5524,7 @@
                 <a:latin typeface="Helvetica" panose="020B0604020202020204" pitchFamily="34" charset="0"/>
                 <a:cs typeface="Helvetica" panose="020B0604020202020204" pitchFamily="34" charset="0"/>
               </a:rPr>
-              <a:t>The </a:t>
-            </a:r>
-            <a:r>
-              <a:rPr lang="hu-HU" sz="2800" dirty="0" err="1">
-                <a:latin typeface="Helvetica" panose="020B0604020202020204" pitchFamily="34" charset="0"/>
-                <a:cs typeface="Helvetica" panose="020B0604020202020204" pitchFamily="34" charset="0"/>
-              </a:rPr>
-              <a:t>first</a:t>
-            </a:r>
-            <a:r>
-              <a:rPr lang="hu-HU" sz="2800" dirty="0">
-                <a:latin typeface="Helvetica" panose="020B0604020202020204" pitchFamily="34" charset="0"/>
-                <a:cs typeface="Helvetica" panose="020B0604020202020204" pitchFamily="34" charset="0"/>
-              </a:rPr>
-              <a:t> </a:t>
-            </a:r>
-            <a:r>
-              <a:rPr lang="hu-HU" sz="2800" dirty="0" err="1">
-                <a:latin typeface="Helvetica" panose="020B0604020202020204" pitchFamily="34" charset="0"/>
-                <a:cs typeface="Helvetica" panose="020B0604020202020204" pitchFamily="34" charset="0"/>
-              </a:rPr>
-              <a:t>pair</a:t>
-            </a:r>
-            <a:r>
-              <a:rPr lang="hu-HU" sz="2800" dirty="0">
-                <a:latin typeface="Helvetica" panose="020B0604020202020204" pitchFamily="34" charset="0"/>
-                <a:cs typeface="Helvetica" panose="020B0604020202020204" pitchFamily="34" charset="0"/>
-              </a:rPr>
-              <a:t> of </a:t>
-            </a:r>
-            <a:r>
-              <a:rPr lang="hu-HU" sz="2800" dirty="0" err="1">
-                <a:latin typeface="Helvetica" panose="020B0604020202020204" pitchFamily="34" charset="0"/>
-                <a:cs typeface="Helvetica" panose="020B0604020202020204" pitchFamily="34" charset="0"/>
-              </a:rPr>
-              <a:t>coordinates</a:t>
-            </a:r>
-            <a:r>
-              <a:rPr lang="hu-HU" sz="2800" dirty="0">
-                <a:latin typeface="Helvetica" panose="020B0604020202020204" pitchFamily="34" charset="0"/>
-                <a:cs typeface="Helvetica" panose="020B0604020202020204" pitchFamily="34" charset="0"/>
-              </a:rPr>
-              <a:t> </a:t>
-            </a:r>
-            <a:r>
-              <a:rPr lang="hu-HU" sz="2800" dirty="0" err="1">
-                <a:latin typeface="Helvetica" panose="020B0604020202020204" pitchFamily="34" charset="0"/>
-                <a:cs typeface="Helvetica" panose="020B0604020202020204" pitchFamily="34" charset="0"/>
-              </a:rPr>
-              <a:t>are</a:t>
-            </a:r>
-            <a:r>
-              <a:rPr lang="hu-HU" sz="2800" dirty="0">
-                <a:latin typeface="Helvetica" panose="020B0604020202020204" pitchFamily="34" charset="0"/>
-                <a:cs typeface="Helvetica" panose="020B0604020202020204" pitchFamily="34" charset="0"/>
-              </a:rPr>
-              <a:t> </a:t>
-            </a:r>
-            <a:r>
-              <a:rPr lang="hu-HU" sz="2800" dirty="0" err="1">
-                <a:latin typeface="Helvetica" panose="020B0604020202020204" pitchFamily="34" charset="0"/>
-                <a:cs typeface="Helvetica" panose="020B0604020202020204" pitchFamily="34" charset="0"/>
-              </a:rPr>
-              <a:t>given</a:t>
-            </a:r>
-            <a:r>
-              <a:rPr lang="hu-HU" sz="2800" dirty="0">
-                <a:latin typeface="Helvetica" panose="020B0604020202020204" pitchFamily="34" charset="0"/>
-                <a:cs typeface="Helvetica" panose="020B0604020202020204" pitchFamily="34" charset="0"/>
-              </a:rPr>
-              <a:t> </a:t>
-            </a:r>
-            <a:r>
-              <a:rPr lang="hu-HU" sz="2800" dirty="0" err="1">
-                <a:latin typeface="Helvetica" panose="020B0604020202020204" pitchFamily="34" charset="0"/>
-                <a:cs typeface="Helvetica" panose="020B0604020202020204" pitchFamily="34" charset="0"/>
-              </a:rPr>
-              <a:t>before</a:t>
-            </a:r>
-            <a:r>
-              <a:rPr lang="hu-HU" sz="2800" dirty="0">
-                <a:latin typeface="Helvetica" panose="020B0604020202020204" pitchFamily="34" charset="0"/>
-                <a:cs typeface="Helvetica" panose="020B0604020202020204" pitchFamily="34" charset="0"/>
-              </a:rPr>
-              <a:t> </a:t>
-            </a:r>
-            <a:r>
-              <a:rPr lang="hu-HU" sz="2800" dirty="0" err="1">
-                <a:latin typeface="Helvetica" panose="020B0604020202020204" pitchFamily="34" charset="0"/>
-                <a:cs typeface="Helvetica" panose="020B0604020202020204" pitchFamily="34" charset="0"/>
-              </a:rPr>
-              <a:t>the</a:t>
-            </a:r>
-            <a:r>
-              <a:rPr lang="hu-HU" sz="2800" dirty="0">
-                <a:latin typeface="Helvetica" panose="020B0604020202020204" pitchFamily="34" charset="0"/>
-                <a:cs typeface="Helvetica" panose="020B0604020202020204" pitchFamily="34" charset="0"/>
-              </a:rPr>
-              <a:t> </a:t>
-            </a:r>
-            <a:r>
-              <a:rPr lang="hu-HU" sz="2800" dirty="0" err="1">
-                <a:latin typeface="Helvetica" panose="020B0604020202020204" pitchFamily="34" charset="0"/>
-                <a:cs typeface="Helvetica" panose="020B0604020202020204" pitchFamily="34" charset="0"/>
-              </a:rPr>
-              <a:t>mines</a:t>
-            </a:r>
-            <a:r>
-              <a:rPr lang="hu-HU" sz="2800" dirty="0">
-                <a:latin typeface="Helvetica" panose="020B0604020202020204" pitchFamily="34" charset="0"/>
-                <a:cs typeface="Helvetica" panose="020B0604020202020204" pitchFamily="34" charset="0"/>
-              </a:rPr>
-              <a:t> </a:t>
-            </a:r>
-            <a:r>
-              <a:rPr lang="hu-HU" sz="2800" dirty="0" err="1">
-                <a:latin typeface="Helvetica" panose="020B0604020202020204" pitchFamily="34" charset="0"/>
-                <a:cs typeface="Helvetica" panose="020B0604020202020204" pitchFamily="34" charset="0"/>
-              </a:rPr>
-              <a:t>are</a:t>
-            </a:r>
-            <a:r>
-              <a:rPr lang="hu-HU" sz="2800" dirty="0">
-                <a:latin typeface="Helvetica" panose="020B0604020202020204" pitchFamily="34" charset="0"/>
-                <a:cs typeface="Helvetica" panose="020B0604020202020204" pitchFamily="34" charset="0"/>
-              </a:rPr>
-              <a:t> </a:t>
-            </a:r>
-            <a:r>
-              <a:rPr lang="hu-HU" sz="2800" dirty="0" err="1">
-                <a:latin typeface="Helvetica" panose="020B0604020202020204" pitchFamily="34" charset="0"/>
-                <a:cs typeface="Helvetica" panose="020B0604020202020204" pitchFamily="34" charset="0"/>
-              </a:rPr>
-              <a:t>placed</a:t>
+              <a:t>The first pair of coordinates are given before the mines are placed</a:t>
             </a:r>
             <a:endParaRPr lang="en-GB" sz="2800" dirty="0">
               <a:latin typeface="Helvetica" panose="020B0604020202020204" pitchFamily="34" charset="0"/>
@@ -6062,6 +5593,64 @@
           </a:prstGeom>
         </p:spPr>
       </p:pic>
+      <p:sp>
+        <p:nvSpPr>
+          <p:cNvPr id="8" name="Dátum helye 7">
+            <a:extLst>
+              <a:ext uri="{FF2B5EF4-FFF2-40B4-BE49-F238E27FC236}">
+                <a16:creationId xmlns:a16="http://schemas.microsoft.com/office/drawing/2014/main" id="{A4259C8C-92CB-4D45-8C7D-346FCCD463D5}"/>
+              </a:ext>
+            </a:extLst>
+          </p:cNvPr>
+          <p:cNvSpPr>
+            <a:spLocks noGrp="1"/>
+          </p:cNvSpPr>
+          <p:nvPr>
+            <p:ph type="dt" sz="half" idx="10"/>
+          </p:nvPr>
+        </p:nvSpPr>
+        <p:spPr/>
+        <p:txBody>
+          <a:bodyPr/>
+          <a:lstStyle/>
+          <a:p>
+            <a:r>
+              <a:rPr lang="en-US"/>
+              <a:t>15/09/2017</a:t>
+            </a:r>
+            <a:endParaRPr lang="en-GB" dirty="0"/>
+          </a:p>
+        </p:txBody>
+      </p:sp>
+      <p:sp>
+        <p:nvSpPr>
+          <p:cNvPr id="9" name="Dia számának helye 8">
+            <a:extLst>
+              <a:ext uri="{FF2B5EF4-FFF2-40B4-BE49-F238E27FC236}">
+                <a16:creationId xmlns:a16="http://schemas.microsoft.com/office/drawing/2014/main" id="{7ED06F6B-2878-4EF0-B75F-FAF3446ED777}"/>
+              </a:ext>
+            </a:extLst>
+          </p:cNvPr>
+          <p:cNvSpPr>
+            <a:spLocks noGrp="1"/>
+          </p:cNvSpPr>
+          <p:nvPr>
+            <p:ph type="sldNum" sz="quarter" idx="12"/>
+          </p:nvPr>
+        </p:nvSpPr>
+        <p:spPr/>
+        <p:txBody>
+          <a:bodyPr/>
+          <a:lstStyle/>
+          <a:p>
+            <a:fld id="{6E193381-6D78-40E2-84A6-22D11D0AB334}" type="slidenum">
+              <a:rPr lang="en-GB" smtClean="0"/>
+              <a:t>6</a:t>
+            </a:fld>
+            <a:endParaRPr lang="en-GB" dirty="0"/>
+          </a:p>
+        </p:txBody>
+      </p:sp>
     </p:spTree>
     <p:extLst>
       <p:ext uri="{BB962C8B-B14F-4D97-AF65-F5344CB8AC3E}">
@@ -6114,18 +5703,11 @@
           <a:lstStyle/>
           <a:p>
             <a:r>
-              <a:rPr lang="hu-HU" dirty="0" err="1">
-                <a:latin typeface="Helvetica" panose="020B0604020202020204" pitchFamily="34" charset="0"/>
-                <a:cs typeface="Helvetica" panose="020B0604020202020204" pitchFamily="34" charset="0"/>
-              </a:rPr>
-              <a:t>Minesweeper</a:t>
-            </a:r>
-            <a:r>
               <a:rPr lang="hu-HU" dirty="0">
                 <a:latin typeface="Helvetica" panose="020B0604020202020204" pitchFamily="34" charset="0"/>
                 <a:cs typeface="Helvetica" panose="020B0604020202020204" pitchFamily="34" charset="0"/>
               </a:rPr>
-              <a:t> project</a:t>
+              <a:t>Minesweeper project</a:t>
             </a:r>
             <a:endParaRPr lang="en-GB" dirty="0">
               <a:latin typeface="Helvetica" panose="020B0604020202020204" pitchFamily="34" charset="0"/>
@@ -6163,292 +5745,43 @@
           <a:lstStyle/>
           <a:p>
             <a:r>
-              <a:rPr lang="hu-HU" sz="3200" dirty="0" err="1">
-                <a:latin typeface="Helvetica" panose="020B0604020202020204" pitchFamily="34" charset="0"/>
-                <a:cs typeface="Helvetica" panose="020B0604020202020204" pitchFamily="34" charset="0"/>
-              </a:rPr>
-              <a:t>Further</a:t>
-            </a:r>
-            <a:r>
               <a:rPr lang="hu-HU" sz="3200" dirty="0">
                 <a:latin typeface="Helvetica" panose="020B0604020202020204" pitchFamily="34" charset="0"/>
                 <a:cs typeface="Helvetica" panose="020B0604020202020204" pitchFamily="34" charset="0"/>
               </a:rPr>
-              <a:t> </a:t>
-            </a:r>
-            <a:r>
-              <a:rPr lang="hu-HU" sz="3200" dirty="0" err="1">
-                <a:latin typeface="Helvetica" panose="020B0604020202020204" pitchFamily="34" charset="0"/>
-                <a:cs typeface="Helvetica" panose="020B0604020202020204" pitchFamily="34" charset="0"/>
-              </a:rPr>
-              <a:t>plans</a:t>
-            </a:r>
+              <a:t>Further plans:</a:t>
+            </a:r>
+          </a:p>
+          <a:p>
             <a:r>
               <a:rPr lang="hu-HU" sz="3200" dirty="0">
                 <a:latin typeface="Helvetica" panose="020B0604020202020204" pitchFamily="34" charset="0"/>
                 <a:cs typeface="Helvetica" panose="020B0604020202020204" pitchFamily="34" charset="0"/>
               </a:rPr>
-              <a:t>:</a:t>
-            </a:r>
-          </a:p>
-          <a:p>
+              <a:t>- making more features in the game, making it safer for (or </a:t>
+            </a:r>
+            <a:r>
+              <a:rPr lang="hu-HU" sz="3200" i="1" dirty="0">
+                <a:latin typeface="Helvetica" panose="020B0604020202020204" pitchFamily="34" charset="0"/>
+                <a:cs typeface="Helvetica" panose="020B0604020202020204" pitchFamily="34" charset="0"/>
+              </a:rPr>
+              <a:t>from</a:t>
+            </a:r>
             <a:r>
               <a:rPr lang="hu-HU" sz="3200" dirty="0">
                 <a:latin typeface="Helvetica" panose="020B0604020202020204" pitchFamily="34" charset="0"/>
                 <a:cs typeface="Helvetica" panose="020B0604020202020204" pitchFamily="34" charset="0"/>
               </a:rPr>
-              <a:t>- </a:t>
-            </a:r>
-            <a:r>
-              <a:rPr lang="hu-HU" sz="3200" dirty="0" err="1">
-                <a:latin typeface="Helvetica" panose="020B0604020202020204" pitchFamily="34" charset="0"/>
-                <a:cs typeface="Helvetica" panose="020B0604020202020204" pitchFamily="34" charset="0"/>
-              </a:rPr>
-              <a:t>making</a:t>
-            </a:r>
+              <a:t>) users</a:t>
+            </a:r>
+          </a:p>
+          <a:p>
             <a:r>
               <a:rPr lang="hu-HU" sz="3200" dirty="0">
                 <a:latin typeface="Helvetica" panose="020B0604020202020204" pitchFamily="34" charset="0"/>
                 <a:cs typeface="Helvetica" panose="020B0604020202020204" pitchFamily="34" charset="0"/>
               </a:rPr>
-              <a:t> more </a:t>
-            </a:r>
-            <a:r>
-              <a:rPr lang="hu-HU" sz="3200" dirty="0" err="1">
-                <a:latin typeface="Helvetica" panose="020B0604020202020204" pitchFamily="34" charset="0"/>
-                <a:cs typeface="Helvetica" panose="020B0604020202020204" pitchFamily="34" charset="0"/>
-              </a:rPr>
-              <a:t>features</a:t>
-            </a:r>
-            <a:r>
-              <a:rPr lang="hu-HU" sz="3200" dirty="0">
-                <a:latin typeface="Helvetica" panose="020B0604020202020204" pitchFamily="34" charset="0"/>
-                <a:cs typeface="Helvetica" panose="020B0604020202020204" pitchFamily="34" charset="0"/>
-              </a:rPr>
-              <a:t> in </a:t>
-            </a:r>
-            <a:r>
-              <a:rPr lang="hu-HU" sz="3200" dirty="0" err="1">
-                <a:latin typeface="Helvetica" panose="020B0604020202020204" pitchFamily="34" charset="0"/>
-                <a:cs typeface="Helvetica" panose="020B0604020202020204" pitchFamily="34" charset="0"/>
-              </a:rPr>
-              <a:t>the</a:t>
-            </a:r>
-            <a:r>
-              <a:rPr lang="hu-HU" sz="3200" dirty="0">
-                <a:latin typeface="Helvetica" panose="020B0604020202020204" pitchFamily="34" charset="0"/>
-                <a:cs typeface="Helvetica" panose="020B0604020202020204" pitchFamily="34" charset="0"/>
-              </a:rPr>
-              <a:t> game, </a:t>
-            </a:r>
-            <a:r>
-              <a:rPr lang="hu-HU" sz="3200" dirty="0" err="1">
-                <a:latin typeface="Helvetica" panose="020B0604020202020204" pitchFamily="34" charset="0"/>
-                <a:cs typeface="Helvetica" panose="020B0604020202020204" pitchFamily="34" charset="0"/>
-              </a:rPr>
-              <a:t>making</a:t>
-            </a:r>
-            <a:r>
-              <a:rPr lang="hu-HU" sz="3200" dirty="0">
-                <a:latin typeface="Helvetica" panose="020B0604020202020204" pitchFamily="34" charset="0"/>
-                <a:cs typeface="Helvetica" panose="020B0604020202020204" pitchFamily="34" charset="0"/>
-              </a:rPr>
-              <a:t> </a:t>
-            </a:r>
-            <a:r>
-              <a:rPr lang="hu-HU" sz="3200" dirty="0" err="1">
-                <a:latin typeface="Helvetica" panose="020B0604020202020204" pitchFamily="34" charset="0"/>
-                <a:cs typeface="Helvetica" panose="020B0604020202020204" pitchFamily="34" charset="0"/>
-              </a:rPr>
-              <a:t>it</a:t>
-            </a:r>
-            <a:r>
-              <a:rPr lang="hu-HU" sz="3200" dirty="0">
-                <a:latin typeface="Helvetica" panose="020B0604020202020204" pitchFamily="34" charset="0"/>
-                <a:cs typeface="Helvetica" panose="020B0604020202020204" pitchFamily="34" charset="0"/>
-              </a:rPr>
-              <a:t> </a:t>
-            </a:r>
-            <a:r>
-              <a:rPr lang="hu-HU" sz="3200" dirty="0" err="1">
-                <a:latin typeface="Helvetica" panose="020B0604020202020204" pitchFamily="34" charset="0"/>
-                <a:cs typeface="Helvetica" panose="020B0604020202020204" pitchFamily="34" charset="0"/>
-              </a:rPr>
-              <a:t>safer</a:t>
-            </a:r>
-            <a:r>
-              <a:rPr lang="hu-HU" sz="3200" dirty="0">
-                <a:latin typeface="Helvetica" panose="020B0604020202020204" pitchFamily="34" charset="0"/>
-                <a:cs typeface="Helvetica" panose="020B0604020202020204" pitchFamily="34" charset="0"/>
-              </a:rPr>
-              <a:t> </a:t>
-            </a:r>
-            <a:r>
-              <a:rPr lang="hu-HU" sz="3200" dirty="0" err="1">
-                <a:latin typeface="Helvetica" panose="020B0604020202020204" pitchFamily="34" charset="0"/>
-                <a:cs typeface="Helvetica" panose="020B0604020202020204" pitchFamily="34" charset="0"/>
-              </a:rPr>
-              <a:t>for</a:t>
-            </a:r>
-            <a:r>
-              <a:rPr lang="hu-HU" sz="3200" dirty="0">
-                <a:latin typeface="Helvetica" panose="020B0604020202020204" pitchFamily="34" charset="0"/>
-                <a:cs typeface="Helvetica" panose="020B0604020202020204" pitchFamily="34" charset="0"/>
-              </a:rPr>
-              <a:t> (</a:t>
-            </a:r>
-            <a:r>
-              <a:rPr lang="hu-HU" sz="3200" dirty="0" err="1">
-                <a:latin typeface="Helvetica" panose="020B0604020202020204" pitchFamily="34" charset="0"/>
-                <a:cs typeface="Helvetica" panose="020B0604020202020204" pitchFamily="34" charset="0"/>
-              </a:rPr>
-              <a:t>or</a:t>
-            </a:r>
-            <a:r>
-              <a:rPr lang="hu-HU" sz="3200" dirty="0">
-                <a:latin typeface="Helvetica" panose="020B0604020202020204" pitchFamily="34" charset="0"/>
-                <a:cs typeface="Helvetica" panose="020B0604020202020204" pitchFamily="34" charset="0"/>
-              </a:rPr>
-              <a:t> </a:t>
-            </a:r>
-            <a:r>
-              <a:rPr lang="hu-HU" sz="3200" i="1" dirty="0" err="1">
-                <a:latin typeface="Helvetica" panose="020B0604020202020204" pitchFamily="34" charset="0"/>
-                <a:cs typeface="Helvetica" panose="020B0604020202020204" pitchFamily="34" charset="0"/>
-              </a:rPr>
-              <a:t>from</a:t>
-            </a:r>
-            <a:r>
-              <a:rPr lang="hu-HU" sz="3200" dirty="0">
-                <a:latin typeface="Helvetica" panose="020B0604020202020204" pitchFamily="34" charset="0"/>
-                <a:cs typeface="Helvetica" panose="020B0604020202020204" pitchFamily="34" charset="0"/>
-              </a:rPr>
-              <a:t>) </a:t>
-            </a:r>
-            <a:r>
-              <a:rPr lang="hu-HU" sz="3200" dirty="0" err="1">
-                <a:latin typeface="Helvetica" panose="020B0604020202020204" pitchFamily="34" charset="0"/>
-                <a:cs typeface="Helvetica" panose="020B0604020202020204" pitchFamily="34" charset="0"/>
-              </a:rPr>
-              <a:t>users</a:t>
-            </a:r>
-            <a:endParaRPr lang="hu-HU" sz="3200" dirty="0">
-              <a:latin typeface="Helvetica" panose="020B0604020202020204" pitchFamily="34" charset="0"/>
-              <a:cs typeface="Helvetica" panose="020B0604020202020204" pitchFamily="34" charset="0"/>
-            </a:endParaRPr>
-          </a:p>
-          <a:p>
-            <a:r>
-              <a:rPr lang="hu-HU" sz="3200" dirty="0">
-                <a:latin typeface="Helvetica" panose="020B0604020202020204" pitchFamily="34" charset="0"/>
-                <a:cs typeface="Helvetica" panose="020B0604020202020204" pitchFamily="34" charset="0"/>
-              </a:rPr>
-              <a:t>- </a:t>
-            </a:r>
-            <a:r>
-              <a:rPr lang="hu-HU" sz="3200" dirty="0" err="1">
-                <a:latin typeface="Helvetica" panose="020B0604020202020204" pitchFamily="34" charset="0"/>
-                <a:cs typeface="Helvetica" panose="020B0604020202020204" pitchFamily="34" charset="0"/>
-              </a:rPr>
-              <a:t>evolving</a:t>
-            </a:r>
-            <a:r>
-              <a:rPr lang="hu-HU" sz="3200" dirty="0">
-                <a:latin typeface="Helvetica" panose="020B0604020202020204" pitchFamily="34" charset="0"/>
-                <a:cs typeface="Helvetica" panose="020B0604020202020204" pitchFamily="34" charset="0"/>
-              </a:rPr>
-              <a:t> </a:t>
-            </a:r>
-            <a:r>
-              <a:rPr lang="hu-HU" sz="3200" dirty="0" err="1">
-                <a:latin typeface="Helvetica" panose="020B0604020202020204" pitchFamily="34" charset="0"/>
-                <a:cs typeface="Helvetica" panose="020B0604020202020204" pitchFamily="34" charset="0"/>
-              </a:rPr>
-              <a:t>the</a:t>
-            </a:r>
-            <a:r>
-              <a:rPr lang="hu-HU" sz="3200" dirty="0">
-                <a:latin typeface="Helvetica" panose="020B0604020202020204" pitchFamily="34" charset="0"/>
-                <a:cs typeface="Helvetica" panose="020B0604020202020204" pitchFamily="34" charset="0"/>
-              </a:rPr>
-              <a:t> game in </a:t>
-            </a:r>
-            <a:r>
-              <a:rPr lang="hu-HU" sz="3200" dirty="0" err="1">
-                <a:latin typeface="Helvetica" panose="020B0604020202020204" pitchFamily="34" charset="0"/>
-                <a:cs typeface="Helvetica" panose="020B0604020202020204" pitchFamily="34" charset="0"/>
-              </a:rPr>
-              <a:t>the</a:t>
-            </a:r>
-            <a:r>
-              <a:rPr lang="hu-HU" sz="3200" dirty="0">
-                <a:latin typeface="Helvetica" panose="020B0604020202020204" pitchFamily="34" charset="0"/>
-                <a:cs typeface="Helvetica" panose="020B0604020202020204" pitchFamily="34" charset="0"/>
-              </a:rPr>
-              <a:t> </a:t>
-            </a:r>
-            <a:r>
-              <a:rPr lang="hu-HU" sz="3200" dirty="0" err="1">
-                <a:latin typeface="Helvetica" panose="020B0604020202020204" pitchFamily="34" charset="0"/>
-                <a:cs typeface="Helvetica" panose="020B0604020202020204" pitchFamily="34" charset="0"/>
-              </a:rPr>
-              <a:t>next</a:t>
-            </a:r>
-            <a:r>
-              <a:rPr lang="hu-HU" sz="3200" dirty="0">
-                <a:latin typeface="Helvetica" panose="020B0604020202020204" pitchFamily="34" charset="0"/>
-                <a:cs typeface="Helvetica" panose="020B0604020202020204" pitchFamily="34" charset="0"/>
-              </a:rPr>
-              <a:t> </a:t>
-            </a:r>
-            <a:r>
-              <a:rPr lang="hu-HU" sz="3200" dirty="0" err="1">
-                <a:latin typeface="Helvetica" panose="020B0604020202020204" pitchFamily="34" charset="0"/>
-                <a:cs typeface="Helvetica" panose="020B0604020202020204" pitchFamily="34" charset="0"/>
-              </a:rPr>
-              <a:t>weeks</a:t>
-            </a:r>
-            <a:r>
-              <a:rPr lang="hu-HU" sz="3200" dirty="0">
-                <a:latin typeface="Helvetica" panose="020B0604020202020204" pitchFamily="34" charset="0"/>
-                <a:cs typeface="Helvetica" panose="020B0604020202020204" pitchFamily="34" charset="0"/>
-              </a:rPr>
-              <a:t> </a:t>
-            </a:r>
-            <a:r>
-              <a:rPr lang="hu-HU" sz="3200" dirty="0" err="1">
-                <a:latin typeface="Helvetica" panose="020B0604020202020204" pitchFamily="34" charset="0"/>
-                <a:cs typeface="Helvetica" panose="020B0604020202020204" pitchFamily="34" charset="0"/>
-              </a:rPr>
-              <a:t>with</a:t>
-            </a:r>
-            <a:r>
-              <a:rPr lang="hu-HU" sz="3200" dirty="0">
-                <a:latin typeface="Helvetica" panose="020B0604020202020204" pitchFamily="34" charset="0"/>
-                <a:cs typeface="Helvetica" panose="020B0604020202020204" pitchFamily="34" charset="0"/>
-              </a:rPr>
-              <a:t> </a:t>
-            </a:r>
-            <a:r>
-              <a:rPr lang="hu-HU" sz="3200" dirty="0" err="1">
-                <a:latin typeface="Helvetica" panose="020B0604020202020204" pitchFamily="34" charset="0"/>
-                <a:cs typeface="Helvetica" panose="020B0604020202020204" pitchFamily="34" charset="0"/>
-              </a:rPr>
-              <a:t>new</a:t>
-            </a:r>
-            <a:r>
-              <a:rPr lang="hu-HU" sz="3200" dirty="0">
-                <a:latin typeface="Helvetica" panose="020B0604020202020204" pitchFamily="34" charset="0"/>
-                <a:cs typeface="Helvetica" panose="020B0604020202020204" pitchFamily="34" charset="0"/>
-              </a:rPr>
-              <a:t> </a:t>
-            </a:r>
-            <a:r>
-              <a:rPr lang="hu-HU" sz="3200" dirty="0" err="1">
-                <a:latin typeface="Helvetica" panose="020B0604020202020204" pitchFamily="34" charset="0"/>
-                <a:cs typeface="Helvetica" panose="020B0604020202020204" pitchFamily="34" charset="0"/>
-              </a:rPr>
-              <a:t>methods</a:t>
+              <a:t>- evolving the game in the next weeks with new methods</a:t>
             </a:r>
             <a:endParaRPr lang="en-GB" sz="3200" dirty="0">
               <a:latin typeface="Helvetica" panose="020B0604020202020204" pitchFamily="34" charset="0"/>
@@ -6504,6 +5837,64 @@
           </a:extLst>
         </p:spPr>
       </p:pic>
+      <p:sp>
+        <p:nvSpPr>
+          <p:cNvPr id="5" name="Dátum helye 4">
+            <a:extLst>
+              <a:ext uri="{FF2B5EF4-FFF2-40B4-BE49-F238E27FC236}">
+                <a16:creationId xmlns:a16="http://schemas.microsoft.com/office/drawing/2014/main" id="{CAB7F43C-A467-4E97-A59A-9C8E3883361D}"/>
+              </a:ext>
+            </a:extLst>
+          </p:cNvPr>
+          <p:cNvSpPr>
+            <a:spLocks noGrp="1"/>
+          </p:cNvSpPr>
+          <p:nvPr>
+            <p:ph type="dt" sz="half" idx="10"/>
+          </p:nvPr>
+        </p:nvSpPr>
+        <p:spPr/>
+        <p:txBody>
+          <a:bodyPr/>
+          <a:lstStyle/>
+          <a:p>
+            <a:r>
+              <a:rPr lang="en-US"/>
+              <a:t>15/09/2017</a:t>
+            </a:r>
+            <a:endParaRPr lang="en-GB" dirty="0"/>
+          </a:p>
+        </p:txBody>
+      </p:sp>
+      <p:sp>
+        <p:nvSpPr>
+          <p:cNvPr id="10" name="Dia számának helye 9">
+            <a:extLst>
+              <a:ext uri="{FF2B5EF4-FFF2-40B4-BE49-F238E27FC236}">
+                <a16:creationId xmlns:a16="http://schemas.microsoft.com/office/drawing/2014/main" id="{94FE06D5-0A43-46F7-873F-8D0E96F43061}"/>
+              </a:ext>
+            </a:extLst>
+          </p:cNvPr>
+          <p:cNvSpPr>
+            <a:spLocks noGrp="1"/>
+          </p:cNvSpPr>
+          <p:nvPr>
+            <p:ph type="sldNum" sz="quarter" idx="12"/>
+          </p:nvPr>
+        </p:nvSpPr>
+        <p:spPr/>
+        <p:txBody>
+          <a:bodyPr/>
+          <a:lstStyle/>
+          <a:p>
+            <a:fld id="{6E193381-6D78-40E2-84A6-22D11D0AB334}" type="slidenum">
+              <a:rPr lang="en-GB" smtClean="0"/>
+              <a:t>7</a:t>
+            </a:fld>
+            <a:endParaRPr lang="en-GB" dirty="0"/>
+          </a:p>
+        </p:txBody>
+      </p:sp>
     </p:spTree>
     <p:extLst>
       <p:ext uri="{BB962C8B-B14F-4D97-AF65-F5344CB8AC3E}">
@@ -6603,163 +5994,7 @@
                 <a:latin typeface="Helvetica" panose="020B0604020202020204" pitchFamily="34" charset="0"/>
                 <a:cs typeface="Helvetica" panose="020B0604020202020204" pitchFamily="34" charset="0"/>
               </a:rPr>
-              <a:t>(No, </a:t>
-            </a:r>
-            <a:r>
-              <a:rPr lang="hu-HU" cap="none" dirty="0" err="1">
-                <a:solidFill>
-                  <a:schemeClr val="tx1">
-                    <a:lumMod val="85000"/>
-                    <a:lumOff val="15000"/>
-                  </a:schemeClr>
-                </a:solidFill>
-                <a:latin typeface="Helvetica" panose="020B0604020202020204" pitchFamily="34" charset="0"/>
-                <a:cs typeface="Helvetica" panose="020B0604020202020204" pitchFamily="34" charset="0"/>
-              </a:rPr>
-              <a:t>just</a:t>
-            </a:r>
-            <a:r>
-              <a:rPr lang="hu-HU" cap="none" dirty="0">
-                <a:solidFill>
-                  <a:schemeClr val="tx1">
-                    <a:lumMod val="85000"/>
-                    <a:lumOff val="15000"/>
-                  </a:schemeClr>
-                </a:solidFill>
-                <a:latin typeface="Helvetica" panose="020B0604020202020204" pitchFamily="34" charset="0"/>
-                <a:cs typeface="Helvetica" panose="020B0604020202020204" pitchFamily="34" charset="0"/>
-              </a:rPr>
-              <a:t> </a:t>
-            </a:r>
-            <a:r>
-              <a:rPr lang="hu-HU" cap="none" dirty="0" err="1">
-                <a:solidFill>
-                  <a:schemeClr val="tx1">
-                    <a:lumMod val="85000"/>
-                    <a:lumOff val="15000"/>
-                  </a:schemeClr>
-                </a:solidFill>
-                <a:latin typeface="Helvetica" panose="020B0604020202020204" pitchFamily="34" charset="0"/>
-                <a:cs typeface="Helvetica" panose="020B0604020202020204" pitchFamily="34" charset="0"/>
-              </a:rPr>
-              <a:t>kidding</a:t>
-            </a:r>
-            <a:r>
-              <a:rPr lang="hu-HU" cap="none" dirty="0">
-                <a:solidFill>
-                  <a:schemeClr val="tx1">
-                    <a:lumMod val="85000"/>
-                    <a:lumOff val="15000"/>
-                  </a:schemeClr>
-                </a:solidFill>
-                <a:latin typeface="Helvetica" panose="020B0604020202020204" pitchFamily="34" charset="0"/>
-                <a:cs typeface="Helvetica" panose="020B0604020202020204" pitchFamily="34" charset="0"/>
-              </a:rPr>
-              <a:t>. I </a:t>
-            </a:r>
-            <a:r>
-              <a:rPr lang="hu-HU" cap="none" dirty="0" err="1">
-                <a:solidFill>
-                  <a:schemeClr val="tx1">
-                    <a:lumMod val="85000"/>
-                    <a:lumOff val="15000"/>
-                  </a:schemeClr>
-                </a:solidFill>
-                <a:latin typeface="Helvetica" panose="020B0604020202020204" pitchFamily="34" charset="0"/>
-                <a:cs typeface="Helvetica" panose="020B0604020202020204" pitchFamily="34" charset="0"/>
-              </a:rPr>
-              <a:t>will</a:t>
-            </a:r>
-            <a:r>
-              <a:rPr lang="hu-HU" cap="none" dirty="0">
-                <a:solidFill>
-                  <a:schemeClr val="tx1">
-                    <a:lumMod val="85000"/>
-                    <a:lumOff val="15000"/>
-                  </a:schemeClr>
-                </a:solidFill>
-                <a:latin typeface="Helvetica" panose="020B0604020202020204" pitchFamily="34" charset="0"/>
-                <a:cs typeface="Helvetica" panose="020B0604020202020204" pitchFamily="34" charset="0"/>
-              </a:rPr>
-              <a:t> </a:t>
-            </a:r>
-            <a:r>
-              <a:rPr lang="hu-HU" cap="none" dirty="0" err="1">
-                <a:solidFill>
-                  <a:schemeClr val="tx1">
-                    <a:lumMod val="85000"/>
-                    <a:lumOff val="15000"/>
-                  </a:schemeClr>
-                </a:solidFill>
-                <a:latin typeface="Helvetica" panose="020B0604020202020204" pitchFamily="34" charset="0"/>
-                <a:cs typeface="Helvetica" panose="020B0604020202020204" pitchFamily="34" charset="0"/>
-              </a:rPr>
-              <a:t>return</a:t>
-            </a:r>
-            <a:r>
-              <a:rPr lang="hu-HU" cap="none" dirty="0">
-                <a:solidFill>
-                  <a:schemeClr val="tx1">
-                    <a:lumMod val="85000"/>
-                    <a:lumOff val="15000"/>
-                  </a:schemeClr>
-                </a:solidFill>
-                <a:latin typeface="Helvetica" panose="020B0604020202020204" pitchFamily="34" charset="0"/>
-                <a:cs typeface="Helvetica" panose="020B0604020202020204" pitchFamily="34" charset="0"/>
-              </a:rPr>
-              <a:t> </a:t>
-            </a:r>
-            <a:r>
-              <a:rPr lang="hu-HU" cap="none" dirty="0" err="1">
-                <a:solidFill>
-                  <a:schemeClr val="tx1">
-                    <a:lumMod val="85000"/>
-                    <a:lumOff val="15000"/>
-                  </a:schemeClr>
-                </a:solidFill>
-                <a:latin typeface="Helvetica" panose="020B0604020202020204" pitchFamily="34" charset="0"/>
-                <a:cs typeface="Helvetica" panose="020B0604020202020204" pitchFamily="34" charset="0"/>
-              </a:rPr>
-              <a:t>next</a:t>
-            </a:r>
-            <a:r>
-              <a:rPr lang="hu-HU" cap="none" dirty="0">
-                <a:solidFill>
-                  <a:schemeClr val="tx1">
-                    <a:lumMod val="85000"/>
-                    <a:lumOff val="15000"/>
-                  </a:schemeClr>
-                </a:solidFill>
-                <a:latin typeface="Helvetica" panose="020B0604020202020204" pitchFamily="34" charset="0"/>
-                <a:cs typeface="Helvetica" panose="020B0604020202020204" pitchFamily="34" charset="0"/>
-              </a:rPr>
-              <a:t> </a:t>
-            </a:r>
-            <a:r>
-              <a:rPr lang="hu-HU" cap="none" dirty="0" err="1">
-                <a:solidFill>
-                  <a:schemeClr val="tx1">
-                    <a:lumMod val="85000"/>
-                    <a:lumOff val="15000"/>
-                  </a:schemeClr>
-                </a:solidFill>
-                <a:latin typeface="Helvetica" panose="020B0604020202020204" pitchFamily="34" charset="0"/>
-                <a:cs typeface="Helvetica" panose="020B0604020202020204" pitchFamily="34" charset="0"/>
-              </a:rPr>
-              <a:t>week</a:t>
-            </a:r>
-            <a:r>
-              <a:rPr lang="hu-HU" cap="none" dirty="0">
-                <a:solidFill>
-                  <a:schemeClr val="tx1">
-                    <a:lumMod val="85000"/>
-                    <a:lumOff val="15000"/>
-                  </a:schemeClr>
-                </a:solidFill>
-                <a:latin typeface="Helvetica" panose="020B0604020202020204" pitchFamily="34" charset="0"/>
-                <a:cs typeface="Helvetica" panose="020B0604020202020204" pitchFamily="34" charset="0"/>
-              </a:rPr>
-              <a:t>.)</a:t>
+              <a:t>(No, just kidding. I will return next week.)</a:t>
             </a:r>
             <a:endParaRPr lang="en-GB" cap="none" dirty="0">
               <a:solidFill>
@@ -6771,6 +6006,64 @@
               <a:latin typeface="Helvetica" panose="020B0604020202020204" pitchFamily="34" charset="0"/>
               <a:cs typeface="Helvetica" panose="020B0604020202020204" pitchFamily="34" charset="0"/>
             </a:endParaRPr>
+          </a:p>
+        </p:txBody>
+      </p:sp>
+      <p:sp>
+        <p:nvSpPr>
+          <p:cNvPr id="4" name="Dátum helye 3">
+            <a:extLst>
+              <a:ext uri="{FF2B5EF4-FFF2-40B4-BE49-F238E27FC236}">
+                <a16:creationId xmlns:a16="http://schemas.microsoft.com/office/drawing/2014/main" id="{0727D267-613D-47D4-BECD-45C84A396693}"/>
+              </a:ext>
+            </a:extLst>
+          </p:cNvPr>
+          <p:cNvSpPr>
+            <a:spLocks noGrp="1"/>
+          </p:cNvSpPr>
+          <p:nvPr>
+            <p:ph type="dt" sz="half" idx="10"/>
+          </p:nvPr>
+        </p:nvSpPr>
+        <p:spPr/>
+        <p:txBody>
+          <a:bodyPr/>
+          <a:lstStyle/>
+          <a:p>
+            <a:r>
+              <a:rPr lang="en-US"/>
+              <a:t>15/09/2017</a:t>
+            </a:r>
+            <a:endParaRPr lang="en-GB" dirty="0"/>
+          </a:p>
+        </p:txBody>
+      </p:sp>
+      <p:sp>
+        <p:nvSpPr>
+          <p:cNvPr id="5" name="Dia számának helye 4">
+            <a:extLst>
+              <a:ext uri="{FF2B5EF4-FFF2-40B4-BE49-F238E27FC236}">
+                <a16:creationId xmlns:a16="http://schemas.microsoft.com/office/drawing/2014/main" id="{E5A10C26-2236-46A9-A3B3-1428EE790AAF}"/>
+              </a:ext>
+            </a:extLst>
+          </p:cNvPr>
+          <p:cNvSpPr>
+            <a:spLocks noGrp="1"/>
+          </p:cNvSpPr>
+          <p:nvPr>
+            <p:ph type="sldNum" sz="quarter" idx="12"/>
+          </p:nvPr>
+        </p:nvSpPr>
+        <p:spPr/>
+        <p:txBody>
+          <a:bodyPr/>
+          <a:lstStyle/>
+          <a:p>
+            <a:fld id="{6E193381-6D78-40E2-84A6-22D11D0AB334}" type="slidenum">
+              <a:rPr lang="en-GB" smtClean="0"/>
+              <a:t>8</a:t>
+            </a:fld>
+            <a:endParaRPr lang="en-GB" dirty="0"/>
           </a:p>
         </p:txBody>
       </p:sp>
@@ -7068,4 +6361,299 @@
     </a:ext>
   </a:extLst>
 </a:theme>
+</file>
+
+<file path=ppt/theme/theme2.xml><?xml version="1.0" encoding="utf-8"?>
+<a:theme xmlns:a="http://schemas.openxmlformats.org/drawingml/2006/main" name="Office-téma">
+  <a:themeElements>
+    <a:clrScheme name="Office">
+      <a:dk1>
+        <a:sysClr val="windowText" lastClr="000000"/>
+      </a:dk1>
+      <a:lt1>
+        <a:sysClr val="window" lastClr="FFFFFF"/>
+      </a:lt1>
+      <a:dk2>
+        <a:srgbClr val="44546A"/>
+      </a:dk2>
+      <a:lt2>
+        <a:srgbClr val="E7E6E6"/>
+      </a:lt2>
+      <a:accent1>
+        <a:srgbClr val="4472C4"/>
+      </a:accent1>
+      <a:accent2>
+        <a:srgbClr val="ED7D31"/>
+      </a:accent2>
+      <a:accent3>
+        <a:srgbClr val="A5A5A5"/>
+      </a:accent3>
+      <a:accent4>
+        <a:srgbClr val="FFC000"/>
+      </a:accent4>
+      <a:accent5>
+        <a:srgbClr val="5B9BD5"/>
+      </a:accent5>
+      <a:accent6>
+        <a:srgbClr val="70AD47"/>
+      </a:accent6>
+      <a:hlink>
+        <a:srgbClr val="0563C1"/>
+      </a:hlink>
+      <a:folHlink>
+        <a:srgbClr val="954F72"/>
+      </a:folHlink>
+    </a:clrScheme>
+    <a:fontScheme name="Office">
+      <a:majorFont>
+        <a:latin typeface="Calibri Light" panose="020F0302020204030204"/>
+        <a:ea typeface=""/>
+        <a:cs typeface=""/>
+        <a:font script="Jpan" typeface="游ゴシック Light"/>
+        <a:font script="Hang" typeface="맑은 고딕"/>
+        <a:font script="Hans" typeface="等线 Light"/>
+        <a:font script="Hant" typeface="新細明體"/>
+        <a:font script="Arab" typeface="Times New Roman"/>
+        <a:font script="Hebr" typeface="Times New Roman"/>
+        <a:font script="Thai" typeface="Angsana New"/>
+        <a:font script="Ethi" typeface="Nyala"/>
+        <a:font script="Beng" typeface="Vrinda"/>
+        <a:font script="Gujr" typeface="Shruti"/>
+        <a:font script="Khmr" typeface="MoolBoran"/>
+        <a:font script="Knda" typeface="Tunga"/>
+        <a:font script="Guru" typeface="Raavi"/>
+        <a:font script="Cans" typeface="Euphemia"/>
+        <a:font script="Cher" typeface="Plantagenet Cherokee"/>
+        <a:font script="Yiii" typeface="Microsoft Yi Baiti"/>
+        <a:font script="Tibt" typeface="Microsoft Himalaya"/>
+        <a:font script="Thaa" typeface="MV Boli"/>
+        <a:font script="Deva" typeface="Mangal"/>
+        <a:font script="Telu" typeface="Gautami"/>
+        <a:font script="Taml" typeface="Latha"/>
+        <a:font script="Syrc" typeface="Estrangelo Edessa"/>
+        <a:font script="Orya" typeface="Kalinga"/>
+        <a:font script="Mlym" typeface="Kartika"/>
+        <a:font script="Laoo" typeface="DokChampa"/>
+        <a:font script="Sinh" typeface="Iskoola Pota"/>
+        <a:font script="Mong" typeface="Mongolian Baiti"/>
+        <a:font script="Viet" typeface="Times New Roman"/>
+        <a:font script="Uigh" typeface="Microsoft Uighur"/>
+        <a:font script="Geor" typeface="Sylfaen"/>
+        <a:font script="Armn" typeface="Arial"/>
+        <a:font script="Bugi" typeface="Leelawadee UI"/>
+        <a:font script="Bopo" typeface="Microsoft JhengHei"/>
+        <a:font script="Java" typeface="Javanese Text"/>
+        <a:font script="Lisu" typeface="Segoe UI"/>
+        <a:font script="Mymr" typeface="Myanmar Text"/>
+        <a:font script="Nkoo" typeface="Ebrima"/>
+        <a:font script="Olck" typeface="Nirmala UI"/>
+        <a:font script="Osma" typeface="Ebrima"/>
+        <a:font script="Phag" typeface="Phagspa"/>
+        <a:font script="Syrn" typeface="Estrangelo Edessa"/>
+        <a:font script="Syrj" typeface="Estrangelo Edessa"/>
+        <a:font script="Syre" typeface="Estrangelo Edessa"/>
+        <a:font script="Sora" typeface="Nirmala UI"/>
+        <a:font script="Tale" typeface="Microsoft Tai Le"/>
+        <a:font script="Talu" typeface="Microsoft New Tai Lue"/>
+        <a:font script="Tfng" typeface="Ebrima"/>
+      </a:majorFont>
+      <a:minorFont>
+        <a:latin typeface="Calibri" panose="020F0502020204030204"/>
+        <a:ea typeface=""/>
+        <a:cs typeface=""/>
+        <a:font script="Jpan" typeface="游ゴシック"/>
+        <a:font script="Hang" typeface="맑은 고딕"/>
+        <a:font script="Hans" typeface="等线"/>
+        <a:font script="Hant" typeface="新細明體"/>
+        <a:font script="Arab" typeface="Arial"/>
+        <a:font script="Hebr" typeface="Arial"/>
+        <a:font script="Thai" typeface="Cordia New"/>
+        <a:font script="Ethi" typeface="Nyala"/>
+        <a:font script="Beng" typeface="Vrinda"/>
+        <a:font script="Gujr" typeface="Shruti"/>
+        <a:font script="Khmr" typeface="DaunPenh"/>
+        <a:font script="Knda" typeface="Tunga"/>
+        <a:font script="Guru" typeface="Raavi"/>
+        <a:font script="Cans" typeface="Euphemia"/>
+        <a:font script="Cher" typeface="Plantagenet Cherokee"/>
+        <a:font script="Yiii" typeface="Microsoft Yi Baiti"/>
+        <a:font script="Tibt" typeface="Microsoft Himalaya"/>
+        <a:font script="Thaa" typeface="MV Boli"/>
+        <a:font script="Deva" typeface="Mangal"/>
+        <a:font script="Telu" typeface="Gautami"/>
+        <a:font script="Taml" typeface="Latha"/>
+        <a:font script="Syrc" typeface="Estrangelo Edessa"/>
+        <a:font script="Orya" typeface="Kalinga"/>
+        <a:font script="Mlym" typeface="Kartika"/>
+        <a:font script="Laoo" typeface="DokChampa"/>
+        <a:font script="Sinh" typeface="Iskoola Pota"/>
+        <a:font script="Mong" typeface="Mongolian Baiti"/>
+        <a:font script="Viet" typeface="Arial"/>
+        <a:font script="Uigh" typeface="Microsoft Uighur"/>
+        <a:font script="Geor" typeface="Sylfaen"/>
+        <a:font script="Armn" typeface="Arial"/>
+        <a:font script="Bugi" typeface="Leelawadee UI"/>
+        <a:font script="Bopo" typeface="Microsoft JhengHei"/>
+        <a:font script="Java" typeface="Javanese Text"/>
+        <a:font script="Lisu" typeface="Segoe UI"/>
+        <a:font script="Mymr" typeface="Myanmar Text"/>
+        <a:font script="Nkoo" typeface="Ebrima"/>
+        <a:font script="Olck" typeface="Nirmala UI"/>
+        <a:font script="Osma" typeface="Ebrima"/>
+        <a:font script="Phag" typeface="Phagspa"/>
+        <a:font script="Syrn" typeface="Estrangelo Edessa"/>
+        <a:font script="Syrj" typeface="Estrangelo Edessa"/>
+        <a:font script="Syre" typeface="Estrangelo Edessa"/>
+        <a:font script="Sora" typeface="Nirmala UI"/>
+        <a:font script="Tale" typeface="Microsoft Tai Le"/>
+        <a:font script="Talu" typeface="Microsoft New Tai Lue"/>
+        <a:font script="Tfng" typeface="Ebrima"/>
+      </a:minorFont>
+    </a:fontScheme>
+    <a:fmtScheme name="Office">
+      <a:fillStyleLst>
+        <a:solidFill>
+          <a:schemeClr val="phClr"/>
+        </a:solidFill>
+        <a:gradFill rotWithShape="1">
+          <a:gsLst>
+            <a:gs pos="0">
+              <a:schemeClr val="phClr">
+                <a:lumMod val="110000"/>
+                <a:satMod val="105000"/>
+                <a:tint val="67000"/>
+              </a:schemeClr>
+            </a:gs>
+            <a:gs pos="50000">
+              <a:schemeClr val="phClr">
+                <a:lumMod val="105000"/>
+                <a:satMod val="103000"/>
+                <a:tint val="73000"/>
+              </a:schemeClr>
+            </a:gs>
+            <a:gs pos="100000">
+              <a:schemeClr val="phClr">
+                <a:lumMod val="105000"/>
+                <a:satMod val="109000"/>
+                <a:tint val="81000"/>
+              </a:schemeClr>
+            </a:gs>
+          </a:gsLst>
+          <a:lin ang="5400000" scaled="0"/>
+        </a:gradFill>
+        <a:gradFill rotWithShape="1">
+          <a:gsLst>
+            <a:gs pos="0">
+              <a:schemeClr val="phClr">
+                <a:satMod val="103000"/>
+                <a:lumMod val="102000"/>
+                <a:tint val="94000"/>
+              </a:schemeClr>
+            </a:gs>
+            <a:gs pos="50000">
+              <a:schemeClr val="phClr">
+                <a:satMod val="110000"/>
+                <a:lumMod val="100000"/>
+                <a:shade val="100000"/>
+              </a:schemeClr>
+            </a:gs>
+            <a:gs pos="100000">
+              <a:schemeClr val="phClr">
+                <a:lumMod val="99000"/>
+                <a:satMod val="120000"/>
+                <a:shade val="78000"/>
+              </a:schemeClr>
+            </a:gs>
+          </a:gsLst>
+          <a:lin ang="5400000" scaled="0"/>
+        </a:gradFill>
+      </a:fillStyleLst>
+      <a:lnStyleLst>
+        <a:ln w="6350" cap="flat" cmpd="sng" algn="ctr">
+          <a:solidFill>
+            <a:schemeClr val="phClr"/>
+          </a:solidFill>
+          <a:prstDash val="solid"/>
+          <a:miter lim="800000"/>
+        </a:ln>
+        <a:ln w="12700" cap="flat" cmpd="sng" algn="ctr">
+          <a:solidFill>
+            <a:schemeClr val="phClr"/>
+          </a:solidFill>
+          <a:prstDash val="solid"/>
+          <a:miter lim="800000"/>
+        </a:ln>
+        <a:ln w="19050" cap="flat" cmpd="sng" algn="ctr">
+          <a:solidFill>
+            <a:schemeClr val="phClr"/>
+          </a:solidFill>
+          <a:prstDash val="solid"/>
+          <a:miter lim="800000"/>
+        </a:ln>
+      </a:lnStyleLst>
+      <a:effectStyleLst>
+        <a:effectStyle>
+          <a:effectLst/>
+        </a:effectStyle>
+        <a:effectStyle>
+          <a:effectLst/>
+        </a:effectStyle>
+        <a:effectStyle>
+          <a:effectLst>
+            <a:outerShdw blurRad="57150" dist="19050" dir="5400000" algn="ctr" rotWithShape="0">
+              <a:srgbClr val="000000">
+                <a:alpha val="63000"/>
+              </a:srgbClr>
+            </a:outerShdw>
+          </a:effectLst>
+        </a:effectStyle>
+      </a:effectStyleLst>
+      <a:bgFillStyleLst>
+        <a:solidFill>
+          <a:schemeClr val="phClr"/>
+        </a:solidFill>
+        <a:solidFill>
+          <a:schemeClr val="phClr">
+            <a:tint val="95000"/>
+            <a:satMod val="170000"/>
+          </a:schemeClr>
+        </a:solidFill>
+        <a:gradFill rotWithShape="1">
+          <a:gsLst>
+            <a:gs pos="0">
+              <a:schemeClr val="phClr">
+                <a:tint val="93000"/>
+                <a:satMod val="150000"/>
+                <a:shade val="98000"/>
+                <a:lumMod val="102000"/>
+              </a:schemeClr>
+            </a:gs>
+            <a:gs pos="50000">
+              <a:schemeClr val="phClr">
+                <a:tint val="98000"/>
+                <a:satMod val="130000"/>
+                <a:shade val="90000"/>
+                <a:lumMod val="103000"/>
+              </a:schemeClr>
+            </a:gs>
+            <a:gs pos="100000">
+              <a:schemeClr val="phClr">
+                <a:shade val="63000"/>
+                <a:satMod val="120000"/>
+              </a:schemeClr>
+            </a:gs>
+          </a:gsLst>
+          <a:lin ang="5400000" scaled="0"/>
+        </a:gradFill>
+      </a:bgFillStyleLst>
+    </a:fmtScheme>
+  </a:themeElements>
+  <a:objectDefaults/>
+  <a:extraClrSchemeLst/>
+  <a:extLst>
+    <a:ext uri="{05A4C25C-085E-4340-85A3-A5531E510DB2}">
+      <thm15:themeFamily xmlns:thm15="http://schemas.microsoft.com/office/thememl/2012/main" name="Office Theme" id="{62F939B6-93AF-4DB8-9C6B-D6C7DFDC589F}" vid="{4A3C46E8-61CC-4603-A589-7422A47A8E4A}"/>
+    </a:ext>
+  </a:extLst>
+</a:theme>
 </file>